--- a/doc/reports/캡스톤 1차 발표 자료.pptx
+++ b/doc/reports/캡스톤 1차 발표 자료.pptx
@@ -8,25 +8,28 @@
     <p:sldId id="256" r:id="rId2"/>
     <p:sldId id="257" r:id="rId3"/>
     <p:sldId id="266" r:id="rId4"/>
-    <p:sldId id="259" r:id="rId5"/>
+    <p:sldId id="286" r:id="rId5"/>
     <p:sldId id="262" r:id="rId6"/>
     <p:sldId id="258" r:id="rId7"/>
     <p:sldId id="268" r:id="rId8"/>
     <p:sldId id="264" r:id="rId9"/>
-    <p:sldId id="283" r:id="rId10"/>
-    <p:sldId id="284" r:id="rId11"/>
-    <p:sldId id="285" r:id="rId12"/>
-    <p:sldId id="261" r:id="rId13"/>
-    <p:sldId id="267" r:id="rId14"/>
-    <p:sldId id="269" r:id="rId15"/>
-    <p:sldId id="270" r:id="rId16"/>
-    <p:sldId id="271" r:id="rId17"/>
-    <p:sldId id="272" r:id="rId18"/>
-    <p:sldId id="275" r:id="rId19"/>
-    <p:sldId id="278" r:id="rId20"/>
-    <p:sldId id="279" r:id="rId21"/>
-    <p:sldId id="281" r:id="rId22"/>
-    <p:sldId id="282" r:id="rId23"/>
+    <p:sldId id="290" r:id="rId10"/>
+    <p:sldId id="291" r:id="rId11"/>
+    <p:sldId id="283" r:id="rId12"/>
+    <p:sldId id="287" r:id="rId13"/>
+    <p:sldId id="288" r:id="rId14"/>
+    <p:sldId id="261" r:id="rId15"/>
+    <p:sldId id="267" r:id="rId16"/>
+    <p:sldId id="269" r:id="rId17"/>
+    <p:sldId id="270" r:id="rId18"/>
+    <p:sldId id="271" r:id="rId19"/>
+    <p:sldId id="272" r:id="rId20"/>
+    <p:sldId id="289" r:id="rId21"/>
+    <p:sldId id="275" r:id="rId22"/>
+    <p:sldId id="278" r:id="rId23"/>
+    <p:sldId id="279" r:id="rId24"/>
+    <p:sldId id="281" r:id="rId25"/>
+    <p:sldId id="282" r:id="rId26"/>
   </p:sldIdLst>
   <p:sldSz cx="12192000" cy="6858000"/>
   <p:notesSz cx="6858000" cy="9144000"/>
@@ -317,7 +320,7 @@
           <a:p>
             <a:fld id="{0EC1F082-67EE-42F9-B1ED-D67018BA7247}" type="datetimeFigureOut">
               <a:rPr lang="ko-KR" altLang="en-US" smtClean="0"/>
-              <a:t>2018-03-05</a:t>
+              <a:t>2018-03-08</a:t>
             </a:fld>
             <a:endParaRPr lang="ko-KR" altLang="en-US"/>
           </a:p>
@@ -515,7 +518,7 @@
           <a:p>
             <a:fld id="{0EC1F082-67EE-42F9-B1ED-D67018BA7247}" type="datetimeFigureOut">
               <a:rPr lang="ko-KR" altLang="en-US" smtClean="0"/>
-              <a:t>2018-03-05</a:t>
+              <a:t>2018-03-08</a:t>
             </a:fld>
             <a:endParaRPr lang="ko-KR" altLang="en-US"/>
           </a:p>
@@ -723,7 +726,7 @@
           <a:p>
             <a:fld id="{0EC1F082-67EE-42F9-B1ED-D67018BA7247}" type="datetimeFigureOut">
               <a:rPr lang="ko-KR" altLang="en-US" smtClean="0"/>
-              <a:t>2018-03-05</a:t>
+              <a:t>2018-03-08</a:t>
             </a:fld>
             <a:endParaRPr lang="ko-KR" altLang="en-US"/>
           </a:p>
@@ -921,7 +924,7 @@
           <a:p>
             <a:fld id="{0EC1F082-67EE-42F9-B1ED-D67018BA7247}" type="datetimeFigureOut">
               <a:rPr lang="ko-KR" altLang="en-US" smtClean="0"/>
-              <a:t>2018-03-05</a:t>
+              <a:t>2018-03-08</a:t>
             </a:fld>
             <a:endParaRPr lang="ko-KR" altLang="en-US"/>
           </a:p>
@@ -1196,7 +1199,7 @@
           <a:p>
             <a:fld id="{0EC1F082-67EE-42F9-B1ED-D67018BA7247}" type="datetimeFigureOut">
               <a:rPr lang="ko-KR" altLang="en-US" smtClean="0"/>
-              <a:t>2018-03-05</a:t>
+              <a:t>2018-03-08</a:t>
             </a:fld>
             <a:endParaRPr lang="ko-KR" altLang="en-US"/>
           </a:p>
@@ -1461,7 +1464,7 @@
           <a:p>
             <a:fld id="{0EC1F082-67EE-42F9-B1ED-D67018BA7247}" type="datetimeFigureOut">
               <a:rPr lang="ko-KR" altLang="en-US" smtClean="0"/>
-              <a:t>2018-03-05</a:t>
+              <a:t>2018-03-08</a:t>
             </a:fld>
             <a:endParaRPr lang="ko-KR" altLang="en-US"/>
           </a:p>
@@ -1873,7 +1876,7 @@
           <a:p>
             <a:fld id="{0EC1F082-67EE-42F9-B1ED-D67018BA7247}" type="datetimeFigureOut">
               <a:rPr lang="ko-KR" altLang="en-US" smtClean="0"/>
-              <a:t>2018-03-05</a:t>
+              <a:t>2018-03-08</a:t>
             </a:fld>
             <a:endParaRPr lang="ko-KR" altLang="en-US"/>
           </a:p>
@@ -2014,7 +2017,7 @@
           <a:p>
             <a:fld id="{0EC1F082-67EE-42F9-B1ED-D67018BA7247}" type="datetimeFigureOut">
               <a:rPr lang="ko-KR" altLang="en-US" smtClean="0"/>
-              <a:t>2018-03-05</a:t>
+              <a:t>2018-03-08</a:t>
             </a:fld>
             <a:endParaRPr lang="ko-KR" altLang="en-US"/>
           </a:p>
@@ -2127,7 +2130,7 @@
           <a:p>
             <a:fld id="{0EC1F082-67EE-42F9-B1ED-D67018BA7247}" type="datetimeFigureOut">
               <a:rPr lang="ko-KR" altLang="en-US" smtClean="0"/>
-              <a:t>2018-03-05</a:t>
+              <a:t>2018-03-08</a:t>
             </a:fld>
             <a:endParaRPr lang="ko-KR" altLang="en-US"/>
           </a:p>
@@ -2438,7 +2441,7 @@
           <a:p>
             <a:fld id="{0EC1F082-67EE-42F9-B1ED-D67018BA7247}" type="datetimeFigureOut">
               <a:rPr lang="ko-KR" altLang="en-US" smtClean="0"/>
-              <a:t>2018-03-05</a:t>
+              <a:t>2018-03-08</a:t>
             </a:fld>
             <a:endParaRPr lang="ko-KR" altLang="en-US"/>
           </a:p>
@@ -2726,7 +2729,7 @@
           <a:p>
             <a:fld id="{0EC1F082-67EE-42F9-B1ED-D67018BA7247}" type="datetimeFigureOut">
               <a:rPr lang="ko-KR" altLang="en-US" smtClean="0"/>
-              <a:t>2018-03-05</a:t>
+              <a:t>2018-03-08</a:t>
             </a:fld>
             <a:endParaRPr lang="ko-KR" altLang="en-US"/>
           </a:p>
@@ -2967,7 +2970,7 @@
           <a:p>
             <a:fld id="{0EC1F082-67EE-42F9-B1ED-D67018BA7247}" type="datetimeFigureOut">
               <a:rPr lang="ko-KR" altLang="en-US" smtClean="0"/>
-              <a:t>2018-03-05</a:t>
+              <a:t>2018-03-08</a:t>
             </a:fld>
             <a:endParaRPr lang="ko-KR" altLang="en-US"/>
           </a:p>
@@ -3491,14 +3494,6 @@
 <file path=ppt/slides/slide10.xml><?xml version="1.0" encoding="utf-8"?>
 <p:sld xmlns:a="http://schemas.openxmlformats.org/drawingml/2006/main" xmlns:r="http://schemas.openxmlformats.org/officeDocument/2006/relationships" xmlns:p="http://schemas.openxmlformats.org/presentationml/2006/main">
   <p:cSld>
-    <p:bg>
-      <p:bgPr>
-        <a:solidFill>
-          <a:schemeClr val="bg1"/>
-        </a:solidFill>
-        <a:effectLst/>
-      </p:bgPr>
-    </p:bg>
     <p:spTree>
       <p:nvGrpSpPr>
         <p:cNvPr id="1" name=""/>
@@ -3513,139 +3508,59 @@
           <a:chExt cx="0" cy="0"/>
         </a:xfrm>
       </p:grpSpPr>
-      <p:sp>
-        <p:nvSpPr>
-          <p:cNvPr id="71" name="Rectangle 70">
-            <a:extLst>
-              <a:ext uri="{FF2B5EF4-FFF2-40B4-BE49-F238E27FC236}">
-                <a16:creationId xmlns:a16="http://schemas.microsoft.com/office/drawing/2014/main" id="{01D0AF59-99C3-4251-AB9A-C966C6AD4400}"/>
-              </a:ext>
-            </a:extLst>
-          </p:cNvPr>
-          <p:cNvSpPr>
-            <a:spLocks noGrp="1" noRot="1" noChangeAspect="1" noMove="1" noResize="1" noEditPoints="1" noAdjustHandles="1" noChangeArrowheads="1" noChangeShapeType="1" noTextEdit="1"/>
-          </p:cNvSpPr>
-          <p:nvPr>
-            <p:extLst>
-              <p:ext uri="{386F3935-93C4-4BCD-93E2-E3B085C9AB24}">
-                <p16:designElem xmlns:p16="http://schemas.microsoft.com/office/powerpoint/2015/main" val="1"/>
-              </p:ext>
-            </p:extLst>
-          </p:nvPr>
-        </p:nvSpPr>
-        <p:spPr>
+      <p:pic>
+        <p:nvPicPr>
+          <p:cNvPr id="5124" name="Picture 4" descr="음원추출에 대한 이미지 검색결과">
+            <a:extLst>
+              <a:ext uri="{FF2B5EF4-FFF2-40B4-BE49-F238E27FC236}">
+                <a16:creationId xmlns:a16="http://schemas.microsoft.com/office/drawing/2014/main" id="{09C3BBC3-2756-4B9E-9F54-5814F123D584}"/>
+              </a:ext>
+            </a:extLst>
+          </p:cNvPr>
+          <p:cNvPicPr>
+            <a:picLocks noChangeAspect="1" noChangeArrowheads="1"/>
+          </p:cNvPicPr>
+          <p:nvPr/>
+        </p:nvPicPr>
+        <p:blipFill>
+          <a:blip r:embed="rId2">
+            <a:extLst>
+              <a:ext uri="{28A0092B-C50C-407E-A947-70E740481C1C}">
+                <a14:useLocalDpi xmlns:a14="http://schemas.microsoft.com/office/drawing/2010/main" val="0"/>
+              </a:ext>
+            </a:extLst>
+          </a:blip>
+          <a:srcRect/>
+          <a:stretch>
+            <a:fillRect/>
+          </a:stretch>
+        </p:blipFill>
+        <p:spPr bwMode="auto">
           <a:xfrm>
-            <a:off x="0" y="0"/>
-            <a:ext cx="12192000" cy="6858000"/>
+            <a:off x="2486023" y="583092"/>
+            <a:ext cx="7219950" cy="2495550"/>
           </a:xfrm>
           <a:prstGeom prst="rect">
             <a:avLst/>
           </a:prstGeom>
-          <a:solidFill>
-            <a:schemeClr val="bg2"/>
-          </a:solidFill>
-          <a:ln>
-            <a:noFill/>
-          </a:ln>
+          <a:noFill/>
+          <a:extLst>
+            <a:ext uri="{909E8E84-426E-40DD-AFC4-6F175D3DCCD1}">
+              <a14:hiddenFill xmlns:a14="http://schemas.microsoft.com/office/drawing/2010/main">
+                <a:solidFill>
+                  <a:srgbClr val="FFFFFF"/>
+                </a:solidFill>
+              </a14:hiddenFill>
+            </a:ext>
+          </a:extLst>
         </p:spPr>
-        <p:style>
-          <a:lnRef idx="2">
-            <a:schemeClr val="accent1">
-              <a:shade val="50000"/>
-            </a:schemeClr>
-          </a:lnRef>
-          <a:fillRef idx="1">
-            <a:schemeClr val="accent1"/>
-          </a:fillRef>
-          <a:effectRef idx="0">
-            <a:schemeClr val="accent1"/>
-          </a:effectRef>
-          <a:fontRef idx="minor">
-            <a:schemeClr val="lt1"/>
-          </a:fontRef>
-        </p:style>
-        <p:txBody>
-          <a:bodyPr rtlCol="0" anchor="ctr"/>
-          <a:lstStyle/>
-          <a:p>
-            <a:pPr algn="ctr"/>
-            <a:endParaRPr lang="en-US"/>
-          </a:p>
-        </p:txBody>
-      </p:sp>
-      <p:sp>
-        <p:nvSpPr>
-          <p:cNvPr id="73" name="Rectangle 72">
-            <a:extLst>
-              <a:ext uri="{FF2B5EF4-FFF2-40B4-BE49-F238E27FC236}">
-                <a16:creationId xmlns:a16="http://schemas.microsoft.com/office/drawing/2014/main" id="{1855405F-37A2-4869-9154-F8BE3BECE6C3}"/>
-              </a:ext>
-            </a:extLst>
-          </p:cNvPr>
-          <p:cNvSpPr>
-            <a:spLocks noGrp="1" noRot="1" noChangeAspect="1" noMove="1" noResize="1" noEditPoints="1" noAdjustHandles="1" noChangeArrowheads="1" noChangeShapeType="1" noTextEdit="1"/>
-          </p:cNvSpPr>
-          <p:nvPr>
-            <p:extLst>
-              <p:ext uri="{386F3935-93C4-4BCD-93E2-E3B085C9AB24}">
-                <p16:designElem xmlns:p16="http://schemas.microsoft.com/office/powerpoint/2015/main" val="1"/>
-              </p:ext>
-            </p:extLst>
-          </p:nvPr>
-        </p:nvSpPr>
-        <p:spPr>
-          <a:xfrm>
-            <a:off x="477012" y="480060"/>
-            <a:ext cx="11237976" cy="5897880"/>
-          </a:xfrm>
-          <a:prstGeom prst="rect">
-            <a:avLst/>
-          </a:prstGeom>
-          <a:solidFill>
-            <a:srgbClr val="FFFFFF"/>
-          </a:solidFill>
-          <a:ln w="9525">
-            <a:noFill/>
-          </a:ln>
-          <a:effectLst>
-            <a:outerShdw blurRad="63500" dist="17780" dir="5400000" algn="t" rotWithShape="0">
-              <a:prstClr val="black">
-                <a:alpha val="43000"/>
-              </a:prstClr>
-            </a:outerShdw>
-          </a:effectLst>
-        </p:spPr>
-        <p:style>
-          <a:lnRef idx="2">
-            <a:schemeClr val="accent1">
-              <a:shade val="50000"/>
-            </a:schemeClr>
-          </a:lnRef>
-          <a:fillRef idx="1">
-            <a:schemeClr val="accent1"/>
-          </a:fillRef>
-          <a:effectRef idx="0">
-            <a:schemeClr val="accent1"/>
-          </a:effectRef>
-          <a:fontRef idx="minor">
-            <a:schemeClr val="lt1"/>
-          </a:fontRef>
-        </p:style>
-        <p:txBody>
-          <a:bodyPr rtlCol="0" anchor="ctr"/>
-          <a:lstStyle/>
-          <a:p>
-            <a:pPr algn="ctr"/>
-            <a:endParaRPr lang="en-US"/>
-          </a:p>
-        </p:txBody>
-      </p:sp>
+      </p:pic>
       <p:pic>
         <p:nvPicPr>
-          <p:cNvPr id="4" name="그림 3">
-            <a:extLst>
-              <a:ext uri="{FF2B5EF4-FFF2-40B4-BE49-F238E27FC236}">
-                <a16:creationId xmlns:a16="http://schemas.microsoft.com/office/drawing/2014/main" id="{09265CF9-B1BD-4E5C-9CF9-B2D73CF3B9EF}"/>
+          <p:cNvPr id="5" name="그림 4">
+            <a:extLst>
+              <a:ext uri="{FF2B5EF4-FFF2-40B4-BE49-F238E27FC236}">
+                <a16:creationId xmlns:a16="http://schemas.microsoft.com/office/drawing/2014/main" id="{119572BF-B4EF-4DD9-9235-1D4A6F2445C4}"/>
               </a:ext>
             </a:extLst>
           </p:cNvPr>
@@ -3655,15 +3570,15 @@
           <p:nvPr/>
         </p:nvPicPr>
         <p:blipFill>
-          <a:blip r:embed="rId2"/>
+          <a:blip r:embed="rId3"/>
           <a:stretch>
             <a:fillRect/>
           </a:stretch>
         </p:blipFill>
         <p:spPr>
           <a:xfrm>
-            <a:off x="4045170" y="1165154"/>
-            <a:ext cx="4101659" cy="3983988"/>
+            <a:off x="2930841" y="2971332"/>
+            <a:ext cx="6330315" cy="2757481"/>
           </a:xfrm>
           <a:prstGeom prst="rect">
             <a:avLst/>
@@ -3672,39 +3587,218 @@
       </p:pic>
       <p:sp>
         <p:nvSpPr>
-          <p:cNvPr id="5" name="TextBox 4">
-            <a:extLst>
-              <a:ext uri="{FF2B5EF4-FFF2-40B4-BE49-F238E27FC236}">
-                <a16:creationId xmlns:a16="http://schemas.microsoft.com/office/drawing/2014/main" id="{169CDC8E-11DB-4F46-AC6F-A3542169A47A}"/>
-              </a:ext>
-            </a:extLst>
-          </p:cNvPr>
-          <p:cNvSpPr txBox="1"/>
+          <p:cNvPr id="7" name="내용 개체 틀 2">
+            <a:extLst>
+              <a:ext uri="{FF2B5EF4-FFF2-40B4-BE49-F238E27FC236}">
+                <a16:creationId xmlns:a16="http://schemas.microsoft.com/office/drawing/2014/main" id="{D475F827-B898-4545-8F38-05020A2F416E}"/>
+              </a:ext>
+            </a:extLst>
+          </p:cNvPr>
+          <p:cNvSpPr txBox="1">
+            <a:spLocks/>
+          </p:cNvSpPr>
           <p:nvPr/>
         </p:nvSpPr>
         <p:spPr>
           <a:xfrm>
-            <a:off x="5044599" y="6008608"/>
-            <a:ext cx="2334293" cy="369332"/>
+            <a:off x="348028" y="5987860"/>
+            <a:ext cx="11495942" cy="702573"/>
           </a:xfrm>
           <a:prstGeom prst="rect">
             <a:avLst/>
           </a:prstGeom>
-          <a:noFill/>
+          <a:solidFill>
+            <a:schemeClr val="accent6">
+              <a:lumMod val="50000"/>
+              <a:alpha val="52000"/>
+            </a:schemeClr>
+          </a:solidFill>
+          <a:ln w="25400" cap="rnd" cmpd="dbl">
+            <a:solidFill>
+              <a:schemeClr val="accent6">
+                <a:lumMod val="40000"/>
+                <a:lumOff val="60000"/>
+              </a:schemeClr>
+            </a:solidFill>
+          </a:ln>
         </p:spPr>
         <p:txBody>
-          <a:bodyPr wrap="none" rtlCol="0">
-            <a:spAutoFit/>
+          <a:bodyPr vert="horz" lIns="91440" tIns="45720" rIns="91440" bIns="45720" rtlCol="0" anchor="ctr">
+            <a:normAutofit/>
           </a:bodyPr>
-          <a:lstStyle/>
-          <a:p>
-            <a:pPr marL="285750" indent="-285750">
-              <a:buFont typeface="Arial" panose="020B0604020202020204" pitchFamily="34" charset="0"/>
-              <a:buChar char="•"/>
-            </a:pPr>
-            <a:r>
-              <a:rPr lang="ko-KR" altLang="en-US" b="1" dirty="0"/>
-              <a:t>수정 할 수 있으며</a:t>
+          <a:lstStyle>
+            <a:lvl1pPr marL="228600" indent="-228600" algn="l" defTabSz="914400" rtl="0" eaLnBrk="1" latinLnBrk="1" hangingPunct="1">
+              <a:lnSpc>
+                <a:spcPct val="90000"/>
+              </a:lnSpc>
+              <a:spcBef>
+                <a:spcPts val="1000"/>
+              </a:spcBef>
+              <a:buFont typeface="Arial" panose="020B0604020202020204" pitchFamily="34" charset="0"/>
+              <a:buChar char="•"/>
+              <a:defRPr sz="2800" kern="1200">
+                <a:solidFill>
+                  <a:schemeClr val="tx1"/>
+                </a:solidFill>
+                <a:latin typeface="+mn-lt"/>
+                <a:ea typeface="+mn-ea"/>
+                <a:cs typeface="+mn-cs"/>
+              </a:defRPr>
+            </a:lvl1pPr>
+            <a:lvl2pPr marL="685800" indent="-228600" algn="l" defTabSz="914400" rtl="0" eaLnBrk="1" latinLnBrk="1" hangingPunct="1">
+              <a:lnSpc>
+                <a:spcPct val="90000"/>
+              </a:lnSpc>
+              <a:spcBef>
+                <a:spcPts val="500"/>
+              </a:spcBef>
+              <a:buFont typeface="Arial" panose="020B0604020202020204" pitchFamily="34" charset="0"/>
+              <a:buChar char="•"/>
+              <a:defRPr sz="2400" kern="1200">
+                <a:solidFill>
+                  <a:schemeClr val="tx1"/>
+                </a:solidFill>
+                <a:latin typeface="+mn-lt"/>
+                <a:ea typeface="+mn-ea"/>
+                <a:cs typeface="+mn-cs"/>
+              </a:defRPr>
+            </a:lvl2pPr>
+            <a:lvl3pPr marL="1143000" indent="-228600" algn="l" defTabSz="914400" rtl="0" eaLnBrk="1" latinLnBrk="1" hangingPunct="1">
+              <a:lnSpc>
+                <a:spcPct val="90000"/>
+              </a:lnSpc>
+              <a:spcBef>
+                <a:spcPts val="500"/>
+              </a:spcBef>
+              <a:buFont typeface="Arial" panose="020B0604020202020204" pitchFamily="34" charset="0"/>
+              <a:buChar char="•"/>
+              <a:defRPr sz="2000" kern="1200">
+                <a:solidFill>
+                  <a:schemeClr val="tx1"/>
+                </a:solidFill>
+                <a:latin typeface="+mn-lt"/>
+                <a:ea typeface="+mn-ea"/>
+                <a:cs typeface="+mn-cs"/>
+              </a:defRPr>
+            </a:lvl3pPr>
+            <a:lvl4pPr marL="1600200" indent="-228600" algn="l" defTabSz="914400" rtl="0" eaLnBrk="1" latinLnBrk="1" hangingPunct="1">
+              <a:lnSpc>
+                <a:spcPct val="90000"/>
+              </a:lnSpc>
+              <a:spcBef>
+                <a:spcPts val="500"/>
+              </a:spcBef>
+              <a:buFont typeface="Arial" panose="020B0604020202020204" pitchFamily="34" charset="0"/>
+              <a:buChar char="•"/>
+              <a:defRPr sz="1800" kern="1200">
+                <a:solidFill>
+                  <a:schemeClr val="tx1"/>
+                </a:solidFill>
+                <a:latin typeface="+mn-lt"/>
+                <a:ea typeface="+mn-ea"/>
+                <a:cs typeface="+mn-cs"/>
+              </a:defRPr>
+            </a:lvl4pPr>
+            <a:lvl5pPr marL="2057400" indent="-228600" algn="l" defTabSz="914400" rtl="0" eaLnBrk="1" latinLnBrk="1" hangingPunct="1">
+              <a:lnSpc>
+                <a:spcPct val="90000"/>
+              </a:lnSpc>
+              <a:spcBef>
+                <a:spcPts val="500"/>
+              </a:spcBef>
+              <a:buFont typeface="Arial" panose="020B0604020202020204" pitchFamily="34" charset="0"/>
+              <a:buChar char="•"/>
+              <a:defRPr sz="1800" kern="1200">
+                <a:solidFill>
+                  <a:schemeClr val="tx1"/>
+                </a:solidFill>
+                <a:latin typeface="+mn-lt"/>
+                <a:ea typeface="+mn-ea"/>
+                <a:cs typeface="+mn-cs"/>
+              </a:defRPr>
+            </a:lvl5pPr>
+            <a:lvl6pPr marL="2514600" indent="-228600" algn="l" defTabSz="914400" rtl="0" eaLnBrk="1" latinLnBrk="1" hangingPunct="1">
+              <a:lnSpc>
+                <a:spcPct val="90000"/>
+              </a:lnSpc>
+              <a:spcBef>
+                <a:spcPts val="500"/>
+              </a:spcBef>
+              <a:buFont typeface="Arial" panose="020B0604020202020204" pitchFamily="34" charset="0"/>
+              <a:buChar char="•"/>
+              <a:defRPr sz="1800" kern="1200">
+                <a:solidFill>
+                  <a:schemeClr val="tx1"/>
+                </a:solidFill>
+                <a:latin typeface="+mn-lt"/>
+                <a:ea typeface="+mn-ea"/>
+                <a:cs typeface="+mn-cs"/>
+              </a:defRPr>
+            </a:lvl6pPr>
+            <a:lvl7pPr marL="2971800" indent="-228600" algn="l" defTabSz="914400" rtl="0" eaLnBrk="1" latinLnBrk="1" hangingPunct="1">
+              <a:lnSpc>
+                <a:spcPct val="90000"/>
+              </a:lnSpc>
+              <a:spcBef>
+                <a:spcPts val="500"/>
+              </a:spcBef>
+              <a:buFont typeface="Arial" panose="020B0604020202020204" pitchFamily="34" charset="0"/>
+              <a:buChar char="•"/>
+              <a:defRPr sz="1800" kern="1200">
+                <a:solidFill>
+                  <a:schemeClr val="tx1"/>
+                </a:solidFill>
+                <a:latin typeface="+mn-lt"/>
+                <a:ea typeface="+mn-ea"/>
+                <a:cs typeface="+mn-cs"/>
+              </a:defRPr>
+            </a:lvl7pPr>
+            <a:lvl8pPr marL="3429000" indent="-228600" algn="l" defTabSz="914400" rtl="0" eaLnBrk="1" latinLnBrk="1" hangingPunct="1">
+              <a:lnSpc>
+                <a:spcPct val="90000"/>
+              </a:lnSpc>
+              <a:spcBef>
+                <a:spcPts val="500"/>
+              </a:spcBef>
+              <a:buFont typeface="Arial" panose="020B0604020202020204" pitchFamily="34" charset="0"/>
+              <a:buChar char="•"/>
+              <a:defRPr sz="1800" kern="1200">
+                <a:solidFill>
+                  <a:schemeClr val="tx1"/>
+                </a:solidFill>
+                <a:latin typeface="+mn-lt"/>
+                <a:ea typeface="+mn-ea"/>
+                <a:cs typeface="+mn-cs"/>
+              </a:defRPr>
+            </a:lvl8pPr>
+            <a:lvl9pPr marL="3886200" indent="-228600" algn="l" defTabSz="914400" rtl="0" eaLnBrk="1" latinLnBrk="1" hangingPunct="1">
+              <a:lnSpc>
+                <a:spcPct val="90000"/>
+              </a:lnSpc>
+              <a:spcBef>
+                <a:spcPts val="500"/>
+              </a:spcBef>
+              <a:buFont typeface="Arial" panose="020B0604020202020204" pitchFamily="34" charset="0"/>
+              <a:buChar char="•"/>
+              <a:defRPr sz="1800" kern="1200">
+                <a:solidFill>
+                  <a:schemeClr val="tx1"/>
+                </a:solidFill>
+                <a:latin typeface="+mn-lt"/>
+                <a:ea typeface="+mn-ea"/>
+                <a:cs typeface="+mn-cs"/>
+              </a:defRPr>
+            </a:lvl9pPr>
+          </a:lstStyle>
+          <a:p>
+            <a:pPr algn="ctr"/>
+            <a:r>
+              <a:rPr lang="ko-KR" altLang="en-US" sz="1800" b="1" dirty="0">
+                <a:solidFill>
+                  <a:schemeClr val="bg1"/>
+                </a:solidFill>
+              </a:rPr>
+              <a:t>악보를 추출하여</a:t>
             </a:r>
           </a:p>
         </p:txBody>
@@ -3712,13 +3806,137 @@
     </p:spTree>
     <p:extLst>
       <p:ext uri="{BB962C8B-B14F-4D97-AF65-F5344CB8AC3E}">
-        <p14:creationId xmlns:p14="http://schemas.microsoft.com/office/powerpoint/2010/main" val="4077831519"/>
+        <p14:creationId xmlns:p14="http://schemas.microsoft.com/office/powerpoint/2010/main" val="2174367495"/>
       </p:ext>
     </p:extLst>
   </p:cSld>
   <p:clrMapOvr>
     <a:masterClrMapping/>
   </p:clrMapOvr>
+  <p:timing>
+    <p:tnLst>
+      <p:par>
+        <p:cTn id="1" dur="indefinite" restart="never" nodeType="tmRoot">
+          <p:childTnLst>
+            <p:seq concurrent="1" nextAc="seek">
+              <p:cTn id="2" dur="indefinite" nodeType="mainSeq">
+                <p:childTnLst>
+                  <p:par>
+                    <p:cTn id="3" fill="hold">
+                      <p:stCondLst>
+                        <p:cond delay="indefinite"/>
+                        <p:cond evt="onBegin" delay="0">
+                          <p:tn val="2"/>
+                        </p:cond>
+                      </p:stCondLst>
+                      <p:childTnLst>
+                        <p:par>
+                          <p:cTn id="4" fill="hold">
+                            <p:stCondLst>
+                              <p:cond delay="0"/>
+                            </p:stCondLst>
+                            <p:childTnLst>
+                              <p:par>
+                                <p:cTn id="5" presetID="2" presetClass="entr" presetSubtype="2" fill="hold" nodeType="withEffect">
+                                  <p:stCondLst>
+                                    <p:cond delay="0"/>
+                                  </p:stCondLst>
+                                  <p:childTnLst>
+                                    <p:set>
+                                      <p:cBhvr>
+                                        <p:cTn id="6" dur="1" fill="hold">
+                                          <p:stCondLst>
+                                            <p:cond delay="0"/>
+                                          </p:stCondLst>
+                                        </p:cTn>
+                                        <p:tgtEl>
+                                          <p:spTgt spid="5"/>
+                                        </p:tgtEl>
+                                        <p:attrNameLst>
+                                          <p:attrName>style.visibility</p:attrName>
+                                        </p:attrNameLst>
+                                      </p:cBhvr>
+                                      <p:to>
+                                        <p:strVal val="visible"/>
+                                      </p:to>
+                                    </p:set>
+                                    <p:anim calcmode="lin" valueType="num">
+                                      <p:cBhvr additive="base">
+                                        <p:cTn id="7" dur="500" fill="hold"/>
+                                        <p:tgtEl>
+                                          <p:spTgt spid="5"/>
+                                        </p:tgtEl>
+                                        <p:attrNameLst>
+                                          <p:attrName>ppt_x</p:attrName>
+                                        </p:attrNameLst>
+                                      </p:cBhvr>
+                                      <p:tavLst>
+                                        <p:tav tm="0">
+                                          <p:val>
+                                            <p:strVal val="1+#ppt_w/2"/>
+                                          </p:val>
+                                        </p:tav>
+                                        <p:tav tm="100000">
+                                          <p:val>
+                                            <p:strVal val="#ppt_x"/>
+                                          </p:val>
+                                        </p:tav>
+                                      </p:tavLst>
+                                    </p:anim>
+                                    <p:anim calcmode="lin" valueType="num">
+                                      <p:cBhvr additive="base">
+                                        <p:cTn id="8" dur="500" fill="hold"/>
+                                        <p:tgtEl>
+                                          <p:spTgt spid="5"/>
+                                        </p:tgtEl>
+                                        <p:attrNameLst>
+                                          <p:attrName>ppt_y</p:attrName>
+                                        </p:attrNameLst>
+                                      </p:cBhvr>
+                                      <p:tavLst>
+                                        <p:tav tm="0">
+                                          <p:val>
+                                            <p:strVal val="#ppt_y"/>
+                                          </p:val>
+                                        </p:tav>
+                                        <p:tav tm="100000">
+                                          <p:val>
+                                            <p:strVal val="#ppt_y"/>
+                                          </p:val>
+                                        </p:tav>
+                                      </p:tavLst>
+                                    </p:anim>
+                                  </p:childTnLst>
+                                </p:cTn>
+                              </p:par>
+                            </p:childTnLst>
+                          </p:cTn>
+                        </p:par>
+                      </p:childTnLst>
+                    </p:cTn>
+                  </p:par>
+                </p:childTnLst>
+              </p:cTn>
+              <p:prevCondLst>
+                <p:cond evt="onPrev" delay="0">
+                  <p:tgtEl>
+                    <p:sldTgt/>
+                  </p:tgtEl>
+                </p:cond>
+              </p:prevCondLst>
+              <p:nextCondLst>
+                <p:cond evt="onNext" delay="0">
+                  <p:tgtEl>
+                    <p:sldTgt/>
+                  </p:tgtEl>
+                </p:cond>
+              </p:nextCondLst>
+            </p:seq>
+          </p:childTnLst>
+        </p:cTn>
+      </p:par>
+    </p:tnLst>
+  </p:timing>
 </p:sld>
 </file>
 
@@ -3744,7 +3962,7 @@
           <p:cNvPr id="4" name="그림 3">
             <a:extLst>
               <a:ext uri="{FF2B5EF4-FFF2-40B4-BE49-F238E27FC236}">
-                <a16:creationId xmlns:a16="http://schemas.microsoft.com/office/drawing/2014/main" id="{D03204F7-F7E6-4C21-9486-FB98B935263D}"/>
+                <a16:creationId xmlns:a16="http://schemas.microsoft.com/office/drawing/2014/main" id="{09949051-B3D6-46B3-B50B-720B9D81AB43}"/>
               </a:ext>
             </a:extLst>
           </p:cNvPr>
@@ -3761,8 +3979,8 @@
         </p:blipFill>
         <p:spPr>
           <a:xfrm>
-            <a:off x="3981720" y="932817"/>
-            <a:ext cx="4228557" cy="4228557"/>
+            <a:off x="3926289" y="609370"/>
+            <a:ext cx="4339421" cy="4339421"/>
           </a:xfrm>
           <a:prstGeom prst="rect">
             <a:avLst/>
@@ -3771,39 +3989,218 @@
       </p:pic>
       <p:sp>
         <p:nvSpPr>
-          <p:cNvPr id="5" name="TextBox 4">
-            <a:extLst>
-              <a:ext uri="{FF2B5EF4-FFF2-40B4-BE49-F238E27FC236}">
-                <a16:creationId xmlns:a16="http://schemas.microsoft.com/office/drawing/2014/main" id="{3457FDA9-AF54-44DC-9D88-D774BEC598FF}"/>
-              </a:ext>
-            </a:extLst>
-          </p:cNvPr>
-          <p:cNvSpPr txBox="1"/>
+          <p:cNvPr id="6" name="내용 개체 틀 2">
+            <a:extLst>
+              <a:ext uri="{FF2B5EF4-FFF2-40B4-BE49-F238E27FC236}">
+                <a16:creationId xmlns:a16="http://schemas.microsoft.com/office/drawing/2014/main" id="{99256386-E4CF-45A5-9556-D6C60C4BBC9B}"/>
+              </a:ext>
+            </a:extLst>
+          </p:cNvPr>
+          <p:cNvSpPr txBox="1">
+            <a:spLocks/>
+          </p:cNvSpPr>
           <p:nvPr/>
         </p:nvSpPr>
         <p:spPr>
           <a:xfrm>
-            <a:off x="4772560" y="6488668"/>
-            <a:ext cx="2646878" cy="369332"/>
+            <a:off x="348028" y="5987860"/>
+            <a:ext cx="11495942" cy="702573"/>
           </a:xfrm>
           <a:prstGeom prst="rect">
             <a:avLst/>
           </a:prstGeom>
-          <a:noFill/>
+          <a:solidFill>
+            <a:schemeClr val="accent6">
+              <a:lumMod val="50000"/>
+              <a:alpha val="52000"/>
+            </a:schemeClr>
+          </a:solidFill>
+          <a:ln w="25400" cap="rnd" cmpd="dbl">
+            <a:solidFill>
+              <a:schemeClr val="accent6">
+                <a:lumMod val="40000"/>
+                <a:lumOff val="60000"/>
+              </a:schemeClr>
+            </a:solidFill>
+          </a:ln>
         </p:spPr>
         <p:txBody>
-          <a:bodyPr wrap="none" rtlCol="0">
-            <a:spAutoFit/>
+          <a:bodyPr vert="horz" lIns="91440" tIns="45720" rIns="91440" bIns="45720" rtlCol="0" anchor="ctr">
+            <a:normAutofit/>
           </a:bodyPr>
-          <a:lstStyle/>
-          <a:p>
-            <a:pPr marL="285750" indent="-285750">
-              <a:buFont typeface="Arial" panose="020B0604020202020204" pitchFamily="34" charset="0"/>
-              <a:buChar char="•"/>
-            </a:pPr>
-            <a:r>
-              <a:rPr lang="ko-KR" altLang="en-US" b="1" dirty="0"/>
-              <a:t>다운로드 할 수 있는 </a:t>
+          <a:lstStyle>
+            <a:lvl1pPr marL="228600" indent="-228600" algn="l" defTabSz="914400" rtl="0" eaLnBrk="1" latinLnBrk="1" hangingPunct="1">
+              <a:lnSpc>
+                <a:spcPct val="90000"/>
+              </a:lnSpc>
+              <a:spcBef>
+                <a:spcPts val="1000"/>
+              </a:spcBef>
+              <a:buFont typeface="Arial" panose="020B0604020202020204" pitchFamily="34" charset="0"/>
+              <a:buChar char="•"/>
+              <a:defRPr sz="2800" kern="1200">
+                <a:solidFill>
+                  <a:schemeClr val="tx1"/>
+                </a:solidFill>
+                <a:latin typeface="+mn-lt"/>
+                <a:ea typeface="+mn-ea"/>
+                <a:cs typeface="+mn-cs"/>
+              </a:defRPr>
+            </a:lvl1pPr>
+            <a:lvl2pPr marL="685800" indent="-228600" algn="l" defTabSz="914400" rtl="0" eaLnBrk="1" latinLnBrk="1" hangingPunct="1">
+              <a:lnSpc>
+                <a:spcPct val="90000"/>
+              </a:lnSpc>
+              <a:spcBef>
+                <a:spcPts val="500"/>
+              </a:spcBef>
+              <a:buFont typeface="Arial" panose="020B0604020202020204" pitchFamily="34" charset="0"/>
+              <a:buChar char="•"/>
+              <a:defRPr sz="2400" kern="1200">
+                <a:solidFill>
+                  <a:schemeClr val="tx1"/>
+                </a:solidFill>
+                <a:latin typeface="+mn-lt"/>
+                <a:ea typeface="+mn-ea"/>
+                <a:cs typeface="+mn-cs"/>
+              </a:defRPr>
+            </a:lvl2pPr>
+            <a:lvl3pPr marL="1143000" indent="-228600" algn="l" defTabSz="914400" rtl="0" eaLnBrk="1" latinLnBrk="1" hangingPunct="1">
+              <a:lnSpc>
+                <a:spcPct val="90000"/>
+              </a:lnSpc>
+              <a:spcBef>
+                <a:spcPts val="500"/>
+              </a:spcBef>
+              <a:buFont typeface="Arial" panose="020B0604020202020204" pitchFamily="34" charset="0"/>
+              <a:buChar char="•"/>
+              <a:defRPr sz="2000" kern="1200">
+                <a:solidFill>
+                  <a:schemeClr val="tx1"/>
+                </a:solidFill>
+                <a:latin typeface="+mn-lt"/>
+                <a:ea typeface="+mn-ea"/>
+                <a:cs typeface="+mn-cs"/>
+              </a:defRPr>
+            </a:lvl3pPr>
+            <a:lvl4pPr marL="1600200" indent="-228600" algn="l" defTabSz="914400" rtl="0" eaLnBrk="1" latinLnBrk="1" hangingPunct="1">
+              <a:lnSpc>
+                <a:spcPct val="90000"/>
+              </a:lnSpc>
+              <a:spcBef>
+                <a:spcPts val="500"/>
+              </a:spcBef>
+              <a:buFont typeface="Arial" panose="020B0604020202020204" pitchFamily="34" charset="0"/>
+              <a:buChar char="•"/>
+              <a:defRPr sz="1800" kern="1200">
+                <a:solidFill>
+                  <a:schemeClr val="tx1"/>
+                </a:solidFill>
+                <a:latin typeface="+mn-lt"/>
+                <a:ea typeface="+mn-ea"/>
+                <a:cs typeface="+mn-cs"/>
+              </a:defRPr>
+            </a:lvl4pPr>
+            <a:lvl5pPr marL="2057400" indent="-228600" algn="l" defTabSz="914400" rtl="0" eaLnBrk="1" latinLnBrk="1" hangingPunct="1">
+              <a:lnSpc>
+                <a:spcPct val="90000"/>
+              </a:lnSpc>
+              <a:spcBef>
+                <a:spcPts val="500"/>
+              </a:spcBef>
+              <a:buFont typeface="Arial" panose="020B0604020202020204" pitchFamily="34" charset="0"/>
+              <a:buChar char="•"/>
+              <a:defRPr sz="1800" kern="1200">
+                <a:solidFill>
+                  <a:schemeClr val="tx1"/>
+                </a:solidFill>
+                <a:latin typeface="+mn-lt"/>
+                <a:ea typeface="+mn-ea"/>
+                <a:cs typeface="+mn-cs"/>
+              </a:defRPr>
+            </a:lvl5pPr>
+            <a:lvl6pPr marL="2514600" indent="-228600" algn="l" defTabSz="914400" rtl="0" eaLnBrk="1" latinLnBrk="1" hangingPunct="1">
+              <a:lnSpc>
+                <a:spcPct val="90000"/>
+              </a:lnSpc>
+              <a:spcBef>
+                <a:spcPts val="500"/>
+              </a:spcBef>
+              <a:buFont typeface="Arial" panose="020B0604020202020204" pitchFamily="34" charset="0"/>
+              <a:buChar char="•"/>
+              <a:defRPr sz="1800" kern="1200">
+                <a:solidFill>
+                  <a:schemeClr val="tx1"/>
+                </a:solidFill>
+                <a:latin typeface="+mn-lt"/>
+                <a:ea typeface="+mn-ea"/>
+                <a:cs typeface="+mn-cs"/>
+              </a:defRPr>
+            </a:lvl6pPr>
+            <a:lvl7pPr marL="2971800" indent="-228600" algn="l" defTabSz="914400" rtl="0" eaLnBrk="1" latinLnBrk="1" hangingPunct="1">
+              <a:lnSpc>
+                <a:spcPct val="90000"/>
+              </a:lnSpc>
+              <a:spcBef>
+                <a:spcPts val="500"/>
+              </a:spcBef>
+              <a:buFont typeface="Arial" panose="020B0604020202020204" pitchFamily="34" charset="0"/>
+              <a:buChar char="•"/>
+              <a:defRPr sz="1800" kern="1200">
+                <a:solidFill>
+                  <a:schemeClr val="tx1"/>
+                </a:solidFill>
+                <a:latin typeface="+mn-lt"/>
+                <a:ea typeface="+mn-ea"/>
+                <a:cs typeface="+mn-cs"/>
+              </a:defRPr>
+            </a:lvl7pPr>
+            <a:lvl8pPr marL="3429000" indent="-228600" algn="l" defTabSz="914400" rtl="0" eaLnBrk="1" latinLnBrk="1" hangingPunct="1">
+              <a:lnSpc>
+                <a:spcPct val="90000"/>
+              </a:lnSpc>
+              <a:spcBef>
+                <a:spcPts val="500"/>
+              </a:spcBef>
+              <a:buFont typeface="Arial" panose="020B0604020202020204" pitchFamily="34" charset="0"/>
+              <a:buChar char="•"/>
+              <a:defRPr sz="1800" kern="1200">
+                <a:solidFill>
+                  <a:schemeClr val="tx1"/>
+                </a:solidFill>
+                <a:latin typeface="+mn-lt"/>
+                <a:ea typeface="+mn-ea"/>
+                <a:cs typeface="+mn-cs"/>
+              </a:defRPr>
+            </a:lvl8pPr>
+            <a:lvl9pPr marL="3886200" indent="-228600" algn="l" defTabSz="914400" rtl="0" eaLnBrk="1" latinLnBrk="1" hangingPunct="1">
+              <a:lnSpc>
+                <a:spcPct val="90000"/>
+              </a:lnSpc>
+              <a:spcBef>
+                <a:spcPts val="500"/>
+              </a:spcBef>
+              <a:buFont typeface="Arial" panose="020B0604020202020204" pitchFamily="34" charset="0"/>
+              <a:buChar char="•"/>
+              <a:defRPr sz="1800" kern="1200">
+                <a:solidFill>
+                  <a:schemeClr val="tx1"/>
+                </a:solidFill>
+                <a:latin typeface="+mn-lt"/>
+                <a:ea typeface="+mn-ea"/>
+                <a:cs typeface="+mn-cs"/>
+              </a:defRPr>
+            </a:lvl9pPr>
+          </a:lstStyle>
+          <a:p>
+            <a:pPr algn="ctr"/>
+            <a:r>
+              <a:rPr lang="ko-KR" altLang="en-US" sz="1800" b="1" dirty="0">
+                <a:solidFill>
+                  <a:schemeClr val="bg1"/>
+                </a:solidFill>
+              </a:rPr>
+              <a:t>플레이 할 수 있고</a:t>
             </a:r>
           </a:p>
         </p:txBody>
@@ -3811,7 +4208,7 @@
     </p:spTree>
     <p:extLst>
       <p:ext uri="{BB962C8B-B14F-4D97-AF65-F5344CB8AC3E}">
-        <p14:creationId xmlns:p14="http://schemas.microsoft.com/office/powerpoint/2010/main" val="3859454393"/>
+        <p14:creationId xmlns:p14="http://schemas.microsoft.com/office/powerpoint/2010/main" val="1158900680"/>
       </p:ext>
     </p:extLst>
   </p:cSld>
@@ -3822,6 +4219,562 @@
 </file>
 
 <file path=ppt/slides/slide12.xml><?xml version="1.0" encoding="utf-8"?>
+<p:sld xmlns:a="http://schemas.openxmlformats.org/drawingml/2006/main" xmlns:r="http://schemas.openxmlformats.org/officeDocument/2006/relationships" xmlns:p="http://schemas.openxmlformats.org/presentationml/2006/main">
+  <p:cSld>
+    <p:spTree>
+      <p:nvGrpSpPr>
+        <p:cNvPr id="1" name=""/>
+        <p:cNvGrpSpPr/>
+        <p:nvPr/>
+      </p:nvGrpSpPr>
+      <p:grpSpPr>
+        <a:xfrm>
+          <a:off x="0" y="0"/>
+          <a:ext cx="0" cy="0"/>
+          <a:chOff x="0" y="0"/>
+          <a:chExt cx="0" cy="0"/>
+        </a:xfrm>
+      </p:grpSpPr>
+      <p:sp>
+        <p:nvSpPr>
+          <p:cNvPr id="6" name="내용 개체 틀 2">
+            <a:extLst>
+              <a:ext uri="{FF2B5EF4-FFF2-40B4-BE49-F238E27FC236}">
+                <a16:creationId xmlns:a16="http://schemas.microsoft.com/office/drawing/2014/main" id="{99256386-E4CF-45A5-9556-D6C60C4BBC9B}"/>
+              </a:ext>
+            </a:extLst>
+          </p:cNvPr>
+          <p:cNvSpPr txBox="1">
+            <a:spLocks/>
+          </p:cNvSpPr>
+          <p:nvPr/>
+        </p:nvSpPr>
+        <p:spPr>
+          <a:xfrm>
+            <a:off x="348028" y="5987860"/>
+            <a:ext cx="11495942" cy="702573"/>
+          </a:xfrm>
+          <a:prstGeom prst="rect">
+            <a:avLst/>
+          </a:prstGeom>
+          <a:solidFill>
+            <a:schemeClr val="accent6">
+              <a:lumMod val="50000"/>
+              <a:alpha val="52000"/>
+            </a:schemeClr>
+          </a:solidFill>
+          <a:ln w="25400" cap="rnd" cmpd="dbl">
+            <a:solidFill>
+              <a:schemeClr val="accent6">
+                <a:lumMod val="40000"/>
+                <a:lumOff val="60000"/>
+              </a:schemeClr>
+            </a:solidFill>
+          </a:ln>
+        </p:spPr>
+        <p:txBody>
+          <a:bodyPr vert="horz" lIns="91440" tIns="45720" rIns="91440" bIns="45720" rtlCol="0" anchor="ctr">
+            <a:normAutofit/>
+          </a:bodyPr>
+          <a:lstStyle>
+            <a:lvl1pPr marL="228600" indent="-228600" algn="l" defTabSz="914400" rtl="0" eaLnBrk="1" latinLnBrk="1" hangingPunct="1">
+              <a:lnSpc>
+                <a:spcPct val="90000"/>
+              </a:lnSpc>
+              <a:spcBef>
+                <a:spcPts val="1000"/>
+              </a:spcBef>
+              <a:buFont typeface="Arial" panose="020B0604020202020204" pitchFamily="34" charset="0"/>
+              <a:buChar char="•"/>
+              <a:defRPr sz="2800" kern="1200">
+                <a:solidFill>
+                  <a:schemeClr val="tx1"/>
+                </a:solidFill>
+                <a:latin typeface="+mn-lt"/>
+                <a:ea typeface="+mn-ea"/>
+                <a:cs typeface="+mn-cs"/>
+              </a:defRPr>
+            </a:lvl1pPr>
+            <a:lvl2pPr marL="685800" indent="-228600" algn="l" defTabSz="914400" rtl="0" eaLnBrk="1" latinLnBrk="1" hangingPunct="1">
+              <a:lnSpc>
+                <a:spcPct val="90000"/>
+              </a:lnSpc>
+              <a:spcBef>
+                <a:spcPts val="500"/>
+              </a:spcBef>
+              <a:buFont typeface="Arial" panose="020B0604020202020204" pitchFamily="34" charset="0"/>
+              <a:buChar char="•"/>
+              <a:defRPr sz="2400" kern="1200">
+                <a:solidFill>
+                  <a:schemeClr val="tx1"/>
+                </a:solidFill>
+                <a:latin typeface="+mn-lt"/>
+                <a:ea typeface="+mn-ea"/>
+                <a:cs typeface="+mn-cs"/>
+              </a:defRPr>
+            </a:lvl2pPr>
+            <a:lvl3pPr marL="1143000" indent="-228600" algn="l" defTabSz="914400" rtl="0" eaLnBrk="1" latinLnBrk="1" hangingPunct="1">
+              <a:lnSpc>
+                <a:spcPct val="90000"/>
+              </a:lnSpc>
+              <a:spcBef>
+                <a:spcPts val="500"/>
+              </a:spcBef>
+              <a:buFont typeface="Arial" panose="020B0604020202020204" pitchFamily="34" charset="0"/>
+              <a:buChar char="•"/>
+              <a:defRPr sz="2000" kern="1200">
+                <a:solidFill>
+                  <a:schemeClr val="tx1"/>
+                </a:solidFill>
+                <a:latin typeface="+mn-lt"/>
+                <a:ea typeface="+mn-ea"/>
+                <a:cs typeface="+mn-cs"/>
+              </a:defRPr>
+            </a:lvl3pPr>
+            <a:lvl4pPr marL="1600200" indent="-228600" algn="l" defTabSz="914400" rtl="0" eaLnBrk="1" latinLnBrk="1" hangingPunct="1">
+              <a:lnSpc>
+                <a:spcPct val="90000"/>
+              </a:lnSpc>
+              <a:spcBef>
+                <a:spcPts val="500"/>
+              </a:spcBef>
+              <a:buFont typeface="Arial" panose="020B0604020202020204" pitchFamily="34" charset="0"/>
+              <a:buChar char="•"/>
+              <a:defRPr sz="1800" kern="1200">
+                <a:solidFill>
+                  <a:schemeClr val="tx1"/>
+                </a:solidFill>
+                <a:latin typeface="+mn-lt"/>
+                <a:ea typeface="+mn-ea"/>
+                <a:cs typeface="+mn-cs"/>
+              </a:defRPr>
+            </a:lvl4pPr>
+            <a:lvl5pPr marL="2057400" indent="-228600" algn="l" defTabSz="914400" rtl="0" eaLnBrk="1" latinLnBrk="1" hangingPunct="1">
+              <a:lnSpc>
+                <a:spcPct val="90000"/>
+              </a:lnSpc>
+              <a:spcBef>
+                <a:spcPts val="500"/>
+              </a:spcBef>
+              <a:buFont typeface="Arial" panose="020B0604020202020204" pitchFamily="34" charset="0"/>
+              <a:buChar char="•"/>
+              <a:defRPr sz="1800" kern="1200">
+                <a:solidFill>
+                  <a:schemeClr val="tx1"/>
+                </a:solidFill>
+                <a:latin typeface="+mn-lt"/>
+                <a:ea typeface="+mn-ea"/>
+                <a:cs typeface="+mn-cs"/>
+              </a:defRPr>
+            </a:lvl5pPr>
+            <a:lvl6pPr marL="2514600" indent="-228600" algn="l" defTabSz="914400" rtl="0" eaLnBrk="1" latinLnBrk="1" hangingPunct="1">
+              <a:lnSpc>
+                <a:spcPct val="90000"/>
+              </a:lnSpc>
+              <a:spcBef>
+                <a:spcPts val="500"/>
+              </a:spcBef>
+              <a:buFont typeface="Arial" panose="020B0604020202020204" pitchFamily="34" charset="0"/>
+              <a:buChar char="•"/>
+              <a:defRPr sz="1800" kern="1200">
+                <a:solidFill>
+                  <a:schemeClr val="tx1"/>
+                </a:solidFill>
+                <a:latin typeface="+mn-lt"/>
+                <a:ea typeface="+mn-ea"/>
+                <a:cs typeface="+mn-cs"/>
+              </a:defRPr>
+            </a:lvl6pPr>
+            <a:lvl7pPr marL="2971800" indent="-228600" algn="l" defTabSz="914400" rtl="0" eaLnBrk="1" latinLnBrk="1" hangingPunct="1">
+              <a:lnSpc>
+                <a:spcPct val="90000"/>
+              </a:lnSpc>
+              <a:spcBef>
+                <a:spcPts val="500"/>
+              </a:spcBef>
+              <a:buFont typeface="Arial" panose="020B0604020202020204" pitchFamily="34" charset="0"/>
+              <a:buChar char="•"/>
+              <a:defRPr sz="1800" kern="1200">
+                <a:solidFill>
+                  <a:schemeClr val="tx1"/>
+                </a:solidFill>
+                <a:latin typeface="+mn-lt"/>
+                <a:ea typeface="+mn-ea"/>
+                <a:cs typeface="+mn-cs"/>
+              </a:defRPr>
+            </a:lvl7pPr>
+            <a:lvl8pPr marL="3429000" indent="-228600" algn="l" defTabSz="914400" rtl="0" eaLnBrk="1" latinLnBrk="1" hangingPunct="1">
+              <a:lnSpc>
+                <a:spcPct val="90000"/>
+              </a:lnSpc>
+              <a:spcBef>
+                <a:spcPts val="500"/>
+              </a:spcBef>
+              <a:buFont typeface="Arial" panose="020B0604020202020204" pitchFamily="34" charset="0"/>
+              <a:buChar char="•"/>
+              <a:defRPr sz="1800" kern="1200">
+                <a:solidFill>
+                  <a:schemeClr val="tx1"/>
+                </a:solidFill>
+                <a:latin typeface="+mn-lt"/>
+                <a:ea typeface="+mn-ea"/>
+                <a:cs typeface="+mn-cs"/>
+              </a:defRPr>
+            </a:lvl8pPr>
+            <a:lvl9pPr marL="3886200" indent="-228600" algn="l" defTabSz="914400" rtl="0" eaLnBrk="1" latinLnBrk="1" hangingPunct="1">
+              <a:lnSpc>
+                <a:spcPct val="90000"/>
+              </a:lnSpc>
+              <a:spcBef>
+                <a:spcPts val="500"/>
+              </a:spcBef>
+              <a:buFont typeface="Arial" panose="020B0604020202020204" pitchFamily="34" charset="0"/>
+              <a:buChar char="•"/>
+              <a:defRPr sz="1800" kern="1200">
+                <a:solidFill>
+                  <a:schemeClr val="tx1"/>
+                </a:solidFill>
+                <a:latin typeface="+mn-lt"/>
+                <a:ea typeface="+mn-ea"/>
+                <a:cs typeface="+mn-cs"/>
+              </a:defRPr>
+            </a:lvl9pPr>
+          </a:lstStyle>
+          <a:p>
+            <a:pPr algn="ctr"/>
+            <a:r>
+              <a:rPr lang="ko-KR" altLang="en-US" sz="1800" b="1" dirty="0">
+                <a:solidFill>
+                  <a:schemeClr val="bg1"/>
+                </a:solidFill>
+              </a:rPr>
+              <a:t>수정 할 수 있으며</a:t>
+            </a:r>
+          </a:p>
+        </p:txBody>
+      </p:sp>
+      <p:pic>
+        <p:nvPicPr>
+          <p:cNvPr id="5" name="그림 4">
+            <a:extLst>
+              <a:ext uri="{FF2B5EF4-FFF2-40B4-BE49-F238E27FC236}">
+                <a16:creationId xmlns:a16="http://schemas.microsoft.com/office/drawing/2014/main" id="{60D7A121-1FBC-4BF3-BE3D-9FD1F3FCDBC3}"/>
+              </a:ext>
+            </a:extLst>
+          </p:cNvPr>
+          <p:cNvPicPr>
+            <a:picLocks noChangeAspect="1"/>
+          </p:cNvPicPr>
+          <p:nvPr/>
+        </p:nvPicPr>
+        <p:blipFill>
+          <a:blip r:embed="rId2"/>
+          <a:stretch>
+            <a:fillRect/>
+          </a:stretch>
+        </p:blipFill>
+        <p:spPr>
+          <a:xfrm>
+            <a:off x="4045169" y="740611"/>
+            <a:ext cx="4101659" cy="3983988"/>
+          </a:xfrm>
+          <a:prstGeom prst="rect">
+            <a:avLst/>
+          </a:prstGeom>
+        </p:spPr>
+      </p:pic>
+    </p:spTree>
+    <p:extLst>
+      <p:ext uri="{BB962C8B-B14F-4D97-AF65-F5344CB8AC3E}">
+        <p14:creationId xmlns:p14="http://schemas.microsoft.com/office/powerpoint/2010/main" val="4184407418"/>
+      </p:ext>
+    </p:extLst>
+  </p:cSld>
+  <p:clrMapOvr>
+    <a:masterClrMapping/>
+  </p:clrMapOvr>
+</p:sld>
+</file>
+
+<file path=ppt/slides/slide13.xml><?xml version="1.0" encoding="utf-8"?>
+<p:sld xmlns:a="http://schemas.openxmlformats.org/drawingml/2006/main" xmlns:r="http://schemas.openxmlformats.org/officeDocument/2006/relationships" xmlns:p="http://schemas.openxmlformats.org/presentationml/2006/main">
+  <p:cSld>
+    <p:spTree>
+      <p:nvGrpSpPr>
+        <p:cNvPr id="1" name=""/>
+        <p:cNvGrpSpPr/>
+        <p:nvPr/>
+      </p:nvGrpSpPr>
+      <p:grpSpPr>
+        <a:xfrm>
+          <a:off x="0" y="0"/>
+          <a:ext cx="0" cy="0"/>
+          <a:chOff x="0" y="0"/>
+          <a:chExt cx="0" cy="0"/>
+        </a:xfrm>
+      </p:grpSpPr>
+      <p:sp>
+        <p:nvSpPr>
+          <p:cNvPr id="6" name="내용 개체 틀 2">
+            <a:extLst>
+              <a:ext uri="{FF2B5EF4-FFF2-40B4-BE49-F238E27FC236}">
+                <a16:creationId xmlns:a16="http://schemas.microsoft.com/office/drawing/2014/main" id="{99256386-E4CF-45A5-9556-D6C60C4BBC9B}"/>
+              </a:ext>
+            </a:extLst>
+          </p:cNvPr>
+          <p:cNvSpPr txBox="1">
+            <a:spLocks/>
+          </p:cNvSpPr>
+          <p:nvPr/>
+        </p:nvSpPr>
+        <p:spPr>
+          <a:xfrm>
+            <a:off x="348028" y="5987860"/>
+            <a:ext cx="11495942" cy="702573"/>
+          </a:xfrm>
+          <a:prstGeom prst="rect">
+            <a:avLst/>
+          </a:prstGeom>
+          <a:solidFill>
+            <a:schemeClr val="accent6">
+              <a:lumMod val="50000"/>
+              <a:alpha val="52000"/>
+            </a:schemeClr>
+          </a:solidFill>
+          <a:ln w="25400" cap="rnd" cmpd="dbl">
+            <a:solidFill>
+              <a:schemeClr val="accent6">
+                <a:lumMod val="40000"/>
+                <a:lumOff val="60000"/>
+              </a:schemeClr>
+            </a:solidFill>
+          </a:ln>
+        </p:spPr>
+        <p:txBody>
+          <a:bodyPr vert="horz" lIns="91440" tIns="45720" rIns="91440" bIns="45720" rtlCol="0" anchor="ctr">
+            <a:normAutofit/>
+          </a:bodyPr>
+          <a:lstStyle>
+            <a:lvl1pPr marL="228600" indent="-228600" algn="l" defTabSz="914400" rtl="0" eaLnBrk="1" latinLnBrk="1" hangingPunct="1">
+              <a:lnSpc>
+                <a:spcPct val="90000"/>
+              </a:lnSpc>
+              <a:spcBef>
+                <a:spcPts val="1000"/>
+              </a:spcBef>
+              <a:buFont typeface="Arial" panose="020B0604020202020204" pitchFamily="34" charset="0"/>
+              <a:buChar char="•"/>
+              <a:defRPr sz="2800" kern="1200">
+                <a:solidFill>
+                  <a:schemeClr val="tx1"/>
+                </a:solidFill>
+                <a:latin typeface="+mn-lt"/>
+                <a:ea typeface="+mn-ea"/>
+                <a:cs typeface="+mn-cs"/>
+              </a:defRPr>
+            </a:lvl1pPr>
+            <a:lvl2pPr marL="685800" indent="-228600" algn="l" defTabSz="914400" rtl="0" eaLnBrk="1" latinLnBrk="1" hangingPunct="1">
+              <a:lnSpc>
+                <a:spcPct val="90000"/>
+              </a:lnSpc>
+              <a:spcBef>
+                <a:spcPts val="500"/>
+              </a:spcBef>
+              <a:buFont typeface="Arial" panose="020B0604020202020204" pitchFamily="34" charset="0"/>
+              <a:buChar char="•"/>
+              <a:defRPr sz="2400" kern="1200">
+                <a:solidFill>
+                  <a:schemeClr val="tx1"/>
+                </a:solidFill>
+                <a:latin typeface="+mn-lt"/>
+                <a:ea typeface="+mn-ea"/>
+                <a:cs typeface="+mn-cs"/>
+              </a:defRPr>
+            </a:lvl2pPr>
+            <a:lvl3pPr marL="1143000" indent="-228600" algn="l" defTabSz="914400" rtl="0" eaLnBrk="1" latinLnBrk="1" hangingPunct="1">
+              <a:lnSpc>
+                <a:spcPct val="90000"/>
+              </a:lnSpc>
+              <a:spcBef>
+                <a:spcPts val="500"/>
+              </a:spcBef>
+              <a:buFont typeface="Arial" panose="020B0604020202020204" pitchFamily="34" charset="0"/>
+              <a:buChar char="•"/>
+              <a:defRPr sz="2000" kern="1200">
+                <a:solidFill>
+                  <a:schemeClr val="tx1"/>
+                </a:solidFill>
+                <a:latin typeface="+mn-lt"/>
+                <a:ea typeface="+mn-ea"/>
+                <a:cs typeface="+mn-cs"/>
+              </a:defRPr>
+            </a:lvl3pPr>
+            <a:lvl4pPr marL="1600200" indent="-228600" algn="l" defTabSz="914400" rtl="0" eaLnBrk="1" latinLnBrk="1" hangingPunct="1">
+              <a:lnSpc>
+                <a:spcPct val="90000"/>
+              </a:lnSpc>
+              <a:spcBef>
+                <a:spcPts val="500"/>
+              </a:spcBef>
+              <a:buFont typeface="Arial" panose="020B0604020202020204" pitchFamily="34" charset="0"/>
+              <a:buChar char="•"/>
+              <a:defRPr sz="1800" kern="1200">
+                <a:solidFill>
+                  <a:schemeClr val="tx1"/>
+                </a:solidFill>
+                <a:latin typeface="+mn-lt"/>
+                <a:ea typeface="+mn-ea"/>
+                <a:cs typeface="+mn-cs"/>
+              </a:defRPr>
+            </a:lvl4pPr>
+            <a:lvl5pPr marL="2057400" indent="-228600" algn="l" defTabSz="914400" rtl="0" eaLnBrk="1" latinLnBrk="1" hangingPunct="1">
+              <a:lnSpc>
+                <a:spcPct val="90000"/>
+              </a:lnSpc>
+              <a:spcBef>
+                <a:spcPts val="500"/>
+              </a:spcBef>
+              <a:buFont typeface="Arial" panose="020B0604020202020204" pitchFamily="34" charset="0"/>
+              <a:buChar char="•"/>
+              <a:defRPr sz="1800" kern="1200">
+                <a:solidFill>
+                  <a:schemeClr val="tx1"/>
+                </a:solidFill>
+                <a:latin typeface="+mn-lt"/>
+                <a:ea typeface="+mn-ea"/>
+                <a:cs typeface="+mn-cs"/>
+              </a:defRPr>
+            </a:lvl5pPr>
+            <a:lvl6pPr marL="2514600" indent="-228600" algn="l" defTabSz="914400" rtl="0" eaLnBrk="1" latinLnBrk="1" hangingPunct="1">
+              <a:lnSpc>
+                <a:spcPct val="90000"/>
+              </a:lnSpc>
+              <a:spcBef>
+                <a:spcPts val="500"/>
+              </a:spcBef>
+              <a:buFont typeface="Arial" panose="020B0604020202020204" pitchFamily="34" charset="0"/>
+              <a:buChar char="•"/>
+              <a:defRPr sz="1800" kern="1200">
+                <a:solidFill>
+                  <a:schemeClr val="tx1"/>
+                </a:solidFill>
+                <a:latin typeface="+mn-lt"/>
+                <a:ea typeface="+mn-ea"/>
+                <a:cs typeface="+mn-cs"/>
+              </a:defRPr>
+            </a:lvl6pPr>
+            <a:lvl7pPr marL="2971800" indent="-228600" algn="l" defTabSz="914400" rtl="0" eaLnBrk="1" latinLnBrk="1" hangingPunct="1">
+              <a:lnSpc>
+                <a:spcPct val="90000"/>
+              </a:lnSpc>
+              <a:spcBef>
+                <a:spcPts val="500"/>
+              </a:spcBef>
+              <a:buFont typeface="Arial" panose="020B0604020202020204" pitchFamily="34" charset="0"/>
+              <a:buChar char="•"/>
+              <a:defRPr sz="1800" kern="1200">
+                <a:solidFill>
+                  <a:schemeClr val="tx1"/>
+                </a:solidFill>
+                <a:latin typeface="+mn-lt"/>
+                <a:ea typeface="+mn-ea"/>
+                <a:cs typeface="+mn-cs"/>
+              </a:defRPr>
+            </a:lvl7pPr>
+            <a:lvl8pPr marL="3429000" indent="-228600" algn="l" defTabSz="914400" rtl="0" eaLnBrk="1" latinLnBrk="1" hangingPunct="1">
+              <a:lnSpc>
+                <a:spcPct val="90000"/>
+              </a:lnSpc>
+              <a:spcBef>
+                <a:spcPts val="500"/>
+              </a:spcBef>
+              <a:buFont typeface="Arial" panose="020B0604020202020204" pitchFamily="34" charset="0"/>
+              <a:buChar char="•"/>
+              <a:defRPr sz="1800" kern="1200">
+                <a:solidFill>
+                  <a:schemeClr val="tx1"/>
+                </a:solidFill>
+                <a:latin typeface="+mn-lt"/>
+                <a:ea typeface="+mn-ea"/>
+                <a:cs typeface="+mn-cs"/>
+              </a:defRPr>
+            </a:lvl8pPr>
+            <a:lvl9pPr marL="3886200" indent="-228600" algn="l" defTabSz="914400" rtl="0" eaLnBrk="1" latinLnBrk="1" hangingPunct="1">
+              <a:lnSpc>
+                <a:spcPct val="90000"/>
+              </a:lnSpc>
+              <a:spcBef>
+                <a:spcPts val="500"/>
+              </a:spcBef>
+              <a:buFont typeface="Arial" panose="020B0604020202020204" pitchFamily="34" charset="0"/>
+              <a:buChar char="•"/>
+              <a:defRPr sz="1800" kern="1200">
+                <a:solidFill>
+                  <a:schemeClr val="tx1"/>
+                </a:solidFill>
+                <a:latin typeface="+mn-lt"/>
+                <a:ea typeface="+mn-ea"/>
+                <a:cs typeface="+mn-cs"/>
+              </a:defRPr>
+            </a:lvl9pPr>
+          </a:lstStyle>
+          <a:p>
+            <a:pPr algn="ctr"/>
+            <a:r>
+              <a:rPr lang="ko-KR" altLang="en-US" sz="1800" b="1" dirty="0">
+                <a:solidFill>
+                  <a:schemeClr val="bg1"/>
+                </a:solidFill>
+              </a:rPr>
+              <a:t>다운로드 할 수 있는</a:t>
+            </a:r>
+          </a:p>
+        </p:txBody>
+      </p:sp>
+      <p:pic>
+        <p:nvPicPr>
+          <p:cNvPr id="8" name="그림 7">
+            <a:extLst>
+              <a:ext uri="{FF2B5EF4-FFF2-40B4-BE49-F238E27FC236}">
+                <a16:creationId xmlns:a16="http://schemas.microsoft.com/office/drawing/2014/main" id="{425EEAB9-BCED-4F3F-8EE1-9E15FA7441A9}"/>
+              </a:ext>
+            </a:extLst>
+          </p:cNvPr>
+          <p:cNvPicPr>
+            <a:picLocks noChangeAspect="1"/>
+          </p:cNvPicPr>
+          <p:nvPr/>
+        </p:nvPicPr>
+        <p:blipFill>
+          <a:blip r:embed="rId2"/>
+          <a:stretch>
+            <a:fillRect/>
+          </a:stretch>
+        </p:blipFill>
+        <p:spPr>
+          <a:xfrm>
+            <a:off x="3981719" y="618326"/>
+            <a:ext cx="4228557" cy="4228557"/>
+          </a:xfrm>
+          <a:prstGeom prst="rect">
+            <a:avLst/>
+          </a:prstGeom>
+        </p:spPr>
+      </p:pic>
+    </p:spTree>
+    <p:extLst>
+      <p:ext uri="{BB962C8B-B14F-4D97-AF65-F5344CB8AC3E}">
+        <p14:creationId xmlns:p14="http://schemas.microsoft.com/office/powerpoint/2010/main" val="716042649"/>
+      </p:ext>
+    </p:extLst>
+  </p:cSld>
+  <p:clrMapOvr>
+    <a:masterClrMapping/>
+  </p:clrMapOvr>
+</p:sld>
+</file>
+
+<file path=ppt/slides/slide14.xml><?xml version="1.0" encoding="utf-8"?>
 <p:sld xmlns:a="http://schemas.openxmlformats.org/drawingml/2006/main" xmlns:r="http://schemas.openxmlformats.org/officeDocument/2006/relationships" xmlns:p="http://schemas.openxmlformats.org/presentationml/2006/main">
   <p:cSld>
     <p:bg>
@@ -4069,62 +5022,6 @@
           </a:p>
         </p:txBody>
       </p:sp>
-      <p:sp>
-        <p:nvSpPr>
-          <p:cNvPr id="4" name="TextBox 3">
-            <a:extLst>
-              <a:ext uri="{FF2B5EF4-FFF2-40B4-BE49-F238E27FC236}">
-                <a16:creationId xmlns:a16="http://schemas.microsoft.com/office/drawing/2014/main" id="{E2C4EE16-F7C8-437F-8C9A-3A5A39BD6DCF}"/>
-              </a:ext>
-            </a:extLst>
-          </p:cNvPr>
-          <p:cNvSpPr txBox="1"/>
-          <p:nvPr/>
-        </p:nvSpPr>
-        <p:spPr>
-          <a:xfrm>
-            <a:off x="592444" y="5896783"/>
-            <a:ext cx="11032066" cy="369332"/>
-          </a:xfrm>
-          <a:prstGeom prst="rect">
-            <a:avLst/>
-          </a:prstGeom>
-          <a:noFill/>
-        </p:spPr>
-        <p:txBody>
-          <a:bodyPr wrap="square" rtlCol="0">
-            <a:spAutoFit/>
-          </a:bodyPr>
-          <a:lstStyle/>
-          <a:p>
-            <a:pPr marL="285750" indent="-285750" algn="ctr">
-              <a:buFont typeface="Arial" panose="020B0604020202020204" pitchFamily="34" charset="0"/>
-              <a:buChar char="•"/>
-            </a:pPr>
-            <a:r>
-              <a:rPr lang="ko-KR" altLang="en-US" b="1" dirty="0"/>
-              <a:t>악보를 </a:t>
-            </a:r>
-            <a:r>
-              <a:rPr lang="ko-KR" altLang="en-US" b="1" dirty="0" err="1"/>
-              <a:t>만드는것</a:t>
-            </a:r>
-            <a:r>
-              <a:rPr lang="en-US" altLang="ko-KR" b="1" dirty="0"/>
-              <a:t>,</a:t>
-            </a:r>
-            <a:r>
-              <a:rPr lang="ko-KR" altLang="en-US" b="1" dirty="0"/>
-              <a:t> 이것이 저희가 이번에 진행할 프로젝트 입니다</a:t>
-            </a:r>
-            <a:r>
-              <a:rPr lang="en-US" altLang="ko-KR" b="1" dirty="0"/>
-              <a:t>.</a:t>
-            </a:r>
-            <a:endParaRPr lang="ko-KR" altLang="en-US" b="1" dirty="0"/>
-          </a:p>
-        </p:txBody>
-      </p:sp>
       <p:pic>
         <p:nvPicPr>
           <p:cNvPr id="10" name="그림 9">
@@ -4161,6 +5058,221 @@
           </a:prstGeom>
         </p:spPr>
       </p:pic>
+      <p:sp>
+        <p:nvSpPr>
+          <p:cNvPr id="14" name="내용 개체 틀 2">
+            <a:extLst>
+              <a:ext uri="{FF2B5EF4-FFF2-40B4-BE49-F238E27FC236}">
+                <a16:creationId xmlns:a16="http://schemas.microsoft.com/office/drawing/2014/main" id="{07B21C7A-A48C-4814-9030-39944F732F72}"/>
+              </a:ext>
+            </a:extLst>
+          </p:cNvPr>
+          <p:cNvSpPr txBox="1">
+            <a:spLocks/>
+          </p:cNvSpPr>
+          <p:nvPr/>
+        </p:nvSpPr>
+        <p:spPr>
+          <a:xfrm>
+            <a:off x="637442" y="5742440"/>
+            <a:ext cx="10964008" cy="702573"/>
+          </a:xfrm>
+          <a:prstGeom prst="rect">
+            <a:avLst/>
+          </a:prstGeom>
+          <a:solidFill>
+            <a:schemeClr val="accent6">
+              <a:lumMod val="50000"/>
+              <a:alpha val="52000"/>
+            </a:schemeClr>
+          </a:solidFill>
+          <a:ln w="25400" cap="rnd" cmpd="dbl">
+            <a:solidFill>
+              <a:schemeClr val="accent6">
+                <a:lumMod val="40000"/>
+                <a:lumOff val="60000"/>
+              </a:schemeClr>
+            </a:solidFill>
+          </a:ln>
+        </p:spPr>
+        <p:txBody>
+          <a:bodyPr vert="horz" lIns="91440" tIns="45720" rIns="91440" bIns="45720" rtlCol="0" anchor="ctr">
+            <a:normAutofit/>
+          </a:bodyPr>
+          <a:lstStyle>
+            <a:lvl1pPr marL="228600" indent="-228600" algn="l" defTabSz="914400" rtl="0" eaLnBrk="1" latinLnBrk="1" hangingPunct="1">
+              <a:lnSpc>
+                <a:spcPct val="90000"/>
+              </a:lnSpc>
+              <a:spcBef>
+                <a:spcPts val="1000"/>
+              </a:spcBef>
+              <a:buFont typeface="Arial" panose="020B0604020202020204" pitchFamily="34" charset="0"/>
+              <a:buChar char="•"/>
+              <a:defRPr sz="2800" kern="1200">
+                <a:solidFill>
+                  <a:schemeClr val="tx1"/>
+                </a:solidFill>
+                <a:latin typeface="+mn-lt"/>
+                <a:ea typeface="+mn-ea"/>
+                <a:cs typeface="+mn-cs"/>
+              </a:defRPr>
+            </a:lvl1pPr>
+            <a:lvl2pPr marL="685800" indent="-228600" algn="l" defTabSz="914400" rtl="0" eaLnBrk="1" latinLnBrk="1" hangingPunct="1">
+              <a:lnSpc>
+                <a:spcPct val="90000"/>
+              </a:lnSpc>
+              <a:spcBef>
+                <a:spcPts val="500"/>
+              </a:spcBef>
+              <a:buFont typeface="Arial" panose="020B0604020202020204" pitchFamily="34" charset="0"/>
+              <a:buChar char="•"/>
+              <a:defRPr sz="2400" kern="1200">
+                <a:solidFill>
+                  <a:schemeClr val="tx1"/>
+                </a:solidFill>
+                <a:latin typeface="+mn-lt"/>
+                <a:ea typeface="+mn-ea"/>
+                <a:cs typeface="+mn-cs"/>
+              </a:defRPr>
+            </a:lvl2pPr>
+            <a:lvl3pPr marL="1143000" indent="-228600" algn="l" defTabSz="914400" rtl="0" eaLnBrk="1" latinLnBrk="1" hangingPunct="1">
+              <a:lnSpc>
+                <a:spcPct val="90000"/>
+              </a:lnSpc>
+              <a:spcBef>
+                <a:spcPts val="500"/>
+              </a:spcBef>
+              <a:buFont typeface="Arial" panose="020B0604020202020204" pitchFamily="34" charset="0"/>
+              <a:buChar char="•"/>
+              <a:defRPr sz="2000" kern="1200">
+                <a:solidFill>
+                  <a:schemeClr val="tx1"/>
+                </a:solidFill>
+                <a:latin typeface="+mn-lt"/>
+                <a:ea typeface="+mn-ea"/>
+                <a:cs typeface="+mn-cs"/>
+              </a:defRPr>
+            </a:lvl3pPr>
+            <a:lvl4pPr marL="1600200" indent="-228600" algn="l" defTabSz="914400" rtl="0" eaLnBrk="1" latinLnBrk="1" hangingPunct="1">
+              <a:lnSpc>
+                <a:spcPct val="90000"/>
+              </a:lnSpc>
+              <a:spcBef>
+                <a:spcPts val="500"/>
+              </a:spcBef>
+              <a:buFont typeface="Arial" panose="020B0604020202020204" pitchFamily="34" charset="0"/>
+              <a:buChar char="•"/>
+              <a:defRPr sz="1800" kern="1200">
+                <a:solidFill>
+                  <a:schemeClr val="tx1"/>
+                </a:solidFill>
+                <a:latin typeface="+mn-lt"/>
+                <a:ea typeface="+mn-ea"/>
+                <a:cs typeface="+mn-cs"/>
+              </a:defRPr>
+            </a:lvl4pPr>
+            <a:lvl5pPr marL="2057400" indent="-228600" algn="l" defTabSz="914400" rtl="0" eaLnBrk="1" latinLnBrk="1" hangingPunct="1">
+              <a:lnSpc>
+                <a:spcPct val="90000"/>
+              </a:lnSpc>
+              <a:spcBef>
+                <a:spcPts val="500"/>
+              </a:spcBef>
+              <a:buFont typeface="Arial" panose="020B0604020202020204" pitchFamily="34" charset="0"/>
+              <a:buChar char="•"/>
+              <a:defRPr sz="1800" kern="1200">
+                <a:solidFill>
+                  <a:schemeClr val="tx1"/>
+                </a:solidFill>
+                <a:latin typeface="+mn-lt"/>
+                <a:ea typeface="+mn-ea"/>
+                <a:cs typeface="+mn-cs"/>
+              </a:defRPr>
+            </a:lvl5pPr>
+            <a:lvl6pPr marL="2514600" indent="-228600" algn="l" defTabSz="914400" rtl="0" eaLnBrk="1" latinLnBrk="1" hangingPunct="1">
+              <a:lnSpc>
+                <a:spcPct val="90000"/>
+              </a:lnSpc>
+              <a:spcBef>
+                <a:spcPts val="500"/>
+              </a:spcBef>
+              <a:buFont typeface="Arial" panose="020B0604020202020204" pitchFamily="34" charset="0"/>
+              <a:buChar char="•"/>
+              <a:defRPr sz="1800" kern="1200">
+                <a:solidFill>
+                  <a:schemeClr val="tx1"/>
+                </a:solidFill>
+                <a:latin typeface="+mn-lt"/>
+                <a:ea typeface="+mn-ea"/>
+                <a:cs typeface="+mn-cs"/>
+              </a:defRPr>
+            </a:lvl6pPr>
+            <a:lvl7pPr marL="2971800" indent="-228600" algn="l" defTabSz="914400" rtl="0" eaLnBrk="1" latinLnBrk="1" hangingPunct="1">
+              <a:lnSpc>
+                <a:spcPct val="90000"/>
+              </a:lnSpc>
+              <a:spcBef>
+                <a:spcPts val="500"/>
+              </a:spcBef>
+              <a:buFont typeface="Arial" panose="020B0604020202020204" pitchFamily="34" charset="0"/>
+              <a:buChar char="•"/>
+              <a:defRPr sz="1800" kern="1200">
+                <a:solidFill>
+                  <a:schemeClr val="tx1"/>
+                </a:solidFill>
+                <a:latin typeface="+mn-lt"/>
+                <a:ea typeface="+mn-ea"/>
+                <a:cs typeface="+mn-cs"/>
+              </a:defRPr>
+            </a:lvl7pPr>
+            <a:lvl8pPr marL="3429000" indent="-228600" algn="l" defTabSz="914400" rtl="0" eaLnBrk="1" latinLnBrk="1" hangingPunct="1">
+              <a:lnSpc>
+                <a:spcPct val="90000"/>
+              </a:lnSpc>
+              <a:spcBef>
+                <a:spcPts val="500"/>
+              </a:spcBef>
+              <a:buFont typeface="Arial" panose="020B0604020202020204" pitchFamily="34" charset="0"/>
+              <a:buChar char="•"/>
+              <a:defRPr sz="1800" kern="1200">
+                <a:solidFill>
+                  <a:schemeClr val="tx1"/>
+                </a:solidFill>
+                <a:latin typeface="+mn-lt"/>
+                <a:ea typeface="+mn-ea"/>
+                <a:cs typeface="+mn-cs"/>
+              </a:defRPr>
+            </a:lvl8pPr>
+            <a:lvl9pPr marL="3886200" indent="-228600" algn="l" defTabSz="914400" rtl="0" eaLnBrk="1" latinLnBrk="1" hangingPunct="1">
+              <a:lnSpc>
+                <a:spcPct val="90000"/>
+              </a:lnSpc>
+              <a:spcBef>
+                <a:spcPts val="500"/>
+              </a:spcBef>
+              <a:buFont typeface="Arial" panose="020B0604020202020204" pitchFamily="34" charset="0"/>
+              <a:buChar char="•"/>
+              <a:defRPr sz="1800" kern="1200">
+                <a:solidFill>
+                  <a:schemeClr val="tx1"/>
+                </a:solidFill>
+                <a:latin typeface="+mn-lt"/>
+                <a:ea typeface="+mn-ea"/>
+                <a:cs typeface="+mn-cs"/>
+              </a:defRPr>
+            </a:lvl9pPr>
+          </a:lstStyle>
+          <a:p>
+            <a:pPr algn="ctr"/>
+            <a:r>
+              <a:rPr lang="ko-KR" altLang="en-US" sz="1800" b="1" dirty="0"/>
+              <a:t>이것이 저희가 이번에 진행할 프로젝트 입니다</a:t>
+            </a:r>
+            <a:endParaRPr lang="en-US" altLang="ko-KR" sz="1800" b="1" dirty="0"/>
+          </a:p>
+        </p:txBody>
+      </p:sp>
     </p:spTree>
     <p:extLst>
       <p:ext uri="{BB962C8B-B14F-4D97-AF65-F5344CB8AC3E}">
@@ -4170,268 +5282,6 @@
   </p:cSld>
   <p:clrMapOvr>
     <a:overrideClrMapping bg1="dk1" tx1="lt1" bg2="dk2" tx2="lt2" accent1="accent1" accent2="accent2" accent3="accent3" accent4="accent4" accent5="accent5" accent6="accent6" hlink="hlink" folHlink="folHlink"/>
-  </p:clrMapOvr>
-</p:sld>
-</file>
-
-<file path=ppt/slides/slide13.xml><?xml version="1.0" encoding="utf-8"?>
-<p:sld xmlns:a="http://schemas.openxmlformats.org/drawingml/2006/main" xmlns:r="http://schemas.openxmlformats.org/officeDocument/2006/relationships" xmlns:p="http://schemas.openxmlformats.org/presentationml/2006/main">
-  <p:cSld>
-    <p:spTree>
-      <p:nvGrpSpPr>
-        <p:cNvPr id="1" name=""/>
-        <p:cNvGrpSpPr/>
-        <p:nvPr/>
-      </p:nvGrpSpPr>
-      <p:grpSpPr>
-        <a:xfrm>
-          <a:off x="0" y="0"/>
-          <a:ext cx="0" cy="0"/>
-          <a:chOff x="0" y="0"/>
-          <a:chExt cx="0" cy="0"/>
-        </a:xfrm>
-      </p:grpSpPr>
-      <p:pic>
-        <p:nvPicPr>
-          <p:cNvPr id="5" name="그림 4">
-            <a:extLst>
-              <a:ext uri="{FF2B5EF4-FFF2-40B4-BE49-F238E27FC236}">
-                <a16:creationId xmlns:a16="http://schemas.microsoft.com/office/drawing/2014/main" id="{9C6E5E42-EF6D-4340-A5F4-76C46C6D8F8A}"/>
-              </a:ext>
-            </a:extLst>
-          </p:cNvPr>
-          <p:cNvPicPr>
-            <a:picLocks noChangeAspect="1"/>
-          </p:cNvPicPr>
-          <p:nvPr/>
-        </p:nvPicPr>
-        <p:blipFill>
-          <a:blip r:embed="rId2">
-            <a:extLst>
-              <a:ext uri="{BEBA8EAE-BF5A-486C-A8C5-ECC9F3942E4B}">
-                <a14:imgProps xmlns:a14="http://schemas.microsoft.com/office/drawing/2010/main">
-                  <a14:imgLayer r:embed="rId3">
-                    <a14:imgEffect>
-                      <a14:sharpenSoften amount="100000"/>
-                    </a14:imgEffect>
-                    <a14:imgEffect>
-                      <a14:saturation sat="400000"/>
-                    </a14:imgEffect>
-                  </a14:imgLayer>
-                </a14:imgProps>
-              </a:ext>
-            </a:extLst>
-          </a:blip>
-          <a:stretch>
-            <a:fillRect/>
-          </a:stretch>
-        </p:blipFill>
-        <p:spPr>
-          <a:xfrm>
-            <a:off x="798462" y="1478280"/>
-            <a:ext cx="10808435" cy="3901440"/>
-          </a:xfrm>
-          <a:prstGeom prst="rect">
-            <a:avLst/>
-          </a:prstGeom>
-        </p:spPr>
-      </p:pic>
-      <p:sp>
-        <p:nvSpPr>
-          <p:cNvPr id="8" name="TextBox 7">
-            <a:extLst>
-              <a:ext uri="{FF2B5EF4-FFF2-40B4-BE49-F238E27FC236}">
-                <a16:creationId xmlns:a16="http://schemas.microsoft.com/office/drawing/2014/main" id="{52AEE77D-8571-455E-B19B-5E14B2AAD555}"/>
-              </a:ext>
-            </a:extLst>
-          </p:cNvPr>
-          <p:cNvSpPr txBox="1"/>
-          <p:nvPr/>
-        </p:nvSpPr>
-        <p:spPr>
-          <a:xfrm>
-            <a:off x="3898122" y="6362990"/>
-            <a:ext cx="4623382" cy="369332"/>
-          </a:xfrm>
-          <a:prstGeom prst="rect">
-            <a:avLst/>
-          </a:prstGeom>
-          <a:noFill/>
-        </p:spPr>
-        <p:txBody>
-          <a:bodyPr wrap="none" rtlCol="0">
-            <a:spAutoFit/>
-          </a:bodyPr>
-          <a:lstStyle/>
-          <a:p>
-            <a:pPr marL="285750" indent="-285750">
-              <a:buFont typeface="Arial" panose="020B0604020202020204" pitchFamily="34" charset="0"/>
-              <a:buChar char="•"/>
-            </a:pPr>
-            <a:r>
-              <a:rPr lang="ko-KR" altLang="en-US" b="1" dirty="0"/>
-              <a:t>음파에서 의 </a:t>
-            </a:r>
-            <a:r>
-              <a:rPr lang="en-US" altLang="ko-KR" b="1" dirty="0"/>
-              <a:t>“</a:t>
-            </a:r>
-            <a:r>
-              <a:rPr lang="ko-KR" altLang="en-US" b="1" dirty="0"/>
-              <a:t>파</a:t>
-            </a:r>
-            <a:r>
-              <a:rPr lang="en-US" altLang="ko-KR" b="1" dirty="0"/>
-              <a:t>”</a:t>
-            </a:r>
-            <a:r>
-              <a:rPr lang="ko-KR" altLang="en-US" b="1" dirty="0"/>
-              <a:t>는 파동을 의미합니다</a:t>
-            </a:r>
-            <a:r>
-              <a:rPr lang="en-US" altLang="ko-KR" b="1" dirty="0"/>
-              <a:t>.</a:t>
-            </a:r>
-            <a:r>
-              <a:rPr lang="ko-KR" altLang="en-US" b="1" dirty="0"/>
-              <a:t> </a:t>
-            </a:r>
-          </a:p>
-        </p:txBody>
-      </p:sp>
-    </p:spTree>
-    <p:extLst>
-      <p:ext uri="{BB962C8B-B14F-4D97-AF65-F5344CB8AC3E}">
-        <p14:creationId xmlns:p14="http://schemas.microsoft.com/office/powerpoint/2010/main" val="2976059350"/>
-      </p:ext>
-    </p:extLst>
-  </p:cSld>
-  <p:clrMapOvr>
-    <a:masterClrMapping/>
-  </p:clrMapOvr>
-</p:sld>
-</file>
-
-<file path=ppt/slides/slide14.xml><?xml version="1.0" encoding="utf-8"?>
-<p:sld xmlns:a="http://schemas.openxmlformats.org/drawingml/2006/main" xmlns:r="http://schemas.openxmlformats.org/officeDocument/2006/relationships" xmlns:p="http://schemas.openxmlformats.org/presentationml/2006/main">
-  <p:cSld>
-    <p:spTree>
-      <p:nvGrpSpPr>
-        <p:cNvPr id="1" name=""/>
-        <p:cNvGrpSpPr/>
-        <p:nvPr/>
-      </p:nvGrpSpPr>
-      <p:grpSpPr>
-        <a:xfrm>
-          <a:off x="0" y="0"/>
-          <a:ext cx="0" cy="0"/>
-          <a:chOff x="0" y="0"/>
-          <a:chExt cx="0" cy="0"/>
-        </a:xfrm>
-      </p:grpSpPr>
-      <p:sp>
-        <p:nvSpPr>
-          <p:cNvPr id="3" name="내용 개체 틀 2">
-            <a:extLst>
-              <a:ext uri="{FF2B5EF4-FFF2-40B4-BE49-F238E27FC236}">
-                <a16:creationId xmlns:a16="http://schemas.microsoft.com/office/drawing/2014/main" id="{21A4F78A-C671-4C12-AA5A-41D35A973CDF}"/>
-              </a:ext>
-            </a:extLst>
-          </p:cNvPr>
-          <p:cNvSpPr>
-            <a:spLocks noGrp="1"/>
-          </p:cNvSpPr>
-          <p:nvPr>
-            <p:ph idx="1"/>
-          </p:nvPr>
-        </p:nvSpPr>
-        <p:spPr>
-          <a:xfrm>
-            <a:off x="944880" y="1253331"/>
-            <a:ext cx="10515600" cy="2891949"/>
-          </a:xfrm>
-        </p:spPr>
-        <p:txBody>
-          <a:bodyPr>
-            <a:normAutofit/>
-          </a:bodyPr>
-          <a:lstStyle/>
-          <a:p>
-            <a:pPr marL="0" indent="0" algn="ctr">
-              <a:buNone/>
-            </a:pPr>
-            <a:r>
-              <a:rPr lang="en-US" altLang="ko-KR" sz="10000" b="1" dirty="0"/>
-              <a:t>Fourier transform</a:t>
-            </a:r>
-            <a:endParaRPr lang="ko-KR" altLang="en-US" sz="10000" dirty="0"/>
-          </a:p>
-        </p:txBody>
-      </p:sp>
-      <p:sp>
-        <p:nvSpPr>
-          <p:cNvPr id="4" name="TextBox 3">
-            <a:extLst>
-              <a:ext uri="{FF2B5EF4-FFF2-40B4-BE49-F238E27FC236}">
-                <a16:creationId xmlns:a16="http://schemas.microsoft.com/office/drawing/2014/main" id="{7EC86647-8C48-4C66-B7D7-B222C56FC2F7}"/>
-              </a:ext>
-            </a:extLst>
-          </p:cNvPr>
-          <p:cNvSpPr txBox="1"/>
-          <p:nvPr/>
-        </p:nvSpPr>
-        <p:spPr>
-          <a:xfrm>
-            <a:off x="2657398" y="6384233"/>
-            <a:ext cx="6877204" cy="369332"/>
-          </a:xfrm>
-          <a:prstGeom prst="rect">
-            <a:avLst/>
-          </a:prstGeom>
-          <a:noFill/>
-        </p:spPr>
-        <p:txBody>
-          <a:bodyPr wrap="none" rtlCol="0">
-            <a:spAutoFit/>
-          </a:bodyPr>
-          <a:lstStyle/>
-          <a:p>
-            <a:pPr marL="285750" indent="-285750">
-              <a:buFont typeface="Arial" panose="020B0604020202020204" pitchFamily="34" charset="0"/>
-              <a:buChar char="•"/>
-            </a:pPr>
-            <a:r>
-              <a:rPr lang="ko-KR" altLang="en-US" b="1" dirty="0"/>
-              <a:t>파동에서 주파수를 분리할 때 푸리에 </a:t>
-            </a:r>
-            <a:r>
-              <a:rPr lang="ko-KR" altLang="en-US" b="1" dirty="0" err="1"/>
-              <a:t>트렌스폼을</a:t>
-            </a:r>
-            <a:r>
-              <a:rPr lang="ko-KR" altLang="en-US" b="1" dirty="0"/>
-              <a:t> 이용합니다</a:t>
-            </a:r>
-            <a:r>
-              <a:rPr lang="en-US" altLang="ko-KR" b="1" dirty="0"/>
-              <a:t>.</a:t>
-            </a:r>
-            <a:r>
-              <a:rPr lang="ko-KR" altLang="en-US" b="1" dirty="0"/>
-              <a:t> </a:t>
-            </a:r>
-          </a:p>
-        </p:txBody>
-      </p:sp>
-    </p:spTree>
-    <p:extLst>
-      <p:ext uri="{BB962C8B-B14F-4D97-AF65-F5344CB8AC3E}">
-        <p14:creationId xmlns:p14="http://schemas.microsoft.com/office/powerpoint/2010/main" val="3515417610"/>
-      </p:ext>
-    </p:extLst>
-  </p:cSld>
-  <p:clrMapOvr>
-    <a:masterClrMapping/>
   </p:clrMapOvr>
 </p:sld>
 </file>
@@ -4455,10 +5305,10 @@
       </p:grpSpPr>
       <p:pic>
         <p:nvPicPr>
-          <p:cNvPr id="4" name="그림 3">
-            <a:extLst>
-              <a:ext uri="{FF2B5EF4-FFF2-40B4-BE49-F238E27FC236}">
-                <a16:creationId xmlns:a16="http://schemas.microsoft.com/office/drawing/2014/main" id="{92EF3686-95F0-4005-BA5C-51D33BB93E97}"/>
+          <p:cNvPr id="5" name="그림 4">
+            <a:extLst>
+              <a:ext uri="{FF2B5EF4-FFF2-40B4-BE49-F238E27FC236}">
+                <a16:creationId xmlns:a16="http://schemas.microsoft.com/office/drawing/2014/main" id="{9C6E5E42-EF6D-4340-A5F4-76C46C6D8F8A}"/>
               </a:ext>
             </a:extLst>
           </p:cNvPr>
@@ -4468,15 +5318,30 @@
           <p:nvPr/>
         </p:nvPicPr>
         <p:blipFill>
-          <a:blip r:embed="rId2"/>
+          <a:blip r:embed="rId2">
+            <a:extLst>
+              <a:ext uri="{BEBA8EAE-BF5A-486C-A8C5-ECC9F3942E4B}">
+                <a14:imgProps xmlns:a14="http://schemas.microsoft.com/office/drawing/2010/main">
+                  <a14:imgLayer r:embed="rId3">
+                    <a14:imgEffect>
+                      <a14:sharpenSoften amount="100000"/>
+                    </a14:imgEffect>
+                    <a14:imgEffect>
+                      <a14:saturation sat="400000"/>
+                    </a14:imgEffect>
+                  </a14:imgLayer>
+                </a14:imgProps>
+              </a:ext>
+            </a:extLst>
+          </a:blip>
           <a:stretch>
             <a:fillRect/>
           </a:stretch>
         </p:blipFill>
         <p:spPr>
           <a:xfrm>
-            <a:off x="3569750" y="1062501"/>
-            <a:ext cx="5052498" cy="3261643"/>
+            <a:off x="798462" y="1478280"/>
+            <a:ext cx="10808435" cy="3901440"/>
           </a:xfrm>
           <a:prstGeom prst="rect">
             <a:avLst/>
@@ -4485,74 +5350,274 @@
       </p:pic>
       <p:sp>
         <p:nvSpPr>
-          <p:cNvPr id="6" name="TextBox 5">
-            <a:extLst>
-              <a:ext uri="{FF2B5EF4-FFF2-40B4-BE49-F238E27FC236}">
-                <a16:creationId xmlns:a16="http://schemas.microsoft.com/office/drawing/2014/main" id="{CD7D3397-38BF-4CB4-8DAE-C32F223DF352}"/>
-              </a:ext>
-            </a:extLst>
-          </p:cNvPr>
-          <p:cNvSpPr txBox="1"/>
+          <p:cNvPr id="6" name="내용 개체 틀 2">
+            <a:extLst>
+              <a:ext uri="{FF2B5EF4-FFF2-40B4-BE49-F238E27FC236}">
+                <a16:creationId xmlns:a16="http://schemas.microsoft.com/office/drawing/2014/main" id="{0D91C6E0-FB12-4698-A578-7C01C5424568}"/>
+              </a:ext>
+            </a:extLst>
+          </p:cNvPr>
+          <p:cNvSpPr txBox="1">
+            <a:spLocks/>
+          </p:cNvSpPr>
           <p:nvPr/>
         </p:nvSpPr>
         <p:spPr>
           <a:xfrm>
-            <a:off x="83127" y="6120371"/>
-            <a:ext cx="12025745" cy="646331"/>
+            <a:off x="348028" y="5987860"/>
+            <a:ext cx="11495942" cy="702573"/>
           </a:xfrm>
           <a:prstGeom prst="rect">
             <a:avLst/>
           </a:prstGeom>
-          <a:noFill/>
+          <a:solidFill>
+            <a:schemeClr val="accent6">
+              <a:lumMod val="50000"/>
+              <a:alpha val="52000"/>
+            </a:schemeClr>
+          </a:solidFill>
+          <a:ln w="25400" cap="rnd" cmpd="dbl">
+            <a:solidFill>
+              <a:schemeClr val="accent6">
+                <a:lumMod val="40000"/>
+                <a:lumOff val="60000"/>
+              </a:schemeClr>
+            </a:solidFill>
+          </a:ln>
         </p:spPr>
         <p:txBody>
-          <a:bodyPr wrap="square" rtlCol="0">
-            <a:spAutoFit/>
+          <a:bodyPr vert="horz" lIns="91440" tIns="45720" rIns="91440" bIns="45720" rtlCol="0" anchor="ctr">
+            <a:normAutofit/>
           </a:bodyPr>
-          <a:lstStyle/>
-          <a:p>
-            <a:pPr marL="285750" indent="-285750" algn="ctr">
-              <a:buFont typeface="Arial" panose="020B0604020202020204" pitchFamily="34" charset="0"/>
-              <a:buChar char="•"/>
-            </a:pPr>
-            <a:r>
-              <a:rPr lang="ko-KR" altLang="en-US" b="1" dirty="0"/>
-              <a:t>푸리에 </a:t>
-            </a:r>
-            <a:r>
-              <a:rPr lang="ko-KR" altLang="en-US" b="1" dirty="0" err="1"/>
-              <a:t>트렌스폼을</a:t>
-            </a:r>
-            <a:r>
-              <a:rPr lang="ko-KR" altLang="en-US" b="1" dirty="0"/>
-              <a:t> 이용하면 파동에 포함된 모든 주파수를 얻을 수 있습니다</a:t>
-            </a:r>
-            <a:r>
-              <a:rPr lang="en-US" altLang="ko-KR" b="1" dirty="0"/>
+          <a:lstStyle>
+            <a:lvl1pPr marL="228600" indent="-228600" algn="l" defTabSz="914400" rtl="0" eaLnBrk="1" latinLnBrk="1" hangingPunct="1">
+              <a:lnSpc>
+                <a:spcPct val="90000"/>
+              </a:lnSpc>
+              <a:spcBef>
+                <a:spcPts val="1000"/>
+              </a:spcBef>
+              <a:buFont typeface="Arial" panose="020B0604020202020204" pitchFamily="34" charset="0"/>
+              <a:buChar char="•"/>
+              <a:defRPr sz="2800" kern="1200">
+                <a:solidFill>
+                  <a:schemeClr val="tx1"/>
+                </a:solidFill>
+                <a:latin typeface="+mn-lt"/>
+                <a:ea typeface="+mn-ea"/>
+                <a:cs typeface="+mn-cs"/>
+              </a:defRPr>
+            </a:lvl1pPr>
+            <a:lvl2pPr marL="685800" indent="-228600" algn="l" defTabSz="914400" rtl="0" eaLnBrk="1" latinLnBrk="1" hangingPunct="1">
+              <a:lnSpc>
+                <a:spcPct val="90000"/>
+              </a:lnSpc>
+              <a:spcBef>
+                <a:spcPts val="500"/>
+              </a:spcBef>
+              <a:buFont typeface="Arial" panose="020B0604020202020204" pitchFamily="34" charset="0"/>
+              <a:buChar char="•"/>
+              <a:defRPr sz="2400" kern="1200">
+                <a:solidFill>
+                  <a:schemeClr val="tx1"/>
+                </a:solidFill>
+                <a:latin typeface="+mn-lt"/>
+                <a:ea typeface="+mn-ea"/>
+                <a:cs typeface="+mn-cs"/>
+              </a:defRPr>
+            </a:lvl2pPr>
+            <a:lvl3pPr marL="1143000" indent="-228600" algn="l" defTabSz="914400" rtl="0" eaLnBrk="1" latinLnBrk="1" hangingPunct="1">
+              <a:lnSpc>
+                <a:spcPct val="90000"/>
+              </a:lnSpc>
+              <a:spcBef>
+                <a:spcPts val="500"/>
+              </a:spcBef>
+              <a:buFont typeface="Arial" panose="020B0604020202020204" pitchFamily="34" charset="0"/>
+              <a:buChar char="•"/>
+              <a:defRPr sz="2000" kern="1200">
+                <a:solidFill>
+                  <a:schemeClr val="tx1"/>
+                </a:solidFill>
+                <a:latin typeface="+mn-lt"/>
+                <a:ea typeface="+mn-ea"/>
+                <a:cs typeface="+mn-cs"/>
+              </a:defRPr>
+            </a:lvl3pPr>
+            <a:lvl4pPr marL="1600200" indent="-228600" algn="l" defTabSz="914400" rtl="0" eaLnBrk="1" latinLnBrk="1" hangingPunct="1">
+              <a:lnSpc>
+                <a:spcPct val="90000"/>
+              </a:lnSpc>
+              <a:spcBef>
+                <a:spcPts val="500"/>
+              </a:spcBef>
+              <a:buFont typeface="Arial" panose="020B0604020202020204" pitchFamily="34" charset="0"/>
+              <a:buChar char="•"/>
+              <a:defRPr sz="1800" kern="1200">
+                <a:solidFill>
+                  <a:schemeClr val="tx1"/>
+                </a:solidFill>
+                <a:latin typeface="+mn-lt"/>
+                <a:ea typeface="+mn-ea"/>
+                <a:cs typeface="+mn-cs"/>
+              </a:defRPr>
+            </a:lvl4pPr>
+            <a:lvl5pPr marL="2057400" indent="-228600" algn="l" defTabSz="914400" rtl="0" eaLnBrk="1" latinLnBrk="1" hangingPunct="1">
+              <a:lnSpc>
+                <a:spcPct val="90000"/>
+              </a:lnSpc>
+              <a:spcBef>
+                <a:spcPts val="500"/>
+              </a:spcBef>
+              <a:buFont typeface="Arial" panose="020B0604020202020204" pitchFamily="34" charset="0"/>
+              <a:buChar char="•"/>
+              <a:defRPr sz="1800" kern="1200">
+                <a:solidFill>
+                  <a:schemeClr val="tx1"/>
+                </a:solidFill>
+                <a:latin typeface="+mn-lt"/>
+                <a:ea typeface="+mn-ea"/>
+                <a:cs typeface="+mn-cs"/>
+              </a:defRPr>
+            </a:lvl5pPr>
+            <a:lvl6pPr marL="2514600" indent="-228600" algn="l" defTabSz="914400" rtl="0" eaLnBrk="1" latinLnBrk="1" hangingPunct="1">
+              <a:lnSpc>
+                <a:spcPct val="90000"/>
+              </a:lnSpc>
+              <a:spcBef>
+                <a:spcPts val="500"/>
+              </a:spcBef>
+              <a:buFont typeface="Arial" panose="020B0604020202020204" pitchFamily="34" charset="0"/>
+              <a:buChar char="•"/>
+              <a:defRPr sz="1800" kern="1200">
+                <a:solidFill>
+                  <a:schemeClr val="tx1"/>
+                </a:solidFill>
+                <a:latin typeface="+mn-lt"/>
+                <a:ea typeface="+mn-ea"/>
+                <a:cs typeface="+mn-cs"/>
+              </a:defRPr>
+            </a:lvl6pPr>
+            <a:lvl7pPr marL="2971800" indent="-228600" algn="l" defTabSz="914400" rtl="0" eaLnBrk="1" latinLnBrk="1" hangingPunct="1">
+              <a:lnSpc>
+                <a:spcPct val="90000"/>
+              </a:lnSpc>
+              <a:spcBef>
+                <a:spcPts val="500"/>
+              </a:spcBef>
+              <a:buFont typeface="Arial" panose="020B0604020202020204" pitchFamily="34" charset="0"/>
+              <a:buChar char="•"/>
+              <a:defRPr sz="1800" kern="1200">
+                <a:solidFill>
+                  <a:schemeClr val="tx1"/>
+                </a:solidFill>
+                <a:latin typeface="+mn-lt"/>
+                <a:ea typeface="+mn-ea"/>
+                <a:cs typeface="+mn-cs"/>
+              </a:defRPr>
+            </a:lvl7pPr>
+            <a:lvl8pPr marL="3429000" indent="-228600" algn="l" defTabSz="914400" rtl="0" eaLnBrk="1" latinLnBrk="1" hangingPunct="1">
+              <a:lnSpc>
+                <a:spcPct val="90000"/>
+              </a:lnSpc>
+              <a:spcBef>
+                <a:spcPts val="500"/>
+              </a:spcBef>
+              <a:buFont typeface="Arial" panose="020B0604020202020204" pitchFamily="34" charset="0"/>
+              <a:buChar char="•"/>
+              <a:defRPr sz="1800" kern="1200">
+                <a:solidFill>
+                  <a:schemeClr val="tx1"/>
+                </a:solidFill>
+                <a:latin typeface="+mn-lt"/>
+                <a:ea typeface="+mn-ea"/>
+                <a:cs typeface="+mn-cs"/>
+              </a:defRPr>
+            </a:lvl8pPr>
+            <a:lvl9pPr marL="3886200" indent="-228600" algn="l" defTabSz="914400" rtl="0" eaLnBrk="1" latinLnBrk="1" hangingPunct="1">
+              <a:lnSpc>
+                <a:spcPct val="90000"/>
+              </a:lnSpc>
+              <a:spcBef>
+                <a:spcPts val="500"/>
+              </a:spcBef>
+              <a:buFont typeface="Arial" panose="020B0604020202020204" pitchFamily="34" charset="0"/>
+              <a:buChar char="•"/>
+              <a:defRPr sz="1800" kern="1200">
+                <a:solidFill>
+                  <a:schemeClr val="tx1"/>
+                </a:solidFill>
+                <a:latin typeface="+mn-lt"/>
+                <a:ea typeface="+mn-ea"/>
+                <a:cs typeface="+mn-cs"/>
+              </a:defRPr>
+            </a:lvl9pPr>
+          </a:lstStyle>
+          <a:p>
+            <a:pPr marL="285750" indent="-285750" algn="ctr"/>
+            <a:r>
+              <a:rPr lang="ko-KR" altLang="en-US" sz="1800" b="1" dirty="0">
+                <a:solidFill>
+                  <a:schemeClr val="bg1"/>
+                </a:solidFill>
+              </a:rPr>
+              <a:t>음파에서 의 </a:t>
+            </a:r>
+            <a:r>
+              <a:rPr lang="en-US" altLang="ko-KR" sz="1800" b="1" dirty="0">
+                <a:solidFill>
+                  <a:schemeClr val="bg1"/>
+                </a:solidFill>
+              </a:rPr>
+              <a:t>“</a:t>
+            </a:r>
+            <a:r>
+              <a:rPr lang="ko-KR" altLang="en-US" sz="1800" b="1" dirty="0">
+                <a:solidFill>
+                  <a:schemeClr val="bg1"/>
+                </a:solidFill>
+              </a:rPr>
+              <a:t>파</a:t>
+            </a:r>
+            <a:r>
+              <a:rPr lang="en-US" altLang="ko-KR" sz="1800" b="1" dirty="0">
+                <a:solidFill>
+                  <a:schemeClr val="bg1"/>
+                </a:solidFill>
+              </a:rPr>
+              <a:t>”</a:t>
+            </a:r>
+            <a:r>
+              <a:rPr lang="ko-KR" altLang="en-US" sz="1800" b="1" dirty="0">
+                <a:solidFill>
+                  <a:schemeClr val="bg1"/>
+                </a:solidFill>
+              </a:rPr>
+              <a:t>는 파동을 의미합니다</a:t>
+            </a:r>
+            <a:r>
+              <a:rPr lang="en-US" altLang="ko-KR" sz="1800" b="1" dirty="0">
+                <a:solidFill>
+                  <a:schemeClr val="bg1"/>
+                </a:solidFill>
+              </a:rPr>
               <a:t>.</a:t>
             </a:r>
-          </a:p>
-          <a:p>
-            <a:pPr marL="285750" indent="-285750" algn="ctr">
-              <a:buFont typeface="Arial" panose="020B0604020202020204" pitchFamily="34" charset="0"/>
-              <a:buChar char="•"/>
-            </a:pPr>
-            <a:r>
-              <a:rPr lang="ko-KR" altLang="en-US" b="1" dirty="0"/>
-              <a:t>하지만 이것 만으로는 원하는 악보를 구성 할 수 없습니다</a:t>
-            </a:r>
-            <a:r>
-              <a:rPr lang="en-US" altLang="ko-KR" b="1" dirty="0"/>
-              <a:t>.</a:t>
-            </a:r>
-            <a:endParaRPr lang="ko-KR" altLang="en-US" b="1" dirty="0"/>
+            <a:r>
+              <a:rPr lang="ko-KR" altLang="en-US" sz="1800" b="1" dirty="0">
+                <a:solidFill>
+                  <a:schemeClr val="bg1"/>
+                </a:solidFill>
+              </a:rPr>
+              <a:t> </a:t>
+            </a:r>
           </a:p>
         </p:txBody>
       </p:sp>
     </p:spTree>
     <p:extLst>
       <p:ext uri="{BB962C8B-B14F-4D97-AF65-F5344CB8AC3E}">
-        <p14:creationId xmlns:p14="http://schemas.microsoft.com/office/powerpoint/2010/main" val="2829929567"/>
+        <p14:creationId xmlns:p14="http://schemas.microsoft.com/office/powerpoint/2010/main" val="2976059350"/>
       </p:ext>
     </p:extLst>
   </p:cSld>
@@ -4581,56 +5646,633 @@
       </p:grpSpPr>
       <p:sp>
         <p:nvSpPr>
-          <p:cNvPr id="4" name="TextBox 3">
-            <a:extLst>
-              <a:ext uri="{FF2B5EF4-FFF2-40B4-BE49-F238E27FC236}">
-                <a16:creationId xmlns:a16="http://schemas.microsoft.com/office/drawing/2014/main" id="{98F2E03A-2C06-4AC9-AF2D-4EDED5F85461}"/>
-              </a:ext>
-            </a:extLst>
-          </p:cNvPr>
-          <p:cNvSpPr txBox="1"/>
+          <p:cNvPr id="3" name="내용 개체 틀 2">
+            <a:extLst>
+              <a:ext uri="{FF2B5EF4-FFF2-40B4-BE49-F238E27FC236}">
+                <a16:creationId xmlns:a16="http://schemas.microsoft.com/office/drawing/2014/main" id="{21A4F78A-C671-4C12-AA5A-41D35A973CDF}"/>
+              </a:ext>
+            </a:extLst>
+          </p:cNvPr>
+          <p:cNvSpPr>
+            <a:spLocks noGrp="1"/>
+          </p:cNvSpPr>
+          <p:nvPr>
+            <p:ph idx="1"/>
+          </p:nvPr>
+        </p:nvSpPr>
+        <p:spPr>
+          <a:xfrm>
+            <a:off x="944880" y="1253331"/>
+            <a:ext cx="10515600" cy="2891949"/>
+          </a:xfrm>
+        </p:spPr>
+        <p:txBody>
+          <a:bodyPr>
+            <a:normAutofit/>
+          </a:bodyPr>
+          <a:lstStyle/>
+          <a:p>
+            <a:pPr marL="0" indent="0" algn="ctr">
+              <a:buNone/>
+            </a:pPr>
+            <a:r>
+              <a:rPr lang="en-US" altLang="ko-KR" sz="10000" b="1" dirty="0"/>
+              <a:t>Fourier transform</a:t>
+            </a:r>
+            <a:endParaRPr lang="ko-KR" altLang="en-US" sz="10000" dirty="0"/>
+          </a:p>
+        </p:txBody>
+      </p:sp>
+      <p:sp>
+        <p:nvSpPr>
+          <p:cNvPr id="6" name="내용 개체 틀 2">
+            <a:extLst>
+              <a:ext uri="{FF2B5EF4-FFF2-40B4-BE49-F238E27FC236}">
+                <a16:creationId xmlns:a16="http://schemas.microsoft.com/office/drawing/2014/main" id="{18AD40D5-44A3-498F-9CD2-858E8B35C693}"/>
+              </a:ext>
+            </a:extLst>
+          </p:cNvPr>
+          <p:cNvSpPr txBox="1">
+            <a:spLocks/>
+          </p:cNvSpPr>
           <p:nvPr/>
         </p:nvSpPr>
         <p:spPr>
           <a:xfrm>
-            <a:off x="1282584" y="6488668"/>
-            <a:ext cx="9624751" cy="369332"/>
+            <a:off x="348028" y="5987860"/>
+            <a:ext cx="11495942" cy="702573"/>
           </a:xfrm>
           <a:prstGeom prst="rect">
             <a:avLst/>
           </a:prstGeom>
-          <a:noFill/>
+          <a:solidFill>
+            <a:schemeClr val="accent6">
+              <a:lumMod val="50000"/>
+              <a:alpha val="52000"/>
+            </a:schemeClr>
+          </a:solidFill>
+          <a:ln w="25400" cap="rnd" cmpd="dbl">
+            <a:solidFill>
+              <a:schemeClr val="accent6">
+                <a:lumMod val="40000"/>
+                <a:lumOff val="60000"/>
+              </a:schemeClr>
+            </a:solidFill>
+          </a:ln>
         </p:spPr>
         <p:txBody>
-          <a:bodyPr wrap="none" rtlCol="0">
-            <a:spAutoFit/>
+          <a:bodyPr vert="horz" lIns="91440" tIns="45720" rIns="91440" bIns="45720" rtlCol="0" anchor="ctr">
+            <a:normAutofit/>
           </a:bodyPr>
-          <a:lstStyle/>
-          <a:p>
-            <a:pPr marL="285750" indent="-285750">
-              <a:buFont typeface="Arial" panose="020B0604020202020204" pitchFamily="34" charset="0"/>
-              <a:buChar char="•"/>
-            </a:pPr>
-            <a:r>
-              <a:rPr lang="ko-KR" altLang="en-US" b="1" dirty="0"/>
-              <a:t>그렇다면 파동을 구간별로 분할한다음 각각의 푸리에 </a:t>
-            </a:r>
-            <a:r>
-              <a:rPr lang="ko-KR" altLang="en-US" b="1" dirty="0" err="1"/>
-              <a:t>트렌스폼을</a:t>
-            </a:r>
-            <a:r>
-              <a:rPr lang="ko-KR" altLang="en-US" b="1" dirty="0"/>
-              <a:t> 한다면 어떻게 될까요</a:t>
-            </a:r>
-            <a:r>
-              <a:rPr lang="en-US" altLang="ko-KR" b="1" dirty="0"/>
-              <a:t>?</a:t>
-            </a:r>
-            <a:endParaRPr lang="ko-KR" altLang="en-US" b="1" dirty="0"/>
+          <a:lstStyle>
+            <a:lvl1pPr marL="228600" indent="-228600" algn="l" defTabSz="914400" rtl="0" eaLnBrk="1" latinLnBrk="1" hangingPunct="1">
+              <a:lnSpc>
+                <a:spcPct val="90000"/>
+              </a:lnSpc>
+              <a:spcBef>
+                <a:spcPts val="1000"/>
+              </a:spcBef>
+              <a:buFont typeface="Arial" panose="020B0604020202020204" pitchFamily="34" charset="0"/>
+              <a:buChar char="•"/>
+              <a:defRPr sz="2800" kern="1200">
+                <a:solidFill>
+                  <a:schemeClr val="tx1"/>
+                </a:solidFill>
+                <a:latin typeface="+mn-lt"/>
+                <a:ea typeface="+mn-ea"/>
+                <a:cs typeface="+mn-cs"/>
+              </a:defRPr>
+            </a:lvl1pPr>
+            <a:lvl2pPr marL="685800" indent="-228600" algn="l" defTabSz="914400" rtl="0" eaLnBrk="1" latinLnBrk="1" hangingPunct="1">
+              <a:lnSpc>
+                <a:spcPct val="90000"/>
+              </a:lnSpc>
+              <a:spcBef>
+                <a:spcPts val="500"/>
+              </a:spcBef>
+              <a:buFont typeface="Arial" panose="020B0604020202020204" pitchFamily="34" charset="0"/>
+              <a:buChar char="•"/>
+              <a:defRPr sz="2400" kern="1200">
+                <a:solidFill>
+                  <a:schemeClr val="tx1"/>
+                </a:solidFill>
+                <a:latin typeface="+mn-lt"/>
+                <a:ea typeface="+mn-ea"/>
+                <a:cs typeface="+mn-cs"/>
+              </a:defRPr>
+            </a:lvl2pPr>
+            <a:lvl3pPr marL="1143000" indent="-228600" algn="l" defTabSz="914400" rtl="0" eaLnBrk="1" latinLnBrk="1" hangingPunct="1">
+              <a:lnSpc>
+                <a:spcPct val="90000"/>
+              </a:lnSpc>
+              <a:spcBef>
+                <a:spcPts val="500"/>
+              </a:spcBef>
+              <a:buFont typeface="Arial" panose="020B0604020202020204" pitchFamily="34" charset="0"/>
+              <a:buChar char="•"/>
+              <a:defRPr sz="2000" kern="1200">
+                <a:solidFill>
+                  <a:schemeClr val="tx1"/>
+                </a:solidFill>
+                <a:latin typeface="+mn-lt"/>
+                <a:ea typeface="+mn-ea"/>
+                <a:cs typeface="+mn-cs"/>
+              </a:defRPr>
+            </a:lvl3pPr>
+            <a:lvl4pPr marL="1600200" indent="-228600" algn="l" defTabSz="914400" rtl="0" eaLnBrk="1" latinLnBrk="1" hangingPunct="1">
+              <a:lnSpc>
+                <a:spcPct val="90000"/>
+              </a:lnSpc>
+              <a:spcBef>
+                <a:spcPts val="500"/>
+              </a:spcBef>
+              <a:buFont typeface="Arial" panose="020B0604020202020204" pitchFamily="34" charset="0"/>
+              <a:buChar char="•"/>
+              <a:defRPr sz="1800" kern="1200">
+                <a:solidFill>
+                  <a:schemeClr val="tx1"/>
+                </a:solidFill>
+                <a:latin typeface="+mn-lt"/>
+                <a:ea typeface="+mn-ea"/>
+                <a:cs typeface="+mn-cs"/>
+              </a:defRPr>
+            </a:lvl4pPr>
+            <a:lvl5pPr marL="2057400" indent="-228600" algn="l" defTabSz="914400" rtl="0" eaLnBrk="1" latinLnBrk="1" hangingPunct="1">
+              <a:lnSpc>
+                <a:spcPct val="90000"/>
+              </a:lnSpc>
+              <a:spcBef>
+                <a:spcPts val="500"/>
+              </a:spcBef>
+              <a:buFont typeface="Arial" panose="020B0604020202020204" pitchFamily="34" charset="0"/>
+              <a:buChar char="•"/>
+              <a:defRPr sz="1800" kern="1200">
+                <a:solidFill>
+                  <a:schemeClr val="tx1"/>
+                </a:solidFill>
+                <a:latin typeface="+mn-lt"/>
+                <a:ea typeface="+mn-ea"/>
+                <a:cs typeface="+mn-cs"/>
+              </a:defRPr>
+            </a:lvl5pPr>
+            <a:lvl6pPr marL="2514600" indent="-228600" algn="l" defTabSz="914400" rtl="0" eaLnBrk="1" latinLnBrk="1" hangingPunct="1">
+              <a:lnSpc>
+                <a:spcPct val="90000"/>
+              </a:lnSpc>
+              <a:spcBef>
+                <a:spcPts val="500"/>
+              </a:spcBef>
+              <a:buFont typeface="Arial" panose="020B0604020202020204" pitchFamily="34" charset="0"/>
+              <a:buChar char="•"/>
+              <a:defRPr sz="1800" kern="1200">
+                <a:solidFill>
+                  <a:schemeClr val="tx1"/>
+                </a:solidFill>
+                <a:latin typeface="+mn-lt"/>
+                <a:ea typeface="+mn-ea"/>
+                <a:cs typeface="+mn-cs"/>
+              </a:defRPr>
+            </a:lvl6pPr>
+            <a:lvl7pPr marL="2971800" indent="-228600" algn="l" defTabSz="914400" rtl="0" eaLnBrk="1" latinLnBrk="1" hangingPunct="1">
+              <a:lnSpc>
+                <a:spcPct val="90000"/>
+              </a:lnSpc>
+              <a:spcBef>
+                <a:spcPts val="500"/>
+              </a:spcBef>
+              <a:buFont typeface="Arial" panose="020B0604020202020204" pitchFamily="34" charset="0"/>
+              <a:buChar char="•"/>
+              <a:defRPr sz="1800" kern="1200">
+                <a:solidFill>
+                  <a:schemeClr val="tx1"/>
+                </a:solidFill>
+                <a:latin typeface="+mn-lt"/>
+                <a:ea typeface="+mn-ea"/>
+                <a:cs typeface="+mn-cs"/>
+              </a:defRPr>
+            </a:lvl7pPr>
+            <a:lvl8pPr marL="3429000" indent="-228600" algn="l" defTabSz="914400" rtl="0" eaLnBrk="1" latinLnBrk="1" hangingPunct="1">
+              <a:lnSpc>
+                <a:spcPct val="90000"/>
+              </a:lnSpc>
+              <a:spcBef>
+                <a:spcPts val="500"/>
+              </a:spcBef>
+              <a:buFont typeface="Arial" panose="020B0604020202020204" pitchFamily="34" charset="0"/>
+              <a:buChar char="•"/>
+              <a:defRPr sz="1800" kern="1200">
+                <a:solidFill>
+                  <a:schemeClr val="tx1"/>
+                </a:solidFill>
+                <a:latin typeface="+mn-lt"/>
+                <a:ea typeface="+mn-ea"/>
+                <a:cs typeface="+mn-cs"/>
+              </a:defRPr>
+            </a:lvl8pPr>
+            <a:lvl9pPr marL="3886200" indent="-228600" algn="l" defTabSz="914400" rtl="0" eaLnBrk="1" latinLnBrk="1" hangingPunct="1">
+              <a:lnSpc>
+                <a:spcPct val="90000"/>
+              </a:lnSpc>
+              <a:spcBef>
+                <a:spcPts val="500"/>
+              </a:spcBef>
+              <a:buFont typeface="Arial" panose="020B0604020202020204" pitchFamily="34" charset="0"/>
+              <a:buChar char="•"/>
+              <a:defRPr sz="1800" kern="1200">
+                <a:solidFill>
+                  <a:schemeClr val="tx1"/>
+                </a:solidFill>
+                <a:latin typeface="+mn-lt"/>
+                <a:ea typeface="+mn-ea"/>
+                <a:cs typeface="+mn-cs"/>
+              </a:defRPr>
+            </a:lvl9pPr>
+          </a:lstStyle>
+          <a:p>
+            <a:pPr marL="285750" indent="-285750" algn="ctr"/>
+            <a:r>
+              <a:rPr lang="ko-KR" altLang="en-US" sz="1800" b="1" dirty="0">
+                <a:solidFill>
+                  <a:schemeClr val="bg1"/>
+                </a:solidFill>
+              </a:rPr>
+              <a:t>파동에서 주파수를 분리할 때 우리는 푸리에 </a:t>
+            </a:r>
+            <a:r>
+              <a:rPr lang="ko-KR" altLang="en-US" sz="1800" b="1" dirty="0" err="1">
+                <a:solidFill>
+                  <a:schemeClr val="bg1"/>
+                </a:solidFill>
+              </a:rPr>
+              <a:t>트렌스폼</a:t>
+            </a:r>
+            <a:r>
+              <a:rPr lang="ko-KR" altLang="en-US" sz="1800" b="1" dirty="0">
+                <a:solidFill>
+                  <a:schemeClr val="bg1"/>
+                </a:solidFill>
+              </a:rPr>
+              <a:t> 이라는 걸 이용하죠 </a:t>
+            </a:r>
           </a:p>
         </p:txBody>
       </p:sp>
+    </p:spTree>
+    <p:extLst>
+      <p:ext uri="{BB962C8B-B14F-4D97-AF65-F5344CB8AC3E}">
+        <p14:creationId xmlns:p14="http://schemas.microsoft.com/office/powerpoint/2010/main" val="3515417610"/>
+      </p:ext>
+    </p:extLst>
+  </p:cSld>
+  <p:clrMapOvr>
+    <a:masterClrMapping/>
+  </p:clrMapOvr>
+</p:sld>
+</file>
+
+<file path=ppt/slides/slide17.xml><?xml version="1.0" encoding="utf-8"?>
+<p:sld xmlns:a="http://schemas.openxmlformats.org/drawingml/2006/main" xmlns:r="http://schemas.openxmlformats.org/officeDocument/2006/relationships" xmlns:p="http://schemas.openxmlformats.org/presentationml/2006/main">
+  <p:cSld>
+    <p:spTree>
+      <p:nvGrpSpPr>
+        <p:cNvPr id="1" name=""/>
+        <p:cNvGrpSpPr/>
+        <p:nvPr/>
+      </p:nvGrpSpPr>
+      <p:grpSpPr>
+        <a:xfrm>
+          <a:off x="0" y="0"/>
+          <a:ext cx="0" cy="0"/>
+          <a:chOff x="0" y="0"/>
+          <a:chExt cx="0" cy="0"/>
+        </a:xfrm>
+      </p:grpSpPr>
+      <p:pic>
+        <p:nvPicPr>
+          <p:cNvPr id="4" name="그림 3">
+            <a:extLst>
+              <a:ext uri="{FF2B5EF4-FFF2-40B4-BE49-F238E27FC236}">
+                <a16:creationId xmlns:a16="http://schemas.microsoft.com/office/drawing/2014/main" id="{92EF3686-95F0-4005-BA5C-51D33BB93E97}"/>
+              </a:ext>
+            </a:extLst>
+          </p:cNvPr>
+          <p:cNvPicPr>
+            <a:picLocks noChangeAspect="1"/>
+          </p:cNvPicPr>
+          <p:nvPr/>
+        </p:nvPicPr>
+        <p:blipFill>
+          <a:blip r:embed="rId2"/>
+          <a:stretch>
+            <a:fillRect/>
+          </a:stretch>
+        </p:blipFill>
+        <p:spPr>
+          <a:xfrm>
+            <a:off x="3569750" y="1062501"/>
+            <a:ext cx="5052498" cy="3261643"/>
+          </a:xfrm>
+          <a:prstGeom prst="rect">
+            <a:avLst/>
+          </a:prstGeom>
+        </p:spPr>
+      </p:pic>
+      <p:sp>
+        <p:nvSpPr>
+          <p:cNvPr id="7" name="내용 개체 틀 2">
+            <a:extLst>
+              <a:ext uri="{FF2B5EF4-FFF2-40B4-BE49-F238E27FC236}">
+                <a16:creationId xmlns:a16="http://schemas.microsoft.com/office/drawing/2014/main" id="{BD73F2B6-0C10-423E-AF79-98757D6D6474}"/>
+              </a:ext>
+            </a:extLst>
+          </p:cNvPr>
+          <p:cNvSpPr txBox="1">
+            <a:spLocks/>
+          </p:cNvSpPr>
+          <p:nvPr/>
+        </p:nvSpPr>
+        <p:spPr>
+          <a:xfrm>
+            <a:off x="348028" y="5987860"/>
+            <a:ext cx="11495942" cy="702573"/>
+          </a:xfrm>
+          <a:prstGeom prst="rect">
+            <a:avLst/>
+          </a:prstGeom>
+          <a:solidFill>
+            <a:schemeClr val="accent6">
+              <a:lumMod val="50000"/>
+              <a:alpha val="52000"/>
+            </a:schemeClr>
+          </a:solidFill>
+          <a:ln w="25400" cap="rnd" cmpd="dbl">
+            <a:solidFill>
+              <a:schemeClr val="accent6">
+                <a:lumMod val="40000"/>
+                <a:lumOff val="60000"/>
+              </a:schemeClr>
+            </a:solidFill>
+          </a:ln>
+        </p:spPr>
+        <p:txBody>
+          <a:bodyPr vert="horz" lIns="91440" tIns="45720" rIns="91440" bIns="45720" rtlCol="0" anchor="ctr">
+            <a:normAutofit lnSpcReduction="10000"/>
+          </a:bodyPr>
+          <a:lstStyle>
+            <a:lvl1pPr marL="228600" indent="-228600" algn="l" defTabSz="914400" rtl="0" eaLnBrk="1" latinLnBrk="1" hangingPunct="1">
+              <a:lnSpc>
+                <a:spcPct val="90000"/>
+              </a:lnSpc>
+              <a:spcBef>
+                <a:spcPts val="1000"/>
+              </a:spcBef>
+              <a:buFont typeface="Arial" panose="020B0604020202020204" pitchFamily="34" charset="0"/>
+              <a:buChar char="•"/>
+              <a:defRPr sz="2800" kern="1200">
+                <a:solidFill>
+                  <a:schemeClr val="tx1"/>
+                </a:solidFill>
+                <a:latin typeface="+mn-lt"/>
+                <a:ea typeface="+mn-ea"/>
+                <a:cs typeface="+mn-cs"/>
+              </a:defRPr>
+            </a:lvl1pPr>
+            <a:lvl2pPr marL="685800" indent="-228600" algn="l" defTabSz="914400" rtl="0" eaLnBrk="1" latinLnBrk="1" hangingPunct="1">
+              <a:lnSpc>
+                <a:spcPct val="90000"/>
+              </a:lnSpc>
+              <a:spcBef>
+                <a:spcPts val="500"/>
+              </a:spcBef>
+              <a:buFont typeface="Arial" panose="020B0604020202020204" pitchFamily="34" charset="0"/>
+              <a:buChar char="•"/>
+              <a:defRPr sz="2400" kern="1200">
+                <a:solidFill>
+                  <a:schemeClr val="tx1"/>
+                </a:solidFill>
+                <a:latin typeface="+mn-lt"/>
+                <a:ea typeface="+mn-ea"/>
+                <a:cs typeface="+mn-cs"/>
+              </a:defRPr>
+            </a:lvl2pPr>
+            <a:lvl3pPr marL="1143000" indent="-228600" algn="l" defTabSz="914400" rtl="0" eaLnBrk="1" latinLnBrk="1" hangingPunct="1">
+              <a:lnSpc>
+                <a:spcPct val="90000"/>
+              </a:lnSpc>
+              <a:spcBef>
+                <a:spcPts val="500"/>
+              </a:spcBef>
+              <a:buFont typeface="Arial" panose="020B0604020202020204" pitchFamily="34" charset="0"/>
+              <a:buChar char="•"/>
+              <a:defRPr sz="2000" kern="1200">
+                <a:solidFill>
+                  <a:schemeClr val="tx1"/>
+                </a:solidFill>
+                <a:latin typeface="+mn-lt"/>
+                <a:ea typeface="+mn-ea"/>
+                <a:cs typeface="+mn-cs"/>
+              </a:defRPr>
+            </a:lvl3pPr>
+            <a:lvl4pPr marL="1600200" indent="-228600" algn="l" defTabSz="914400" rtl="0" eaLnBrk="1" latinLnBrk="1" hangingPunct="1">
+              <a:lnSpc>
+                <a:spcPct val="90000"/>
+              </a:lnSpc>
+              <a:spcBef>
+                <a:spcPts val="500"/>
+              </a:spcBef>
+              <a:buFont typeface="Arial" panose="020B0604020202020204" pitchFamily="34" charset="0"/>
+              <a:buChar char="•"/>
+              <a:defRPr sz="1800" kern="1200">
+                <a:solidFill>
+                  <a:schemeClr val="tx1"/>
+                </a:solidFill>
+                <a:latin typeface="+mn-lt"/>
+                <a:ea typeface="+mn-ea"/>
+                <a:cs typeface="+mn-cs"/>
+              </a:defRPr>
+            </a:lvl4pPr>
+            <a:lvl5pPr marL="2057400" indent="-228600" algn="l" defTabSz="914400" rtl="0" eaLnBrk="1" latinLnBrk="1" hangingPunct="1">
+              <a:lnSpc>
+                <a:spcPct val="90000"/>
+              </a:lnSpc>
+              <a:spcBef>
+                <a:spcPts val="500"/>
+              </a:spcBef>
+              <a:buFont typeface="Arial" panose="020B0604020202020204" pitchFamily="34" charset="0"/>
+              <a:buChar char="•"/>
+              <a:defRPr sz="1800" kern="1200">
+                <a:solidFill>
+                  <a:schemeClr val="tx1"/>
+                </a:solidFill>
+                <a:latin typeface="+mn-lt"/>
+                <a:ea typeface="+mn-ea"/>
+                <a:cs typeface="+mn-cs"/>
+              </a:defRPr>
+            </a:lvl5pPr>
+            <a:lvl6pPr marL="2514600" indent="-228600" algn="l" defTabSz="914400" rtl="0" eaLnBrk="1" latinLnBrk="1" hangingPunct="1">
+              <a:lnSpc>
+                <a:spcPct val="90000"/>
+              </a:lnSpc>
+              <a:spcBef>
+                <a:spcPts val="500"/>
+              </a:spcBef>
+              <a:buFont typeface="Arial" panose="020B0604020202020204" pitchFamily="34" charset="0"/>
+              <a:buChar char="•"/>
+              <a:defRPr sz="1800" kern="1200">
+                <a:solidFill>
+                  <a:schemeClr val="tx1"/>
+                </a:solidFill>
+                <a:latin typeface="+mn-lt"/>
+                <a:ea typeface="+mn-ea"/>
+                <a:cs typeface="+mn-cs"/>
+              </a:defRPr>
+            </a:lvl6pPr>
+            <a:lvl7pPr marL="2971800" indent="-228600" algn="l" defTabSz="914400" rtl="0" eaLnBrk="1" latinLnBrk="1" hangingPunct="1">
+              <a:lnSpc>
+                <a:spcPct val="90000"/>
+              </a:lnSpc>
+              <a:spcBef>
+                <a:spcPts val="500"/>
+              </a:spcBef>
+              <a:buFont typeface="Arial" panose="020B0604020202020204" pitchFamily="34" charset="0"/>
+              <a:buChar char="•"/>
+              <a:defRPr sz="1800" kern="1200">
+                <a:solidFill>
+                  <a:schemeClr val="tx1"/>
+                </a:solidFill>
+                <a:latin typeface="+mn-lt"/>
+                <a:ea typeface="+mn-ea"/>
+                <a:cs typeface="+mn-cs"/>
+              </a:defRPr>
+            </a:lvl7pPr>
+            <a:lvl8pPr marL="3429000" indent="-228600" algn="l" defTabSz="914400" rtl="0" eaLnBrk="1" latinLnBrk="1" hangingPunct="1">
+              <a:lnSpc>
+                <a:spcPct val="90000"/>
+              </a:lnSpc>
+              <a:spcBef>
+                <a:spcPts val="500"/>
+              </a:spcBef>
+              <a:buFont typeface="Arial" panose="020B0604020202020204" pitchFamily="34" charset="0"/>
+              <a:buChar char="•"/>
+              <a:defRPr sz="1800" kern="1200">
+                <a:solidFill>
+                  <a:schemeClr val="tx1"/>
+                </a:solidFill>
+                <a:latin typeface="+mn-lt"/>
+                <a:ea typeface="+mn-ea"/>
+                <a:cs typeface="+mn-cs"/>
+              </a:defRPr>
+            </a:lvl8pPr>
+            <a:lvl9pPr marL="3886200" indent="-228600" algn="l" defTabSz="914400" rtl="0" eaLnBrk="1" latinLnBrk="1" hangingPunct="1">
+              <a:lnSpc>
+                <a:spcPct val="90000"/>
+              </a:lnSpc>
+              <a:spcBef>
+                <a:spcPts val="500"/>
+              </a:spcBef>
+              <a:buFont typeface="Arial" panose="020B0604020202020204" pitchFamily="34" charset="0"/>
+              <a:buChar char="•"/>
+              <a:defRPr sz="1800" kern="1200">
+                <a:solidFill>
+                  <a:schemeClr val="tx1"/>
+                </a:solidFill>
+                <a:latin typeface="+mn-lt"/>
+                <a:ea typeface="+mn-ea"/>
+                <a:cs typeface="+mn-cs"/>
+              </a:defRPr>
+            </a:lvl9pPr>
+          </a:lstStyle>
+          <a:p>
+            <a:pPr marL="285750" indent="-285750" algn="ctr"/>
+            <a:r>
+              <a:rPr lang="ko-KR" altLang="en-US" sz="1800" b="1" dirty="0">
+                <a:solidFill>
+                  <a:schemeClr val="bg1"/>
+                </a:solidFill>
+              </a:rPr>
+              <a:t>푸리에 </a:t>
+            </a:r>
+            <a:r>
+              <a:rPr lang="ko-KR" altLang="en-US" sz="1800" b="1" dirty="0" err="1">
+                <a:solidFill>
+                  <a:schemeClr val="bg1"/>
+                </a:solidFill>
+              </a:rPr>
+              <a:t>트렌스폼을</a:t>
+            </a:r>
+            <a:r>
+              <a:rPr lang="ko-KR" altLang="en-US" sz="1800" b="1" dirty="0">
+                <a:solidFill>
+                  <a:schemeClr val="bg1"/>
+                </a:solidFill>
+              </a:rPr>
+              <a:t> 이용하면 이와 같이 파동에 포함된 모든 주파수를 얻을 수 있습니다</a:t>
+            </a:r>
+            <a:r>
+              <a:rPr lang="en-US" altLang="ko-KR" sz="1800" b="1" dirty="0">
+                <a:solidFill>
+                  <a:schemeClr val="bg1"/>
+                </a:solidFill>
+              </a:rPr>
+              <a:t>.</a:t>
+            </a:r>
+          </a:p>
+          <a:p>
+            <a:pPr marL="285750" indent="-285750" algn="ctr"/>
+            <a:r>
+              <a:rPr lang="ko-KR" altLang="en-US" sz="1800" b="1" dirty="0">
+                <a:solidFill>
+                  <a:schemeClr val="bg1"/>
+                </a:solidFill>
+              </a:rPr>
+              <a:t>하지만 이것 만으로 원하는 악보를 구성 할 수는 없습니다</a:t>
+            </a:r>
+            <a:r>
+              <a:rPr lang="en-US" altLang="ko-KR" sz="1800" b="1" dirty="0">
+                <a:solidFill>
+                  <a:schemeClr val="bg1"/>
+                </a:solidFill>
+              </a:rPr>
+              <a:t>.</a:t>
+            </a:r>
+            <a:endParaRPr lang="ko-KR" altLang="en-US" sz="1800" b="1" dirty="0">
+              <a:solidFill>
+                <a:schemeClr val="bg1"/>
+              </a:solidFill>
+            </a:endParaRPr>
+          </a:p>
+        </p:txBody>
+      </p:sp>
+    </p:spTree>
+    <p:extLst>
+      <p:ext uri="{BB962C8B-B14F-4D97-AF65-F5344CB8AC3E}">
+        <p14:creationId xmlns:p14="http://schemas.microsoft.com/office/powerpoint/2010/main" val="2829929567"/>
+      </p:ext>
+    </p:extLst>
+  </p:cSld>
+  <p:clrMapOvr>
+    <a:masterClrMapping/>
+  </p:clrMapOvr>
+</p:sld>
+</file>
+
+<file path=ppt/slides/slide18.xml><?xml version="1.0" encoding="utf-8"?>
+<p:sld xmlns:a="http://schemas.openxmlformats.org/drawingml/2006/main" xmlns:r="http://schemas.openxmlformats.org/officeDocument/2006/relationships" xmlns:p="http://schemas.openxmlformats.org/presentationml/2006/main">
+  <p:cSld>
+    <p:spTree>
+      <p:nvGrpSpPr>
+        <p:cNvPr id="1" name=""/>
+        <p:cNvGrpSpPr/>
+        <p:nvPr/>
+      </p:nvGrpSpPr>
+      <p:grpSpPr>
+        <a:xfrm>
+          <a:off x="0" y="0"/>
+          <a:ext cx="0" cy="0"/>
+          <a:chOff x="0" y="0"/>
+          <a:chExt cx="0" cy="0"/>
+        </a:xfrm>
+      </p:grpSpPr>
       <p:grpSp>
         <p:nvGrpSpPr>
           <p:cNvPr id="2" name="그룹 1">
@@ -4862,6 +6504,285 @@
           </p:spPr>
         </p:pic>
       </p:grpSp>
+      <p:sp>
+        <p:nvSpPr>
+          <p:cNvPr id="11" name="내용 개체 틀 2">
+            <a:extLst>
+              <a:ext uri="{FF2B5EF4-FFF2-40B4-BE49-F238E27FC236}">
+                <a16:creationId xmlns:a16="http://schemas.microsoft.com/office/drawing/2014/main" id="{13B6E02F-1B2B-4312-9423-B6BE9765EB92}"/>
+              </a:ext>
+            </a:extLst>
+          </p:cNvPr>
+          <p:cNvSpPr txBox="1">
+            <a:spLocks/>
+          </p:cNvSpPr>
+          <p:nvPr/>
+        </p:nvSpPr>
+        <p:spPr>
+          <a:xfrm>
+            <a:off x="348029" y="5998020"/>
+            <a:ext cx="11495942" cy="702573"/>
+          </a:xfrm>
+          <a:prstGeom prst="rect">
+            <a:avLst/>
+          </a:prstGeom>
+          <a:solidFill>
+            <a:schemeClr val="accent6">
+              <a:lumMod val="50000"/>
+              <a:alpha val="52000"/>
+            </a:schemeClr>
+          </a:solidFill>
+          <a:ln w="25400" cap="rnd" cmpd="dbl">
+            <a:solidFill>
+              <a:schemeClr val="accent6">
+                <a:lumMod val="40000"/>
+                <a:lumOff val="60000"/>
+              </a:schemeClr>
+            </a:solidFill>
+          </a:ln>
+        </p:spPr>
+        <p:txBody>
+          <a:bodyPr vert="horz" lIns="91440" tIns="45720" rIns="91440" bIns="45720" rtlCol="0" anchor="ctr">
+            <a:normAutofit lnSpcReduction="10000"/>
+          </a:bodyPr>
+          <a:lstStyle>
+            <a:lvl1pPr marL="228600" indent="-228600" algn="l" defTabSz="914400" rtl="0" eaLnBrk="1" latinLnBrk="1" hangingPunct="1">
+              <a:lnSpc>
+                <a:spcPct val="90000"/>
+              </a:lnSpc>
+              <a:spcBef>
+                <a:spcPts val="1000"/>
+              </a:spcBef>
+              <a:buFont typeface="Arial" panose="020B0604020202020204" pitchFamily="34" charset="0"/>
+              <a:buChar char="•"/>
+              <a:defRPr sz="2800" kern="1200">
+                <a:solidFill>
+                  <a:schemeClr val="tx1"/>
+                </a:solidFill>
+                <a:latin typeface="+mn-lt"/>
+                <a:ea typeface="+mn-ea"/>
+                <a:cs typeface="+mn-cs"/>
+              </a:defRPr>
+            </a:lvl1pPr>
+            <a:lvl2pPr marL="685800" indent="-228600" algn="l" defTabSz="914400" rtl="0" eaLnBrk="1" latinLnBrk="1" hangingPunct="1">
+              <a:lnSpc>
+                <a:spcPct val="90000"/>
+              </a:lnSpc>
+              <a:spcBef>
+                <a:spcPts val="500"/>
+              </a:spcBef>
+              <a:buFont typeface="Arial" panose="020B0604020202020204" pitchFamily="34" charset="0"/>
+              <a:buChar char="•"/>
+              <a:defRPr sz="2400" kern="1200">
+                <a:solidFill>
+                  <a:schemeClr val="tx1"/>
+                </a:solidFill>
+                <a:latin typeface="+mn-lt"/>
+                <a:ea typeface="+mn-ea"/>
+                <a:cs typeface="+mn-cs"/>
+              </a:defRPr>
+            </a:lvl2pPr>
+            <a:lvl3pPr marL="1143000" indent="-228600" algn="l" defTabSz="914400" rtl="0" eaLnBrk="1" latinLnBrk="1" hangingPunct="1">
+              <a:lnSpc>
+                <a:spcPct val="90000"/>
+              </a:lnSpc>
+              <a:spcBef>
+                <a:spcPts val="500"/>
+              </a:spcBef>
+              <a:buFont typeface="Arial" panose="020B0604020202020204" pitchFamily="34" charset="0"/>
+              <a:buChar char="•"/>
+              <a:defRPr sz="2000" kern="1200">
+                <a:solidFill>
+                  <a:schemeClr val="tx1"/>
+                </a:solidFill>
+                <a:latin typeface="+mn-lt"/>
+                <a:ea typeface="+mn-ea"/>
+                <a:cs typeface="+mn-cs"/>
+              </a:defRPr>
+            </a:lvl3pPr>
+            <a:lvl4pPr marL="1600200" indent="-228600" algn="l" defTabSz="914400" rtl="0" eaLnBrk="1" latinLnBrk="1" hangingPunct="1">
+              <a:lnSpc>
+                <a:spcPct val="90000"/>
+              </a:lnSpc>
+              <a:spcBef>
+                <a:spcPts val="500"/>
+              </a:spcBef>
+              <a:buFont typeface="Arial" panose="020B0604020202020204" pitchFamily="34" charset="0"/>
+              <a:buChar char="•"/>
+              <a:defRPr sz="1800" kern="1200">
+                <a:solidFill>
+                  <a:schemeClr val="tx1"/>
+                </a:solidFill>
+                <a:latin typeface="+mn-lt"/>
+                <a:ea typeface="+mn-ea"/>
+                <a:cs typeface="+mn-cs"/>
+              </a:defRPr>
+            </a:lvl4pPr>
+            <a:lvl5pPr marL="2057400" indent="-228600" algn="l" defTabSz="914400" rtl="0" eaLnBrk="1" latinLnBrk="1" hangingPunct="1">
+              <a:lnSpc>
+                <a:spcPct val="90000"/>
+              </a:lnSpc>
+              <a:spcBef>
+                <a:spcPts val="500"/>
+              </a:spcBef>
+              <a:buFont typeface="Arial" panose="020B0604020202020204" pitchFamily="34" charset="0"/>
+              <a:buChar char="•"/>
+              <a:defRPr sz="1800" kern="1200">
+                <a:solidFill>
+                  <a:schemeClr val="tx1"/>
+                </a:solidFill>
+                <a:latin typeface="+mn-lt"/>
+                <a:ea typeface="+mn-ea"/>
+                <a:cs typeface="+mn-cs"/>
+              </a:defRPr>
+            </a:lvl5pPr>
+            <a:lvl6pPr marL="2514600" indent="-228600" algn="l" defTabSz="914400" rtl="0" eaLnBrk="1" latinLnBrk="1" hangingPunct="1">
+              <a:lnSpc>
+                <a:spcPct val="90000"/>
+              </a:lnSpc>
+              <a:spcBef>
+                <a:spcPts val="500"/>
+              </a:spcBef>
+              <a:buFont typeface="Arial" panose="020B0604020202020204" pitchFamily="34" charset="0"/>
+              <a:buChar char="•"/>
+              <a:defRPr sz="1800" kern="1200">
+                <a:solidFill>
+                  <a:schemeClr val="tx1"/>
+                </a:solidFill>
+                <a:latin typeface="+mn-lt"/>
+                <a:ea typeface="+mn-ea"/>
+                <a:cs typeface="+mn-cs"/>
+              </a:defRPr>
+            </a:lvl6pPr>
+            <a:lvl7pPr marL="2971800" indent="-228600" algn="l" defTabSz="914400" rtl="0" eaLnBrk="1" latinLnBrk="1" hangingPunct="1">
+              <a:lnSpc>
+                <a:spcPct val="90000"/>
+              </a:lnSpc>
+              <a:spcBef>
+                <a:spcPts val="500"/>
+              </a:spcBef>
+              <a:buFont typeface="Arial" panose="020B0604020202020204" pitchFamily="34" charset="0"/>
+              <a:buChar char="•"/>
+              <a:defRPr sz="1800" kern="1200">
+                <a:solidFill>
+                  <a:schemeClr val="tx1"/>
+                </a:solidFill>
+                <a:latin typeface="+mn-lt"/>
+                <a:ea typeface="+mn-ea"/>
+                <a:cs typeface="+mn-cs"/>
+              </a:defRPr>
+            </a:lvl7pPr>
+            <a:lvl8pPr marL="3429000" indent="-228600" algn="l" defTabSz="914400" rtl="0" eaLnBrk="1" latinLnBrk="1" hangingPunct="1">
+              <a:lnSpc>
+                <a:spcPct val="90000"/>
+              </a:lnSpc>
+              <a:spcBef>
+                <a:spcPts val="500"/>
+              </a:spcBef>
+              <a:buFont typeface="Arial" panose="020B0604020202020204" pitchFamily="34" charset="0"/>
+              <a:buChar char="•"/>
+              <a:defRPr sz="1800" kern="1200">
+                <a:solidFill>
+                  <a:schemeClr val="tx1"/>
+                </a:solidFill>
+                <a:latin typeface="+mn-lt"/>
+                <a:ea typeface="+mn-ea"/>
+                <a:cs typeface="+mn-cs"/>
+              </a:defRPr>
+            </a:lvl8pPr>
+            <a:lvl9pPr marL="3886200" indent="-228600" algn="l" defTabSz="914400" rtl="0" eaLnBrk="1" latinLnBrk="1" hangingPunct="1">
+              <a:lnSpc>
+                <a:spcPct val="90000"/>
+              </a:lnSpc>
+              <a:spcBef>
+                <a:spcPts val="500"/>
+              </a:spcBef>
+              <a:buFont typeface="Arial" panose="020B0604020202020204" pitchFamily="34" charset="0"/>
+              <a:buChar char="•"/>
+              <a:defRPr sz="1800" kern="1200">
+                <a:solidFill>
+                  <a:schemeClr val="tx1"/>
+                </a:solidFill>
+                <a:latin typeface="+mn-lt"/>
+                <a:ea typeface="+mn-ea"/>
+                <a:cs typeface="+mn-cs"/>
+              </a:defRPr>
+            </a:lvl9pPr>
+          </a:lstStyle>
+          <a:p>
+            <a:pPr marL="285750" indent="-285750" algn="ctr"/>
+            <a:r>
+              <a:rPr lang="ko-KR" altLang="en-US" sz="1800" b="1" dirty="0">
+                <a:solidFill>
+                  <a:schemeClr val="bg1"/>
+                </a:solidFill>
+              </a:rPr>
+              <a:t>그렇다면 파동을 구간별로 나눈 다음 각각의 구간에 대하여 </a:t>
+            </a:r>
+            <a:endParaRPr lang="en-US" altLang="ko-KR" sz="1800" b="1" dirty="0">
+              <a:solidFill>
+                <a:schemeClr val="bg1"/>
+              </a:solidFill>
+            </a:endParaRPr>
+          </a:p>
+          <a:p>
+            <a:pPr marL="285750" indent="-285750" algn="ctr"/>
+            <a:r>
+              <a:rPr lang="ko-KR" altLang="en-US" sz="1800" b="1" dirty="0">
+                <a:solidFill>
+                  <a:schemeClr val="bg1"/>
+                </a:solidFill>
+              </a:rPr>
+              <a:t>푸리에 </a:t>
+            </a:r>
+            <a:r>
+              <a:rPr lang="ko-KR" altLang="en-US" sz="1800" b="1" dirty="0" err="1">
+                <a:solidFill>
+                  <a:schemeClr val="bg1"/>
+                </a:solidFill>
+              </a:rPr>
+              <a:t>트렌스폼을</a:t>
+            </a:r>
+            <a:r>
+              <a:rPr lang="ko-KR" altLang="en-US" sz="1800" b="1" dirty="0">
+                <a:solidFill>
+                  <a:schemeClr val="bg1"/>
+                </a:solidFill>
+              </a:rPr>
+              <a:t> </a:t>
+            </a:r>
+            <a:r>
+              <a:rPr lang="ko-KR" altLang="en-US" sz="1800" b="1" dirty="0" err="1">
+                <a:solidFill>
+                  <a:schemeClr val="bg1"/>
+                </a:solidFill>
+              </a:rPr>
+              <a:t>한뒤</a:t>
+            </a:r>
+            <a:r>
+              <a:rPr lang="ko-KR" altLang="en-US" sz="1800" b="1" dirty="0">
+                <a:solidFill>
+                  <a:schemeClr val="bg1"/>
+                </a:solidFill>
+              </a:rPr>
+              <a:t> 이어 붙이면 어떻게 될까요</a:t>
+            </a:r>
+            <a:r>
+              <a:rPr lang="en-US" altLang="ko-KR" sz="1800" b="1" dirty="0">
+                <a:solidFill>
+                  <a:schemeClr val="bg1"/>
+                </a:solidFill>
+              </a:rPr>
+              <a:t>?</a:t>
+            </a:r>
+            <a:endParaRPr lang="ko-KR" altLang="en-US" sz="1800" b="1" dirty="0">
+              <a:solidFill>
+                <a:schemeClr val="bg1"/>
+              </a:solidFill>
+            </a:endParaRPr>
+          </a:p>
+        </p:txBody>
+      </p:sp>
     </p:spTree>
     <p:extLst>
       <p:ext uri="{BB962C8B-B14F-4D97-AF65-F5344CB8AC3E}">
@@ -4875,7 +6796,7 @@
 </p:sld>
 </file>
 
-<file path=ppt/slides/slide17.xml><?xml version="1.0" encoding="utf-8"?>
+<file path=ppt/slides/slide19.xml><?xml version="1.0" encoding="utf-8"?>
 <p:sld xmlns:a="http://schemas.openxmlformats.org/drawingml/2006/main" xmlns:r="http://schemas.openxmlformats.org/officeDocument/2006/relationships" xmlns:p="http://schemas.openxmlformats.org/presentationml/2006/main">
   <p:cSld>
     <p:spTree>
@@ -4906,7 +6827,7 @@
         </p:nvGrpSpPr>
         <p:grpSpPr>
           <a:xfrm>
-            <a:off x="2558005" y="922559"/>
+            <a:off x="2531627" y="922559"/>
             <a:ext cx="6162733" cy="5012882"/>
             <a:chOff x="2558005" y="922559"/>
             <a:chExt cx="6162733" cy="5012882"/>
@@ -5019,45 +6940,596 @@
       </p:grpSp>
       <p:sp>
         <p:nvSpPr>
-          <p:cNvPr id="15" name="TextBox 14">
-            <a:extLst>
-              <a:ext uri="{FF2B5EF4-FFF2-40B4-BE49-F238E27FC236}">
-                <a16:creationId xmlns:a16="http://schemas.microsoft.com/office/drawing/2014/main" id="{CD3811D6-B259-4B20-A1F9-974E1204F20C}"/>
-              </a:ext>
-            </a:extLst>
-          </p:cNvPr>
-          <p:cNvSpPr txBox="1"/>
+          <p:cNvPr id="7" name="내용 개체 틀 2">
+            <a:extLst>
+              <a:ext uri="{FF2B5EF4-FFF2-40B4-BE49-F238E27FC236}">
+                <a16:creationId xmlns:a16="http://schemas.microsoft.com/office/drawing/2014/main" id="{E961EBE0-C8AD-497C-BA8B-DE769690F226}"/>
+              </a:ext>
+            </a:extLst>
+          </p:cNvPr>
+          <p:cNvSpPr txBox="1">
+            <a:spLocks/>
+          </p:cNvSpPr>
           <p:nvPr/>
         </p:nvSpPr>
         <p:spPr>
           <a:xfrm>
-            <a:off x="4236335" y="6366075"/>
-            <a:ext cx="3159839" cy="369332"/>
+            <a:off x="348028" y="5987860"/>
+            <a:ext cx="11495942" cy="702573"/>
+          </a:xfrm>
+          <a:prstGeom prst="rect">
+            <a:avLst/>
+          </a:prstGeom>
+          <a:solidFill>
+            <a:schemeClr val="accent6">
+              <a:lumMod val="50000"/>
+              <a:alpha val="52000"/>
+            </a:schemeClr>
+          </a:solidFill>
+          <a:ln w="25400" cap="rnd" cmpd="dbl">
+            <a:solidFill>
+              <a:schemeClr val="accent6">
+                <a:lumMod val="40000"/>
+                <a:lumOff val="60000"/>
+              </a:schemeClr>
+            </a:solidFill>
+          </a:ln>
+        </p:spPr>
+        <p:txBody>
+          <a:bodyPr vert="horz" lIns="91440" tIns="45720" rIns="91440" bIns="45720" rtlCol="0" anchor="ctr">
+            <a:normAutofit/>
+          </a:bodyPr>
+          <a:lstStyle>
+            <a:lvl1pPr marL="228600" indent="-228600" algn="l" defTabSz="914400" rtl="0" eaLnBrk="1" latinLnBrk="1" hangingPunct="1">
+              <a:lnSpc>
+                <a:spcPct val="90000"/>
+              </a:lnSpc>
+              <a:spcBef>
+                <a:spcPts val="1000"/>
+              </a:spcBef>
+              <a:buFont typeface="Arial" panose="020B0604020202020204" pitchFamily="34" charset="0"/>
+              <a:buChar char="•"/>
+              <a:defRPr sz="2800" kern="1200">
+                <a:solidFill>
+                  <a:schemeClr val="tx1"/>
+                </a:solidFill>
+                <a:latin typeface="+mn-lt"/>
+                <a:ea typeface="+mn-ea"/>
+                <a:cs typeface="+mn-cs"/>
+              </a:defRPr>
+            </a:lvl1pPr>
+            <a:lvl2pPr marL="685800" indent="-228600" algn="l" defTabSz="914400" rtl="0" eaLnBrk="1" latinLnBrk="1" hangingPunct="1">
+              <a:lnSpc>
+                <a:spcPct val="90000"/>
+              </a:lnSpc>
+              <a:spcBef>
+                <a:spcPts val="500"/>
+              </a:spcBef>
+              <a:buFont typeface="Arial" panose="020B0604020202020204" pitchFamily="34" charset="0"/>
+              <a:buChar char="•"/>
+              <a:defRPr sz="2400" kern="1200">
+                <a:solidFill>
+                  <a:schemeClr val="tx1"/>
+                </a:solidFill>
+                <a:latin typeface="+mn-lt"/>
+                <a:ea typeface="+mn-ea"/>
+                <a:cs typeface="+mn-cs"/>
+              </a:defRPr>
+            </a:lvl2pPr>
+            <a:lvl3pPr marL="1143000" indent="-228600" algn="l" defTabSz="914400" rtl="0" eaLnBrk="1" latinLnBrk="1" hangingPunct="1">
+              <a:lnSpc>
+                <a:spcPct val="90000"/>
+              </a:lnSpc>
+              <a:spcBef>
+                <a:spcPts val="500"/>
+              </a:spcBef>
+              <a:buFont typeface="Arial" panose="020B0604020202020204" pitchFamily="34" charset="0"/>
+              <a:buChar char="•"/>
+              <a:defRPr sz="2000" kern="1200">
+                <a:solidFill>
+                  <a:schemeClr val="tx1"/>
+                </a:solidFill>
+                <a:latin typeface="+mn-lt"/>
+                <a:ea typeface="+mn-ea"/>
+                <a:cs typeface="+mn-cs"/>
+              </a:defRPr>
+            </a:lvl3pPr>
+            <a:lvl4pPr marL="1600200" indent="-228600" algn="l" defTabSz="914400" rtl="0" eaLnBrk="1" latinLnBrk="1" hangingPunct="1">
+              <a:lnSpc>
+                <a:spcPct val="90000"/>
+              </a:lnSpc>
+              <a:spcBef>
+                <a:spcPts val="500"/>
+              </a:spcBef>
+              <a:buFont typeface="Arial" panose="020B0604020202020204" pitchFamily="34" charset="0"/>
+              <a:buChar char="•"/>
+              <a:defRPr sz="1800" kern="1200">
+                <a:solidFill>
+                  <a:schemeClr val="tx1"/>
+                </a:solidFill>
+                <a:latin typeface="+mn-lt"/>
+                <a:ea typeface="+mn-ea"/>
+                <a:cs typeface="+mn-cs"/>
+              </a:defRPr>
+            </a:lvl4pPr>
+            <a:lvl5pPr marL="2057400" indent="-228600" algn="l" defTabSz="914400" rtl="0" eaLnBrk="1" latinLnBrk="1" hangingPunct="1">
+              <a:lnSpc>
+                <a:spcPct val="90000"/>
+              </a:lnSpc>
+              <a:spcBef>
+                <a:spcPts val="500"/>
+              </a:spcBef>
+              <a:buFont typeface="Arial" panose="020B0604020202020204" pitchFamily="34" charset="0"/>
+              <a:buChar char="•"/>
+              <a:defRPr sz="1800" kern="1200">
+                <a:solidFill>
+                  <a:schemeClr val="tx1"/>
+                </a:solidFill>
+                <a:latin typeface="+mn-lt"/>
+                <a:ea typeface="+mn-ea"/>
+                <a:cs typeface="+mn-cs"/>
+              </a:defRPr>
+            </a:lvl5pPr>
+            <a:lvl6pPr marL="2514600" indent="-228600" algn="l" defTabSz="914400" rtl="0" eaLnBrk="1" latinLnBrk="1" hangingPunct="1">
+              <a:lnSpc>
+                <a:spcPct val="90000"/>
+              </a:lnSpc>
+              <a:spcBef>
+                <a:spcPts val="500"/>
+              </a:spcBef>
+              <a:buFont typeface="Arial" panose="020B0604020202020204" pitchFamily="34" charset="0"/>
+              <a:buChar char="•"/>
+              <a:defRPr sz="1800" kern="1200">
+                <a:solidFill>
+                  <a:schemeClr val="tx1"/>
+                </a:solidFill>
+                <a:latin typeface="+mn-lt"/>
+                <a:ea typeface="+mn-ea"/>
+                <a:cs typeface="+mn-cs"/>
+              </a:defRPr>
+            </a:lvl6pPr>
+            <a:lvl7pPr marL="2971800" indent="-228600" algn="l" defTabSz="914400" rtl="0" eaLnBrk="1" latinLnBrk="1" hangingPunct="1">
+              <a:lnSpc>
+                <a:spcPct val="90000"/>
+              </a:lnSpc>
+              <a:spcBef>
+                <a:spcPts val="500"/>
+              </a:spcBef>
+              <a:buFont typeface="Arial" panose="020B0604020202020204" pitchFamily="34" charset="0"/>
+              <a:buChar char="•"/>
+              <a:defRPr sz="1800" kern="1200">
+                <a:solidFill>
+                  <a:schemeClr val="tx1"/>
+                </a:solidFill>
+                <a:latin typeface="+mn-lt"/>
+                <a:ea typeface="+mn-ea"/>
+                <a:cs typeface="+mn-cs"/>
+              </a:defRPr>
+            </a:lvl7pPr>
+            <a:lvl8pPr marL="3429000" indent="-228600" algn="l" defTabSz="914400" rtl="0" eaLnBrk="1" latinLnBrk="1" hangingPunct="1">
+              <a:lnSpc>
+                <a:spcPct val="90000"/>
+              </a:lnSpc>
+              <a:spcBef>
+                <a:spcPts val="500"/>
+              </a:spcBef>
+              <a:buFont typeface="Arial" panose="020B0604020202020204" pitchFamily="34" charset="0"/>
+              <a:buChar char="•"/>
+              <a:defRPr sz="1800" kern="1200">
+                <a:solidFill>
+                  <a:schemeClr val="tx1"/>
+                </a:solidFill>
+                <a:latin typeface="+mn-lt"/>
+                <a:ea typeface="+mn-ea"/>
+                <a:cs typeface="+mn-cs"/>
+              </a:defRPr>
+            </a:lvl8pPr>
+            <a:lvl9pPr marL="3886200" indent="-228600" algn="l" defTabSz="914400" rtl="0" eaLnBrk="1" latinLnBrk="1" hangingPunct="1">
+              <a:lnSpc>
+                <a:spcPct val="90000"/>
+              </a:lnSpc>
+              <a:spcBef>
+                <a:spcPts val="500"/>
+              </a:spcBef>
+              <a:buFont typeface="Arial" panose="020B0604020202020204" pitchFamily="34" charset="0"/>
+              <a:buChar char="•"/>
+              <a:defRPr sz="1800" kern="1200">
+                <a:solidFill>
+                  <a:schemeClr val="tx1"/>
+                </a:solidFill>
+                <a:latin typeface="+mn-lt"/>
+                <a:ea typeface="+mn-ea"/>
+                <a:cs typeface="+mn-cs"/>
+              </a:defRPr>
+            </a:lvl9pPr>
+          </a:lstStyle>
+          <a:p>
+            <a:pPr marL="285750" indent="-285750" algn="ctr"/>
+            <a:r>
+              <a:rPr lang="ko-KR" altLang="en-US" sz="1800" b="1" dirty="0">
+                <a:solidFill>
+                  <a:schemeClr val="bg1"/>
+                </a:solidFill>
+              </a:rPr>
+              <a:t>그러면 이와 같은 결과가 나오게 될 겁니다</a:t>
+            </a:r>
+            <a:r>
+              <a:rPr lang="en-US" altLang="ko-KR" sz="1800" b="1" dirty="0">
+                <a:solidFill>
+                  <a:schemeClr val="bg1"/>
+                </a:solidFill>
+              </a:rPr>
+              <a:t>.</a:t>
+            </a:r>
+            <a:endParaRPr lang="ko-KR" altLang="en-US" sz="1800" b="1" dirty="0">
+              <a:solidFill>
+                <a:schemeClr val="bg1"/>
+              </a:solidFill>
+            </a:endParaRPr>
+          </a:p>
+        </p:txBody>
+      </p:sp>
+      <p:sp>
+        <p:nvSpPr>
+          <p:cNvPr id="3" name="직사각형 2">
+            <a:extLst>
+              <a:ext uri="{FF2B5EF4-FFF2-40B4-BE49-F238E27FC236}">
+                <a16:creationId xmlns:a16="http://schemas.microsoft.com/office/drawing/2014/main" id="{B9EA8701-1E1A-46F0-8836-0CEB6E1AB79A}"/>
+              </a:ext>
+            </a:extLst>
+          </p:cNvPr>
+          <p:cNvSpPr/>
+          <p:nvPr/>
+        </p:nvSpPr>
+        <p:spPr>
+          <a:xfrm>
+            <a:off x="3613638" y="1226917"/>
+            <a:ext cx="479181" cy="4452914"/>
           </a:xfrm>
           <a:prstGeom prst="rect">
             <a:avLst/>
           </a:prstGeom>
           <a:noFill/>
+          <a:ln w="25400">
+            <a:solidFill>
+              <a:schemeClr val="tx1"/>
+            </a:solidFill>
+          </a:ln>
         </p:spPr>
+        <p:style>
+          <a:lnRef idx="2">
+            <a:schemeClr val="accent1">
+              <a:shade val="50000"/>
+            </a:schemeClr>
+          </a:lnRef>
+          <a:fillRef idx="1">
+            <a:schemeClr val="accent1"/>
+          </a:fillRef>
+          <a:effectRef idx="0">
+            <a:schemeClr val="accent1"/>
+          </a:effectRef>
+          <a:fontRef idx="minor">
+            <a:schemeClr val="lt1"/>
+          </a:fontRef>
+        </p:style>
         <p:txBody>
-          <a:bodyPr wrap="none" rtlCol="0">
-            <a:spAutoFit/>
-          </a:bodyPr>
+          <a:bodyPr rtlCol="0" anchor="ctr"/>
           <a:lstStyle/>
           <a:p>
-            <a:pPr marL="285750" indent="-285750">
-              <a:buFont typeface="Arial" panose="020B0604020202020204" pitchFamily="34" charset="0"/>
-              <a:buChar char="•"/>
-            </a:pPr>
-            <a:r>
-              <a:rPr lang="ko-KR" altLang="en-US" b="1" dirty="0"/>
-              <a:t>이와 같은 결과 가 나오죠</a:t>
-            </a:r>
-            <a:r>
-              <a:rPr lang="en-US" altLang="ko-KR" b="1" dirty="0"/>
-              <a:t>.</a:t>
-            </a:r>
-            <a:endParaRPr lang="ko-KR" altLang="en-US" b="1" dirty="0"/>
+            <a:pPr algn="ctr"/>
+            <a:endParaRPr lang="ko-KR" altLang="en-US"/>
+          </a:p>
+        </p:txBody>
+      </p:sp>
+      <p:sp>
+        <p:nvSpPr>
+          <p:cNvPr id="9" name="직사각형 8">
+            <a:extLst>
+              <a:ext uri="{FF2B5EF4-FFF2-40B4-BE49-F238E27FC236}">
+                <a16:creationId xmlns:a16="http://schemas.microsoft.com/office/drawing/2014/main" id="{10B5A0E7-A917-4048-8EFD-BEC1F417EADF}"/>
+              </a:ext>
+            </a:extLst>
+          </p:cNvPr>
+          <p:cNvSpPr/>
+          <p:nvPr/>
+        </p:nvSpPr>
+        <p:spPr>
+          <a:xfrm>
+            <a:off x="4261574" y="2435469"/>
+            <a:ext cx="479181" cy="3244362"/>
+          </a:xfrm>
+          <a:prstGeom prst="rect">
+            <a:avLst/>
+          </a:prstGeom>
+          <a:noFill/>
+          <a:ln w="25400">
+            <a:solidFill>
+              <a:schemeClr val="tx1"/>
+            </a:solidFill>
+          </a:ln>
+        </p:spPr>
+        <p:style>
+          <a:lnRef idx="2">
+            <a:schemeClr val="accent1">
+              <a:shade val="50000"/>
+            </a:schemeClr>
+          </a:lnRef>
+          <a:fillRef idx="1">
+            <a:schemeClr val="accent1"/>
+          </a:fillRef>
+          <a:effectRef idx="0">
+            <a:schemeClr val="accent1"/>
+          </a:effectRef>
+          <a:fontRef idx="minor">
+            <a:schemeClr val="lt1"/>
+          </a:fontRef>
+        </p:style>
+        <p:txBody>
+          <a:bodyPr rtlCol="0" anchor="ctr"/>
+          <a:lstStyle/>
+          <a:p>
+            <a:pPr algn="ctr"/>
+            <a:endParaRPr lang="ko-KR" altLang="en-US"/>
+          </a:p>
+        </p:txBody>
+      </p:sp>
+      <p:sp>
+        <p:nvSpPr>
+          <p:cNvPr id="10" name="직사각형 9">
+            <a:extLst>
+              <a:ext uri="{FF2B5EF4-FFF2-40B4-BE49-F238E27FC236}">
+                <a16:creationId xmlns:a16="http://schemas.microsoft.com/office/drawing/2014/main" id="{70F7B26C-34B2-427B-A529-B21CE08BF436}"/>
+              </a:ext>
+            </a:extLst>
+          </p:cNvPr>
+          <p:cNvSpPr/>
+          <p:nvPr/>
+        </p:nvSpPr>
+        <p:spPr>
+          <a:xfrm>
+            <a:off x="4893627" y="4088423"/>
+            <a:ext cx="479181" cy="1591408"/>
+          </a:xfrm>
+          <a:prstGeom prst="rect">
+            <a:avLst/>
+          </a:prstGeom>
+          <a:noFill/>
+          <a:ln w="25400">
+            <a:solidFill>
+              <a:schemeClr val="tx1"/>
+            </a:solidFill>
+          </a:ln>
+        </p:spPr>
+        <p:style>
+          <a:lnRef idx="2">
+            <a:schemeClr val="accent1">
+              <a:shade val="50000"/>
+            </a:schemeClr>
+          </a:lnRef>
+          <a:fillRef idx="1">
+            <a:schemeClr val="accent1"/>
+          </a:fillRef>
+          <a:effectRef idx="0">
+            <a:schemeClr val="accent1"/>
+          </a:effectRef>
+          <a:fontRef idx="minor">
+            <a:schemeClr val="lt1"/>
+          </a:fontRef>
+        </p:style>
+        <p:txBody>
+          <a:bodyPr rtlCol="0" anchor="ctr"/>
+          <a:lstStyle/>
+          <a:p>
+            <a:pPr algn="ctr"/>
+            <a:endParaRPr lang="ko-KR" altLang="en-US"/>
+          </a:p>
+        </p:txBody>
+      </p:sp>
+      <p:sp>
+        <p:nvSpPr>
+          <p:cNvPr id="13" name="직사각형 12">
+            <a:extLst>
+              <a:ext uri="{FF2B5EF4-FFF2-40B4-BE49-F238E27FC236}">
+                <a16:creationId xmlns:a16="http://schemas.microsoft.com/office/drawing/2014/main" id="{7FADA14C-102F-4A32-A666-FC4C929D5D98}"/>
+              </a:ext>
+            </a:extLst>
+          </p:cNvPr>
+          <p:cNvSpPr/>
+          <p:nvPr/>
+        </p:nvSpPr>
+        <p:spPr>
+          <a:xfrm>
+            <a:off x="5534708" y="2435469"/>
+            <a:ext cx="479181" cy="3244362"/>
+          </a:xfrm>
+          <a:prstGeom prst="rect">
+            <a:avLst/>
+          </a:prstGeom>
+          <a:noFill/>
+          <a:ln w="25400">
+            <a:solidFill>
+              <a:schemeClr val="tx1"/>
+            </a:solidFill>
+          </a:ln>
+        </p:spPr>
+        <p:style>
+          <a:lnRef idx="2">
+            <a:schemeClr val="accent1">
+              <a:shade val="50000"/>
+            </a:schemeClr>
+          </a:lnRef>
+          <a:fillRef idx="1">
+            <a:schemeClr val="accent1"/>
+          </a:fillRef>
+          <a:effectRef idx="0">
+            <a:schemeClr val="accent1"/>
+          </a:effectRef>
+          <a:fontRef idx="minor">
+            <a:schemeClr val="lt1"/>
+          </a:fontRef>
+        </p:style>
+        <p:txBody>
+          <a:bodyPr rtlCol="0" anchor="ctr"/>
+          <a:lstStyle/>
+          <a:p>
+            <a:pPr algn="ctr"/>
+            <a:endParaRPr lang="ko-KR" altLang="en-US"/>
+          </a:p>
+        </p:txBody>
+      </p:sp>
+      <p:sp>
+        <p:nvSpPr>
+          <p:cNvPr id="14" name="직사각형 13">
+            <a:extLst>
+              <a:ext uri="{FF2B5EF4-FFF2-40B4-BE49-F238E27FC236}">
+                <a16:creationId xmlns:a16="http://schemas.microsoft.com/office/drawing/2014/main" id="{54E1EF2A-9B1D-44E0-B16D-13D13BC809A8}"/>
+              </a:ext>
+            </a:extLst>
+          </p:cNvPr>
+          <p:cNvSpPr/>
+          <p:nvPr/>
+        </p:nvSpPr>
+        <p:spPr>
+          <a:xfrm>
+            <a:off x="6233862" y="1226917"/>
+            <a:ext cx="479181" cy="4452914"/>
+          </a:xfrm>
+          <a:prstGeom prst="rect">
+            <a:avLst/>
+          </a:prstGeom>
+          <a:noFill/>
+          <a:ln w="25400">
+            <a:solidFill>
+              <a:schemeClr val="tx1"/>
+            </a:solidFill>
+          </a:ln>
+        </p:spPr>
+        <p:style>
+          <a:lnRef idx="2">
+            <a:schemeClr val="accent1">
+              <a:shade val="50000"/>
+            </a:schemeClr>
+          </a:lnRef>
+          <a:fillRef idx="1">
+            <a:schemeClr val="accent1"/>
+          </a:fillRef>
+          <a:effectRef idx="0">
+            <a:schemeClr val="accent1"/>
+          </a:effectRef>
+          <a:fontRef idx="minor">
+            <a:schemeClr val="lt1"/>
+          </a:fontRef>
+        </p:style>
+        <p:txBody>
+          <a:bodyPr rtlCol="0" anchor="ctr"/>
+          <a:lstStyle/>
+          <a:p>
+            <a:pPr algn="ctr"/>
+            <a:endParaRPr lang="ko-KR" altLang="en-US"/>
+          </a:p>
+        </p:txBody>
+      </p:sp>
+      <p:sp>
+        <p:nvSpPr>
+          <p:cNvPr id="16" name="직사각형 15">
+            <a:extLst>
+              <a:ext uri="{FF2B5EF4-FFF2-40B4-BE49-F238E27FC236}">
+                <a16:creationId xmlns:a16="http://schemas.microsoft.com/office/drawing/2014/main" id="{7B3BE50C-8B64-49D2-B24D-76456A3F877C}"/>
+              </a:ext>
+            </a:extLst>
+          </p:cNvPr>
+          <p:cNvSpPr/>
+          <p:nvPr/>
+        </p:nvSpPr>
+        <p:spPr>
+          <a:xfrm>
+            <a:off x="7074032" y="1226917"/>
+            <a:ext cx="479181" cy="4452914"/>
+          </a:xfrm>
+          <a:prstGeom prst="rect">
+            <a:avLst/>
+          </a:prstGeom>
+          <a:noFill/>
+          <a:ln w="25400">
+            <a:solidFill>
+              <a:schemeClr val="tx1"/>
+            </a:solidFill>
+          </a:ln>
+        </p:spPr>
+        <p:style>
+          <a:lnRef idx="2">
+            <a:schemeClr val="accent1">
+              <a:shade val="50000"/>
+            </a:schemeClr>
+          </a:lnRef>
+          <a:fillRef idx="1">
+            <a:schemeClr val="accent1"/>
+          </a:fillRef>
+          <a:effectRef idx="0">
+            <a:schemeClr val="accent1"/>
+          </a:effectRef>
+          <a:fontRef idx="minor">
+            <a:schemeClr val="lt1"/>
+          </a:fontRef>
+        </p:style>
+        <p:txBody>
+          <a:bodyPr rtlCol="0" anchor="ctr"/>
+          <a:lstStyle/>
+          <a:p>
+            <a:pPr algn="ctr"/>
+            <a:endParaRPr lang="ko-KR" altLang="en-US"/>
+          </a:p>
+        </p:txBody>
+      </p:sp>
+      <p:sp>
+        <p:nvSpPr>
+          <p:cNvPr id="17" name="직사각형 16">
+            <a:extLst>
+              <a:ext uri="{FF2B5EF4-FFF2-40B4-BE49-F238E27FC236}">
+                <a16:creationId xmlns:a16="http://schemas.microsoft.com/office/drawing/2014/main" id="{A792B818-68B3-4820-848E-92470753FFB7}"/>
+              </a:ext>
+            </a:extLst>
+          </p:cNvPr>
+          <p:cNvSpPr/>
+          <p:nvPr/>
+        </p:nvSpPr>
+        <p:spPr>
+          <a:xfrm>
+            <a:off x="8099183" y="1226917"/>
+            <a:ext cx="479181" cy="4452914"/>
+          </a:xfrm>
+          <a:prstGeom prst="rect">
+            <a:avLst/>
+          </a:prstGeom>
+          <a:noFill/>
+          <a:ln w="25400">
+            <a:solidFill>
+              <a:schemeClr val="tx1"/>
+            </a:solidFill>
+          </a:ln>
+        </p:spPr>
+        <p:style>
+          <a:lnRef idx="2">
+            <a:schemeClr val="accent1">
+              <a:shade val="50000"/>
+            </a:schemeClr>
+          </a:lnRef>
+          <a:fillRef idx="1">
+            <a:schemeClr val="accent1"/>
+          </a:fillRef>
+          <a:effectRef idx="0">
+            <a:schemeClr val="accent1"/>
+          </a:effectRef>
+          <a:fontRef idx="minor">
+            <a:schemeClr val="lt1"/>
+          </a:fontRef>
+        </p:style>
+        <p:txBody>
+          <a:bodyPr rtlCol="0" anchor="ctr"/>
+          <a:lstStyle/>
+          <a:p>
+            <a:pPr algn="ctr"/>
+            <a:endParaRPr lang="ko-KR" altLang="en-US"/>
           </a:p>
         </p:txBody>
       </p:sp>
@@ -5074,7 +7546,983 @@
 </p:sld>
 </file>
 
-<file path=ppt/slides/slide18.xml><?xml version="1.0" encoding="utf-8"?>
+<file path=ppt/slides/slide2.xml><?xml version="1.0" encoding="utf-8"?>
+<p:sld xmlns:a="http://schemas.openxmlformats.org/drawingml/2006/main" xmlns:r="http://schemas.openxmlformats.org/officeDocument/2006/relationships" xmlns:p="http://schemas.openxmlformats.org/presentationml/2006/main">
+  <p:cSld>
+    <p:spTree>
+      <p:nvGrpSpPr>
+        <p:cNvPr id="1" name=""/>
+        <p:cNvGrpSpPr/>
+        <p:nvPr/>
+      </p:nvGrpSpPr>
+      <p:grpSpPr>
+        <a:xfrm>
+          <a:off x="0" y="0"/>
+          <a:ext cx="0" cy="0"/>
+          <a:chOff x="0" y="0"/>
+          <a:chExt cx="0" cy="0"/>
+        </a:xfrm>
+      </p:grpSpPr>
+      <p:pic>
+        <p:nvPicPr>
+          <p:cNvPr id="1028" name="Picture 4" descr="음악에 대한 이미지 검색결과">
+            <a:extLst>
+              <a:ext uri="{FF2B5EF4-FFF2-40B4-BE49-F238E27FC236}">
+                <a16:creationId xmlns:a16="http://schemas.microsoft.com/office/drawing/2014/main" id="{06155EDD-AAF7-4A92-8312-B0DE7DEB8217}"/>
+              </a:ext>
+            </a:extLst>
+          </p:cNvPr>
+          <p:cNvPicPr>
+            <a:picLocks noChangeAspect="1" noChangeArrowheads="1"/>
+          </p:cNvPicPr>
+          <p:nvPr/>
+        </p:nvPicPr>
+        <p:blipFill>
+          <a:blip r:embed="rId2">
+            <a:extLst>
+              <a:ext uri="{28A0092B-C50C-407E-A947-70E740481C1C}">
+                <a14:useLocalDpi xmlns:a14="http://schemas.microsoft.com/office/drawing/2010/main" val="0"/>
+              </a:ext>
+            </a:extLst>
+          </a:blip>
+          <a:srcRect/>
+          <a:stretch>
+            <a:fillRect/>
+          </a:stretch>
+        </p:blipFill>
+        <p:spPr bwMode="auto">
+          <a:xfrm>
+            <a:off x="6755068" y="2442465"/>
+            <a:ext cx="5136092" cy="3138723"/>
+          </a:xfrm>
+          <a:prstGeom prst="rect">
+            <a:avLst/>
+          </a:prstGeom>
+          <a:noFill/>
+          <a:extLst>
+            <a:ext uri="{909E8E84-426E-40DD-AFC4-6F175D3DCCD1}">
+              <a14:hiddenFill xmlns:a14="http://schemas.microsoft.com/office/drawing/2010/main">
+                <a:solidFill>
+                  <a:srgbClr val="FFFFFF"/>
+                </a:solidFill>
+              </a14:hiddenFill>
+            </a:ext>
+          </a:extLst>
+        </p:spPr>
+      </p:pic>
+      <p:sp>
+        <p:nvSpPr>
+          <p:cNvPr id="2" name="제목 1">
+            <a:extLst>
+              <a:ext uri="{FF2B5EF4-FFF2-40B4-BE49-F238E27FC236}">
+                <a16:creationId xmlns:a16="http://schemas.microsoft.com/office/drawing/2014/main" id="{6C0BDF53-73A9-43DA-A237-D483464117BB}"/>
+              </a:ext>
+            </a:extLst>
+          </p:cNvPr>
+          <p:cNvSpPr>
+            <a:spLocks noGrp="1"/>
+          </p:cNvSpPr>
+          <p:nvPr>
+            <p:ph type="title"/>
+          </p:nvPr>
+        </p:nvSpPr>
+        <p:spPr>
+          <a:xfrm>
+            <a:off x="4435792" y="447818"/>
+            <a:ext cx="3320415" cy="4652645"/>
+          </a:xfrm>
+        </p:spPr>
+        <p:txBody>
+          <a:bodyPr>
+            <a:normAutofit/>
+          </a:bodyPr>
+          <a:lstStyle/>
+          <a:p>
+            <a:pPr algn="ctr"/>
+            <a:r>
+              <a:rPr lang="ko-KR" altLang="en-US" sz="9600" b="1" dirty="0"/>
+              <a:t>음악</a:t>
+            </a:r>
+          </a:p>
+        </p:txBody>
+      </p:sp>
+      <p:sp>
+        <p:nvSpPr>
+          <p:cNvPr id="3" name="내용 개체 틀 2">
+            <a:extLst>
+              <a:ext uri="{FF2B5EF4-FFF2-40B4-BE49-F238E27FC236}">
+                <a16:creationId xmlns:a16="http://schemas.microsoft.com/office/drawing/2014/main" id="{D20BD20F-12CE-4F49-A697-23B9BCD7C27E}"/>
+              </a:ext>
+            </a:extLst>
+          </p:cNvPr>
+          <p:cNvSpPr>
+            <a:spLocks noGrp="1"/>
+          </p:cNvSpPr>
+          <p:nvPr>
+            <p:ph idx="1"/>
+          </p:nvPr>
+        </p:nvSpPr>
+        <p:spPr>
+          <a:xfrm>
+            <a:off x="348028" y="5987860"/>
+            <a:ext cx="11495942" cy="702573"/>
+          </a:xfrm>
+          <a:solidFill>
+            <a:schemeClr val="accent6">
+              <a:lumMod val="50000"/>
+              <a:alpha val="52000"/>
+            </a:schemeClr>
+          </a:solidFill>
+          <a:ln w="25400" cap="rnd" cmpd="dbl">
+            <a:solidFill>
+              <a:schemeClr val="accent6">
+                <a:lumMod val="40000"/>
+                <a:lumOff val="60000"/>
+              </a:schemeClr>
+            </a:solidFill>
+          </a:ln>
+        </p:spPr>
+        <p:txBody>
+          <a:bodyPr anchor="ctr">
+            <a:normAutofit/>
+          </a:bodyPr>
+          <a:lstStyle/>
+          <a:p>
+            <a:pPr algn="ctr"/>
+            <a:r>
+              <a:rPr lang="ko-KR" altLang="en-US" sz="1800" b="1" dirty="0">
+                <a:solidFill>
+                  <a:schemeClr val="bg1"/>
+                </a:solidFill>
+              </a:rPr>
+              <a:t>음악에는 정말 많은 악기들이 존재합니다</a:t>
+            </a:r>
+            <a:r>
+              <a:rPr lang="en-US" altLang="ko-KR" sz="1800" b="1" dirty="0">
+                <a:solidFill>
+                  <a:schemeClr val="bg1"/>
+                </a:solidFill>
+              </a:rPr>
+              <a:t>.</a:t>
+            </a:r>
+            <a:r>
+              <a:rPr lang="ko-KR" altLang="en-US" sz="1800" b="1" dirty="0">
+                <a:solidFill>
+                  <a:schemeClr val="bg1"/>
+                </a:solidFill>
+              </a:rPr>
+              <a:t> </a:t>
+            </a:r>
+            <a:endParaRPr lang="en-US" altLang="ko-KR" sz="1800" b="1" dirty="0">
+              <a:solidFill>
+                <a:schemeClr val="bg1"/>
+              </a:solidFill>
+            </a:endParaRPr>
+          </a:p>
+        </p:txBody>
+      </p:sp>
+      <p:pic>
+        <p:nvPicPr>
+          <p:cNvPr id="1032" name="Picture 8" descr="베토벤에 대한 이미지 검색결과">
+            <a:extLst>
+              <a:ext uri="{FF2B5EF4-FFF2-40B4-BE49-F238E27FC236}">
+                <a16:creationId xmlns:a16="http://schemas.microsoft.com/office/drawing/2014/main" id="{1BA50C87-1D11-460D-9CD9-96E50984548A}"/>
+              </a:ext>
+            </a:extLst>
+          </p:cNvPr>
+          <p:cNvPicPr>
+            <a:picLocks noChangeAspect="1" noChangeArrowheads="1"/>
+          </p:cNvPicPr>
+          <p:nvPr/>
+        </p:nvPicPr>
+        <p:blipFill>
+          <a:blip r:embed="rId3">
+            <a:extLst>
+              <a:ext uri="{28A0092B-C50C-407E-A947-70E740481C1C}">
+                <a14:useLocalDpi xmlns:a14="http://schemas.microsoft.com/office/drawing/2010/main" val="0"/>
+              </a:ext>
+            </a:extLst>
+          </a:blip>
+          <a:srcRect/>
+          <a:stretch>
+            <a:fillRect/>
+          </a:stretch>
+        </p:blipFill>
+        <p:spPr bwMode="auto">
+          <a:xfrm>
+            <a:off x="577215" y="447818"/>
+            <a:ext cx="4071818" cy="4886182"/>
+          </a:xfrm>
+          <a:prstGeom prst="rect">
+            <a:avLst/>
+          </a:prstGeom>
+          <a:noFill/>
+          <a:extLst>
+            <a:ext uri="{909E8E84-426E-40DD-AFC4-6F175D3DCCD1}">
+              <a14:hiddenFill xmlns:a14="http://schemas.microsoft.com/office/drawing/2010/main">
+                <a:solidFill>
+                  <a:srgbClr val="FFFFFF"/>
+                </a:solidFill>
+              </a14:hiddenFill>
+            </a:ext>
+          </a:extLst>
+        </p:spPr>
+      </p:pic>
+    </p:spTree>
+    <p:extLst>
+      <p:ext uri="{BB962C8B-B14F-4D97-AF65-F5344CB8AC3E}">
+        <p14:creationId xmlns:p14="http://schemas.microsoft.com/office/powerpoint/2010/main" val="2547851318"/>
+      </p:ext>
+    </p:extLst>
+  </p:cSld>
+  <p:clrMapOvr>
+    <a:masterClrMapping/>
+  </p:clrMapOvr>
+</p:sld>
+</file>
+
+<file path=ppt/slides/slide20.xml><?xml version="1.0" encoding="utf-8"?>
+<p:sld xmlns:a="http://schemas.openxmlformats.org/drawingml/2006/main" xmlns:r="http://schemas.openxmlformats.org/officeDocument/2006/relationships" xmlns:p="http://schemas.openxmlformats.org/presentationml/2006/main">
+  <p:cSld>
+    <p:spTree>
+      <p:nvGrpSpPr>
+        <p:cNvPr id="1" name=""/>
+        <p:cNvGrpSpPr/>
+        <p:nvPr/>
+      </p:nvGrpSpPr>
+      <p:grpSpPr>
+        <a:xfrm>
+          <a:off x="0" y="0"/>
+          <a:ext cx="0" cy="0"/>
+          <a:chOff x="0" y="0"/>
+          <a:chExt cx="0" cy="0"/>
+        </a:xfrm>
+      </p:grpSpPr>
+      <p:graphicFrame>
+        <p:nvGraphicFramePr>
+          <p:cNvPr id="4" name="표 3">
+            <a:extLst>
+              <a:ext uri="{FF2B5EF4-FFF2-40B4-BE49-F238E27FC236}">
+                <a16:creationId xmlns:a16="http://schemas.microsoft.com/office/drawing/2014/main" id="{086A8152-FA96-4BED-9520-0866EC1516FC}"/>
+              </a:ext>
+            </a:extLst>
+          </p:cNvPr>
+          <p:cNvGraphicFramePr>
+            <a:graphicFrameLocks noGrp="1"/>
+          </p:cNvGraphicFramePr>
+          <p:nvPr>
+            <p:extLst>
+              <p:ext uri="{D42A27DB-BD31-4B8C-83A1-F6EECF244321}">
+                <p14:modId xmlns:p14="http://schemas.microsoft.com/office/powerpoint/2010/main" val="2643558924"/>
+              </p:ext>
+            </p:extLst>
+          </p:nvPr>
+        </p:nvGraphicFramePr>
+        <p:xfrm>
+          <a:off x="4851721" y="1180185"/>
+          <a:ext cx="2488557" cy="3327400"/>
+        </p:xfrm>
+        <a:graphic>
+          <a:graphicData uri="http://schemas.openxmlformats.org/drawingml/2006/table">
+            <a:tbl>
+              <a:tblPr firstRow="1" bandRow="1">
+                <a:tableStyleId>{9D7B26C5-4107-4FEC-AEDC-1716B250A1EF}</a:tableStyleId>
+              </a:tblPr>
+              <a:tblGrid>
+                <a:gridCol w="289169">
+                  <a:extLst>
+                    <a:ext uri="{9D8B030D-6E8A-4147-A177-3AD203B41FA5}">
+                      <a16:colId xmlns:a16="http://schemas.microsoft.com/office/drawing/2014/main" val="1716268835"/>
+                    </a:ext>
+                  </a:extLst>
+                </a:gridCol>
+                <a:gridCol w="661049">
+                  <a:extLst>
+                    <a:ext uri="{9D8B030D-6E8A-4147-A177-3AD203B41FA5}">
+                      <a16:colId xmlns:a16="http://schemas.microsoft.com/office/drawing/2014/main" val="2924658044"/>
+                    </a:ext>
+                  </a:extLst>
+                </a:gridCol>
+                <a:gridCol w="1538339">
+                  <a:extLst>
+                    <a:ext uri="{9D8B030D-6E8A-4147-A177-3AD203B41FA5}">
+                      <a16:colId xmlns:a16="http://schemas.microsoft.com/office/drawing/2014/main" val="3856567893"/>
+                    </a:ext>
+                  </a:extLst>
+                </a:gridCol>
+              </a:tblGrid>
+              <a:tr h="370840">
+                <a:tc gridSpan="2">
+                  <a:txBody>
+                    <a:bodyPr/>
+                    <a:lstStyle/>
+                    <a:p>
+                      <a:r>
+                        <a:rPr lang="ko-KR" altLang="en-US" dirty="0"/>
+                        <a:t>음정</a:t>
+                      </a:r>
+                    </a:p>
+                  </a:txBody>
+                  <a:tcPr/>
+                </a:tc>
+                <a:tc hMerge="1">
+                  <a:txBody>
+                    <a:bodyPr/>
+                    <a:lstStyle/>
+                    <a:p>
+                      <a:pPr latinLnBrk="1"/>
+                      <a:endParaRPr lang="ko-KR" altLang="en-US"/>
+                    </a:p>
+                  </a:txBody>
+                  <a:tcPr/>
+                </a:tc>
+                <a:tc>
+                  <a:txBody>
+                    <a:bodyPr/>
+                    <a:lstStyle/>
+                    <a:p>
+                      <a:pPr latinLnBrk="1"/>
+                      <a:r>
+                        <a:rPr lang="ko-KR" altLang="en-US" dirty="0"/>
+                        <a:t>주파수</a:t>
+                      </a:r>
+                    </a:p>
+                  </a:txBody>
+                  <a:tcPr/>
+                </a:tc>
+                <a:extLst>
+                  <a:ext uri="{0D108BD9-81ED-4DB2-BD59-A6C34878D82A}">
+                    <a16:rowId xmlns:a16="http://schemas.microsoft.com/office/drawing/2014/main" val="3410203352"/>
+                  </a:ext>
+                </a:extLst>
+              </a:tr>
+              <a:tr h="370840">
+                <a:tc gridSpan="2">
+                  <a:txBody>
+                    <a:bodyPr/>
+                    <a:lstStyle/>
+                    <a:p>
+                      <a:pPr latinLnBrk="1"/>
+                      <a:r>
+                        <a:rPr lang="ko-KR" altLang="en-US" b="1" dirty="0"/>
+                        <a:t>도</a:t>
+                      </a:r>
+                    </a:p>
+                  </a:txBody>
+                  <a:tcPr/>
+                </a:tc>
+                <a:tc hMerge="1">
+                  <a:txBody>
+                    <a:bodyPr/>
+                    <a:lstStyle/>
+                    <a:p>
+                      <a:pPr latinLnBrk="1"/>
+                      <a:endParaRPr lang="ko-KR" altLang="en-US"/>
+                    </a:p>
+                  </a:txBody>
+                  <a:tcPr/>
+                </a:tc>
+                <a:tc>
+                  <a:txBody>
+                    <a:bodyPr/>
+                    <a:lstStyle/>
+                    <a:p>
+                      <a:pPr latinLnBrk="1"/>
+                      <a:r>
+                        <a:rPr lang="en-US" altLang="ko-KR" dirty="0"/>
+                        <a:t>524</a:t>
+                      </a:r>
+                      <a:endParaRPr lang="ko-KR" altLang="en-US" dirty="0"/>
+                    </a:p>
+                  </a:txBody>
+                  <a:tcPr/>
+                </a:tc>
+                <a:extLst>
+                  <a:ext uri="{0D108BD9-81ED-4DB2-BD59-A6C34878D82A}">
+                    <a16:rowId xmlns:a16="http://schemas.microsoft.com/office/drawing/2014/main" val="2615169168"/>
+                  </a:ext>
+                </a:extLst>
+              </a:tr>
+              <a:tr h="370840">
+                <a:tc gridSpan="2">
+                  <a:txBody>
+                    <a:bodyPr/>
+                    <a:lstStyle/>
+                    <a:p>
+                      <a:pPr latinLnBrk="1"/>
+                      <a:r>
+                        <a:rPr lang="ko-KR" altLang="en-US" b="1" dirty="0"/>
+                        <a:t>시</a:t>
+                      </a:r>
+                    </a:p>
+                  </a:txBody>
+                  <a:tcPr/>
+                </a:tc>
+                <a:tc hMerge="1">
+                  <a:txBody>
+                    <a:bodyPr/>
+                    <a:lstStyle/>
+                    <a:p>
+                      <a:pPr latinLnBrk="1"/>
+                      <a:endParaRPr lang="ko-KR" altLang="en-US"/>
+                    </a:p>
+                  </a:txBody>
+                  <a:tcPr/>
+                </a:tc>
+                <a:tc>
+                  <a:txBody>
+                    <a:bodyPr/>
+                    <a:lstStyle/>
+                    <a:p>
+                      <a:pPr latinLnBrk="1"/>
+                      <a:r>
+                        <a:rPr lang="en-US" altLang="ko-KR" dirty="0"/>
+                        <a:t>494</a:t>
+                      </a:r>
+                      <a:endParaRPr lang="ko-KR" altLang="en-US" dirty="0"/>
+                    </a:p>
+                  </a:txBody>
+                  <a:tcPr/>
+                </a:tc>
+                <a:extLst>
+                  <a:ext uri="{0D108BD9-81ED-4DB2-BD59-A6C34878D82A}">
+                    <a16:rowId xmlns:a16="http://schemas.microsoft.com/office/drawing/2014/main" val="4157787025"/>
+                  </a:ext>
+                </a:extLst>
+              </a:tr>
+              <a:tr h="370840">
+                <a:tc gridSpan="2">
+                  <a:txBody>
+                    <a:bodyPr/>
+                    <a:lstStyle/>
+                    <a:p>
+                      <a:pPr latinLnBrk="1"/>
+                      <a:r>
+                        <a:rPr lang="ko-KR" altLang="en-US" b="1" dirty="0"/>
+                        <a:t>라</a:t>
+                      </a:r>
+                    </a:p>
+                  </a:txBody>
+                  <a:tcPr/>
+                </a:tc>
+                <a:tc hMerge="1">
+                  <a:txBody>
+                    <a:bodyPr/>
+                    <a:lstStyle/>
+                    <a:p>
+                      <a:pPr latinLnBrk="1"/>
+                      <a:endParaRPr lang="ko-KR" altLang="en-US"/>
+                    </a:p>
+                  </a:txBody>
+                  <a:tcPr/>
+                </a:tc>
+                <a:tc>
+                  <a:txBody>
+                    <a:bodyPr/>
+                    <a:lstStyle/>
+                    <a:p>
+                      <a:pPr latinLnBrk="1"/>
+                      <a:r>
+                        <a:rPr lang="en-US" altLang="ko-KR" dirty="0"/>
+                        <a:t>440</a:t>
+                      </a:r>
+                      <a:endParaRPr lang="ko-KR" altLang="en-US" dirty="0"/>
+                    </a:p>
+                  </a:txBody>
+                  <a:tcPr/>
+                </a:tc>
+                <a:extLst>
+                  <a:ext uri="{0D108BD9-81ED-4DB2-BD59-A6C34878D82A}">
+                    <a16:rowId xmlns:a16="http://schemas.microsoft.com/office/drawing/2014/main" val="547765426"/>
+                  </a:ext>
+                </a:extLst>
+              </a:tr>
+              <a:tr h="370840">
+                <a:tc gridSpan="2">
+                  <a:txBody>
+                    <a:bodyPr/>
+                    <a:lstStyle/>
+                    <a:p>
+                      <a:pPr latinLnBrk="1"/>
+                      <a:r>
+                        <a:rPr lang="ko-KR" altLang="en-US" b="1" dirty="0"/>
+                        <a:t>솔</a:t>
+                      </a:r>
+                    </a:p>
+                  </a:txBody>
+                  <a:tcPr/>
+                </a:tc>
+                <a:tc hMerge="1">
+                  <a:txBody>
+                    <a:bodyPr/>
+                    <a:lstStyle/>
+                    <a:p>
+                      <a:pPr latinLnBrk="1"/>
+                      <a:endParaRPr lang="ko-KR" altLang="en-US"/>
+                    </a:p>
+                  </a:txBody>
+                  <a:tcPr/>
+                </a:tc>
+                <a:tc>
+                  <a:txBody>
+                    <a:bodyPr/>
+                    <a:lstStyle/>
+                    <a:p>
+                      <a:pPr latinLnBrk="1"/>
+                      <a:r>
+                        <a:rPr lang="en-US" altLang="ko-KR" dirty="0"/>
+                        <a:t>392</a:t>
+                      </a:r>
+                      <a:endParaRPr lang="ko-KR" altLang="en-US" dirty="0"/>
+                    </a:p>
+                  </a:txBody>
+                  <a:tcPr/>
+                </a:tc>
+                <a:extLst>
+                  <a:ext uri="{0D108BD9-81ED-4DB2-BD59-A6C34878D82A}">
+                    <a16:rowId xmlns:a16="http://schemas.microsoft.com/office/drawing/2014/main" val="2364857656"/>
+                  </a:ext>
+                </a:extLst>
+              </a:tr>
+              <a:tr h="370840">
+                <a:tc gridSpan="2">
+                  <a:txBody>
+                    <a:bodyPr/>
+                    <a:lstStyle/>
+                    <a:p>
+                      <a:pPr latinLnBrk="1"/>
+                      <a:r>
+                        <a:rPr lang="ko-KR" altLang="en-US" b="1" dirty="0"/>
+                        <a:t>파</a:t>
+                      </a:r>
+                    </a:p>
+                  </a:txBody>
+                  <a:tcPr/>
+                </a:tc>
+                <a:tc hMerge="1">
+                  <a:txBody>
+                    <a:bodyPr/>
+                    <a:lstStyle/>
+                    <a:p>
+                      <a:pPr latinLnBrk="1"/>
+                      <a:endParaRPr lang="ko-KR" altLang="en-US"/>
+                    </a:p>
+                  </a:txBody>
+                  <a:tcPr/>
+                </a:tc>
+                <a:tc>
+                  <a:txBody>
+                    <a:bodyPr/>
+                    <a:lstStyle/>
+                    <a:p>
+                      <a:pPr latinLnBrk="1"/>
+                      <a:r>
+                        <a:rPr lang="en-US" altLang="ko-KR" dirty="0"/>
+                        <a:t>349</a:t>
+                      </a:r>
+                      <a:endParaRPr lang="ko-KR" altLang="en-US" dirty="0"/>
+                    </a:p>
+                  </a:txBody>
+                  <a:tcPr/>
+                </a:tc>
+                <a:extLst>
+                  <a:ext uri="{0D108BD9-81ED-4DB2-BD59-A6C34878D82A}">
+                    <a16:rowId xmlns:a16="http://schemas.microsoft.com/office/drawing/2014/main" val="918450958"/>
+                  </a:ext>
+                </a:extLst>
+              </a:tr>
+              <a:tr h="370840">
+                <a:tc gridSpan="2">
+                  <a:txBody>
+                    <a:bodyPr/>
+                    <a:lstStyle/>
+                    <a:p>
+                      <a:pPr latinLnBrk="1"/>
+                      <a:r>
+                        <a:rPr lang="ko-KR" altLang="en-US" b="1" dirty="0"/>
+                        <a:t>미</a:t>
+                      </a:r>
+                    </a:p>
+                  </a:txBody>
+                  <a:tcPr/>
+                </a:tc>
+                <a:tc hMerge="1">
+                  <a:txBody>
+                    <a:bodyPr/>
+                    <a:lstStyle/>
+                    <a:p>
+                      <a:pPr latinLnBrk="1"/>
+                      <a:endParaRPr lang="ko-KR" altLang="en-US"/>
+                    </a:p>
+                  </a:txBody>
+                  <a:tcPr/>
+                </a:tc>
+                <a:tc>
+                  <a:txBody>
+                    <a:bodyPr/>
+                    <a:lstStyle/>
+                    <a:p>
+                      <a:pPr latinLnBrk="1"/>
+                      <a:r>
+                        <a:rPr lang="en-US" altLang="ko-KR" dirty="0"/>
+                        <a:t>330</a:t>
+                      </a:r>
+                      <a:endParaRPr lang="ko-KR" altLang="en-US" dirty="0"/>
+                    </a:p>
+                  </a:txBody>
+                  <a:tcPr/>
+                </a:tc>
+                <a:extLst>
+                  <a:ext uri="{0D108BD9-81ED-4DB2-BD59-A6C34878D82A}">
+                    <a16:rowId xmlns:a16="http://schemas.microsoft.com/office/drawing/2014/main" val="1126868900"/>
+                  </a:ext>
+                </a:extLst>
+              </a:tr>
+              <a:tr h="185420">
+                <a:tc gridSpan="2">
+                  <a:txBody>
+                    <a:bodyPr/>
+                    <a:lstStyle/>
+                    <a:p>
+                      <a:pPr latinLnBrk="1"/>
+                      <a:r>
+                        <a:rPr lang="ko-KR" altLang="en-US" b="1" dirty="0"/>
+                        <a:t>레</a:t>
+                      </a:r>
+                    </a:p>
+                  </a:txBody>
+                  <a:tcPr/>
+                </a:tc>
+                <a:tc hMerge="1">
+                  <a:txBody>
+                    <a:bodyPr/>
+                    <a:lstStyle/>
+                    <a:p>
+                      <a:pPr latinLnBrk="1"/>
+                      <a:endParaRPr lang="ko-KR" altLang="en-US"/>
+                    </a:p>
+                  </a:txBody>
+                  <a:tcPr/>
+                </a:tc>
+                <a:tc>
+                  <a:txBody>
+                    <a:bodyPr/>
+                    <a:lstStyle/>
+                    <a:p>
+                      <a:pPr latinLnBrk="1"/>
+                      <a:r>
+                        <a:rPr lang="en-US" altLang="ko-KR" dirty="0"/>
+                        <a:t>294</a:t>
+                      </a:r>
+                      <a:endParaRPr lang="ko-KR" altLang="en-US" dirty="0"/>
+                    </a:p>
+                  </a:txBody>
+                  <a:tcPr/>
+                </a:tc>
+                <a:extLst>
+                  <a:ext uri="{0D108BD9-81ED-4DB2-BD59-A6C34878D82A}">
+                    <a16:rowId xmlns:a16="http://schemas.microsoft.com/office/drawing/2014/main" val="3904919561"/>
+                  </a:ext>
+                </a:extLst>
+              </a:tr>
+              <a:tr h="185420">
+                <a:tc>
+                  <a:txBody>
+                    <a:bodyPr/>
+                    <a:lstStyle/>
+                    <a:p>
+                      <a:pPr latinLnBrk="1"/>
+                      <a:r>
+                        <a:rPr lang="ko-KR" altLang="en-US" b="1" dirty="0"/>
+                        <a:t>도</a:t>
+                      </a:r>
+                    </a:p>
+                  </a:txBody>
+                  <a:tcPr/>
+                </a:tc>
+                <a:tc>
+                  <a:txBody>
+                    <a:bodyPr/>
+                    <a:lstStyle/>
+                    <a:p>
+                      <a:endParaRPr lang="ko-KR" altLang="en-US" dirty="0"/>
+                    </a:p>
+                  </a:txBody>
+                  <a:tcPr/>
+                </a:tc>
+                <a:tc>
+                  <a:txBody>
+                    <a:bodyPr/>
+                    <a:lstStyle/>
+                    <a:p>
+                      <a:pPr latinLnBrk="1"/>
+                      <a:r>
+                        <a:rPr lang="en-US" altLang="ko-KR" dirty="0"/>
+                        <a:t>262</a:t>
+                      </a:r>
+                      <a:endParaRPr lang="ko-KR" altLang="en-US" dirty="0"/>
+                    </a:p>
+                  </a:txBody>
+                  <a:tcPr/>
+                </a:tc>
+                <a:extLst>
+                  <a:ext uri="{0D108BD9-81ED-4DB2-BD59-A6C34878D82A}">
+                    <a16:rowId xmlns:a16="http://schemas.microsoft.com/office/drawing/2014/main" val="580175038"/>
+                  </a:ext>
+                </a:extLst>
+              </a:tr>
+            </a:tbl>
+          </a:graphicData>
+        </a:graphic>
+      </p:graphicFrame>
+      <p:sp>
+        <p:nvSpPr>
+          <p:cNvPr id="5" name="내용 개체 틀 2">
+            <a:extLst>
+              <a:ext uri="{FF2B5EF4-FFF2-40B4-BE49-F238E27FC236}">
+                <a16:creationId xmlns:a16="http://schemas.microsoft.com/office/drawing/2014/main" id="{53D27509-7D91-4BB5-A5E6-E5B0BBDF7CC3}"/>
+              </a:ext>
+            </a:extLst>
+          </p:cNvPr>
+          <p:cNvSpPr txBox="1">
+            <a:spLocks/>
+          </p:cNvSpPr>
+          <p:nvPr/>
+        </p:nvSpPr>
+        <p:spPr>
+          <a:xfrm>
+            <a:off x="348028" y="5987860"/>
+            <a:ext cx="11495942" cy="702573"/>
+          </a:xfrm>
+          <a:prstGeom prst="rect">
+            <a:avLst/>
+          </a:prstGeom>
+          <a:solidFill>
+            <a:schemeClr val="accent6">
+              <a:lumMod val="50000"/>
+              <a:alpha val="52000"/>
+            </a:schemeClr>
+          </a:solidFill>
+          <a:ln w="25400" cap="rnd" cmpd="dbl">
+            <a:solidFill>
+              <a:schemeClr val="accent6">
+                <a:lumMod val="40000"/>
+                <a:lumOff val="60000"/>
+              </a:schemeClr>
+            </a:solidFill>
+          </a:ln>
+        </p:spPr>
+        <p:txBody>
+          <a:bodyPr vert="horz" lIns="91440" tIns="45720" rIns="91440" bIns="45720" rtlCol="0" anchor="ctr">
+            <a:normAutofit lnSpcReduction="10000"/>
+          </a:bodyPr>
+          <a:lstStyle>
+            <a:lvl1pPr marL="228600" indent="-228600" algn="l" defTabSz="914400" rtl="0" eaLnBrk="1" latinLnBrk="1" hangingPunct="1">
+              <a:lnSpc>
+                <a:spcPct val="90000"/>
+              </a:lnSpc>
+              <a:spcBef>
+                <a:spcPts val="1000"/>
+              </a:spcBef>
+              <a:buFont typeface="Arial" panose="020B0604020202020204" pitchFamily="34" charset="0"/>
+              <a:buChar char="•"/>
+              <a:defRPr sz="2800" kern="1200">
+                <a:solidFill>
+                  <a:schemeClr val="tx1"/>
+                </a:solidFill>
+                <a:latin typeface="+mn-lt"/>
+                <a:ea typeface="+mn-ea"/>
+                <a:cs typeface="+mn-cs"/>
+              </a:defRPr>
+            </a:lvl1pPr>
+            <a:lvl2pPr marL="685800" indent="-228600" algn="l" defTabSz="914400" rtl="0" eaLnBrk="1" latinLnBrk="1" hangingPunct="1">
+              <a:lnSpc>
+                <a:spcPct val="90000"/>
+              </a:lnSpc>
+              <a:spcBef>
+                <a:spcPts val="500"/>
+              </a:spcBef>
+              <a:buFont typeface="Arial" panose="020B0604020202020204" pitchFamily="34" charset="0"/>
+              <a:buChar char="•"/>
+              <a:defRPr sz="2400" kern="1200">
+                <a:solidFill>
+                  <a:schemeClr val="tx1"/>
+                </a:solidFill>
+                <a:latin typeface="+mn-lt"/>
+                <a:ea typeface="+mn-ea"/>
+                <a:cs typeface="+mn-cs"/>
+              </a:defRPr>
+            </a:lvl2pPr>
+            <a:lvl3pPr marL="1143000" indent="-228600" algn="l" defTabSz="914400" rtl="0" eaLnBrk="1" latinLnBrk="1" hangingPunct="1">
+              <a:lnSpc>
+                <a:spcPct val="90000"/>
+              </a:lnSpc>
+              <a:spcBef>
+                <a:spcPts val="500"/>
+              </a:spcBef>
+              <a:buFont typeface="Arial" panose="020B0604020202020204" pitchFamily="34" charset="0"/>
+              <a:buChar char="•"/>
+              <a:defRPr sz="2000" kern="1200">
+                <a:solidFill>
+                  <a:schemeClr val="tx1"/>
+                </a:solidFill>
+                <a:latin typeface="+mn-lt"/>
+                <a:ea typeface="+mn-ea"/>
+                <a:cs typeface="+mn-cs"/>
+              </a:defRPr>
+            </a:lvl3pPr>
+            <a:lvl4pPr marL="1600200" indent="-228600" algn="l" defTabSz="914400" rtl="0" eaLnBrk="1" latinLnBrk="1" hangingPunct="1">
+              <a:lnSpc>
+                <a:spcPct val="90000"/>
+              </a:lnSpc>
+              <a:spcBef>
+                <a:spcPts val="500"/>
+              </a:spcBef>
+              <a:buFont typeface="Arial" panose="020B0604020202020204" pitchFamily="34" charset="0"/>
+              <a:buChar char="•"/>
+              <a:defRPr sz="1800" kern="1200">
+                <a:solidFill>
+                  <a:schemeClr val="tx1"/>
+                </a:solidFill>
+                <a:latin typeface="+mn-lt"/>
+                <a:ea typeface="+mn-ea"/>
+                <a:cs typeface="+mn-cs"/>
+              </a:defRPr>
+            </a:lvl4pPr>
+            <a:lvl5pPr marL="2057400" indent="-228600" algn="l" defTabSz="914400" rtl="0" eaLnBrk="1" latinLnBrk="1" hangingPunct="1">
+              <a:lnSpc>
+                <a:spcPct val="90000"/>
+              </a:lnSpc>
+              <a:spcBef>
+                <a:spcPts val="500"/>
+              </a:spcBef>
+              <a:buFont typeface="Arial" panose="020B0604020202020204" pitchFamily="34" charset="0"/>
+              <a:buChar char="•"/>
+              <a:defRPr sz="1800" kern="1200">
+                <a:solidFill>
+                  <a:schemeClr val="tx1"/>
+                </a:solidFill>
+                <a:latin typeface="+mn-lt"/>
+                <a:ea typeface="+mn-ea"/>
+                <a:cs typeface="+mn-cs"/>
+              </a:defRPr>
+            </a:lvl5pPr>
+            <a:lvl6pPr marL="2514600" indent="-228600" algn="l" defTabSz="914400" rtl="0" eaLnBrk="1" latinLnBrk="1" hangingPunct="1">
+              <a:lnSpc>
+                <a:spcPct val="90000"/>
+              </a:lnSpc>
+              <a:spcBef>
+                <a:spcPts val="500"/>
+              </a:spcBef>
+              <a:buFont typeface="Arial" panose="020B0604020202020204" pitchFamily="34" charset="0"/>
+              <a:buChar char="•"/>
+              <a:defRPr sz="1800" kern="1200">
+                <a:solidFill>
+                  <a:schemeClr val="tx1"/>
+                </a:solidFill>
+                <a:latin typeface="+mn-lt"/>
+                <a:ea typeface="+mn-ea"/>
+                <a:cs typeface="+mn-cs"/>
+              </a:defRPr>
+            </a:lvl6pPr>
+            <a:lvl7pPr marL="2971800" indent="-228600" algn="l" defTabSz="914400" rtl="0" eaLnBrk="1" latinLnBrk="1" hangingPunct="1">
+              <a:lnSpc>
+                <a:spcPct val="90000"/>
+              </a:lnSpc>
+              <a:spcBef>
+                <a:spcPts val="500"/>
+              </a:spcBef>
+              <a:buFont typeface="Arial" panose="020B0604020202020204" pitchFamily="34" charset="0"/>
+              <a:buChar char="•"/>
+              <a:defRPr sz="1800" kern="1200">
+                <a:solidFill>
+                  <a:schemeClr val="tx1"/>
+                </a:solidFill>
+                <a:latin typeface="+mn-lt"/>
+                <a:ea typeface="+mn-ea"/>
+                <a:cs typeface="+mn-cs"/>
+              </a:defRPr>
+            </a:lvl7pPr>
+            <a:lvl8pPr marL="3429000" indent="-228600" algn="l" defTabSz="914400" rtl="0" eaLnBrk="1" latinLnBrk="1" hangingPunct="1">
+              <a:lnSpc>
+                <a:spcPct val="90000"/>
+              </a:lnSpc>
+              <a:spcBef>
+                <a:spcPts val="500"/>
+              </a:spcBef>
+              <a:buFont typeface="Arial" panose="020B0604020202020204" pitchFamily="34" charset="0"/>
+              <a:buChar char="•"/>
+              <a:defRPr sz="1800" kern="1200">
+                <a:solidFill>
+                  <a:schemeClr val="tx1"/>
+                </a:solidFill>
+                <a:latin typeface="+mn-lt"/>
+                <a:ea typeface="+mn-ea"/>
+                <a:cs typeface="+mn-cs"/>
+              </a:defRPr>
+            </a:lvl8pPr>
+            <a:lvl9pPr marL="3886200" indent="-228600" algn="l" defTabSz="914400" rtl="0" eaLnBrk="1" latinLnBrk="1" hangingPunct="1">
+              <a:lnSpc>
+                <a:spcPct val="90000"/>
+              </a:lnSpc>
+              <a:spcBef>
+                <a:spcPts val="500"/>
+              </a:spcBef>
+              <a:buFont typeface="Arial" panose="020B0604020202020204" pitchFamily="34" charset="0"/>
+              <a:buChar char="•"/>
+              <a:defRPr sz="1800" kern="1200">
+                <a:solidFill>
+                  <a:schemeClr val="tx1"/>
+                </a:solidFill>
+                <a:latin typeface="+mn-lt"/>
+                <a:ea typeface="+mn-ea"/>
+                <a:cs typeface="+mn-cs"/>
+              </a:defRPr>
+            </a:lvl9pPr>
+          </a:lstStyle>
+          <a:p>
+            <a:pPr marL="285750" indent="-285750" algn="ctr"/>
+            <a:r>
+              <a:rPr lang="ko-KR" altLang="en-US" sz="1800" b="1" dirty="0">
+                <a:solidFill>
+                  <a:schemeClr val="bg1"/>
+                </a:solidFill>
+              </a:rPr>
+              <a:t>음파에서 주파수는 음역을 나타냅니다</a:t>
+            </a:r>
+            <a:endParaRPr lang="en-US" altLang="ko-KR" sz="1800" b="1" dirty="0">
+              <a:solidFill>
+                <a:schemeClr val="bg1"/>
+              </a:solidFill>
+            </a:endParaRPr>
+          </a:p>
+          <a:p>
+            <a:pPr marL="285750" indent="-285750" algn="ctr"/>
+            <a:r>
+              <a:rPr lang="ko-KR" altLang="en-US" sz="1800" b="1" dirty="0">
+                <a:solidFill>
+                  <a:schemeClr val="bg1"/>
+                </a:solidFill>
+              </a:rPr>
+              <a:t>위의 결과를 여기에 적용해보면</a:t>
+            </a:r>
+          </a:p>
+        </p:txBody>
+      </p:sp>
+    </p:spTree>
+    <p:extLst>
+      <p:ext uri="{BB962C8B-B14F-4D97-AF65-F5344CB8AC3E}">
+        <p14:creationId xmlns:p14="http://schemas.microsoft.com/office/powerpoint/2010/main" val="1990906686"/>
+      </p:ext>
+    </p:extLst>
+  </p:cSld>
+  <p:clrMapOvr>
+    <a:masterClrMapping/>
+  </p:clrMapOvr>
+</p:sld>
+</file>
+
+<file path=ppt/slides/slide21.xml><?xml version="1.0" encoding="utf-8"?>
 <p:sld xmlns:a="http://schemas.openxmlformats.org/drawingml/2006/main" xmlns:r="http://schemas.openxmlformats.org/officeDocument/2006/relationships" xmlns:p="http://schemas.openxmlformats.org/presentationml/2006/main">
   <p:cSld>
     <p:spTree>
@@ -5109,7 +8557,7 @@
         </p:nvSpPr>
         <p:spPr>
           <a:xfrm>
-            <a:off x="838200" y="365125"/>
+            <a:off x="838200" y="360729"/>
             <a:ext cx="10515600" cy="1325563"/>
           </a:xfrm>
         </p:spPr>
@@ -5139,13 +8587,13 @@
           <p:nvPr>
             <p:extLst>
               <p:ext uri="{D42A27DB-BD31-4B8C-83A1-F6EECF244321}">
-                <p14:modId xmlns:p14="http://schemas.microsoft.com/office/powerpoint/2010/main" val="4096853955"/>
+                <p14:modId xmlns:p14="http://schemas.microsoft.com/office/powerpoint/2010/main" val="628444270"/>
               </p:ext>
             </p:extLst>
           </p:nvPr>
         </p:nvGraphicFramePr>
         <p:xfrm>
-          <a:off x="8472668" y="409585"/>
+          <a:off x="8502546" y="941425"/>
           <a:ext cx="2488557" cy="3327400"/>
         </p:xfrm>
         <a:graphic>
@@ -5615,7 +9063,7 @@
         </p:nvSpPr>
         <p:spPr>
           <a:xfrm>
-            <a:off x="4090856" y="519540"/>
+            <a:off x="3965251" y="412128"/>
             <a:ext cx="564578" cy="3416320"/>
           </a:xfrm>
           <a:prstGeom prst="rect">
@@ -5697,7 +9145,7 @@
         </p:blipFill>
         <p:spPr>
           <a:xfrm>
-            <a:off x="4826760" y="536474"/>
+            <a:off x="4863813" y="640077"/>
             <a:ext cx="268569" cy="4371191"/>
           </a:xfrm>
           <a:prstGeom prst="rect">
@@ -5719,7 +9167,7 @@
         </p:nvSpPr>
         <p:spPr>
           <a:xfrm>
-            <a:off x="5266655" y="2609521"/>
+            <a:off x="5266655" y="2605125"/>
             <a:ext cx="3064565" cy="407505"/>
           </a:xfrm>
           <a:prstGeom prst="leftArrow">
@@ -5751,6 +9199,224 @@
           </a:p>
         </p:txBody>
       </p:sp>
+      <p:sp>
+        <p:nvSpPr>
+          <p:cNvPr id="9" name="내용 개체 틀 2">
+            <a:extLst>
+              <a:ext uri="{FF2B5EF4-FFF2-40B4-BE49-F238E27FC236}">
+                <a16:creationId xmlns:a16="http://schemas.microsoft.com/office/drawing/2014/main" id="{F0C94FAC-C732-426F-A08E-0C8D956DB33B}"/>
+              </a:ext>
+            </a:extLst>
+          </p:cNvPr>
+          <p:cNvSpPr txBox="1">
+            <a:spLocks/>
+          </p:cNvSpPr>
+          <p:nvPr/>
+        </p:nvSpPr>
+        <p:spPr>
+          <a:xfrm>
+            <a:off x="348028" y="5987860"/>
+            <a:ext cx="11495942" cy="702573"/>
+          </a:xfrm>
+          <a:prstGeom prst="rect">
+            <a:avLst/>
+          </a:prstGeom>
+          <a:solidFill>
+            <a:schemeClr val="accent6">
+              <a:lumMod val="50000"/>
+              <a:alpha val="52000"/>
+            </a:schemeClr>
+          </a:solidFill>
+          <a:ln w="25400" cap="rnd" cmpd="dbl">
+            <a:solidFill>
+              <a:schemeClr val="accent6">
+                <a:lumMod val="40000"/>
+                <a:lumOff val="60000"/>
+              </a:schemeClr>
+            </a:solidFill>
+          </a:ln>
+        </p:spPr>
+        <p:txBody>
+          <a:bodyPr vert="horz" lIns="91440" tIns="45720" rIns="91440" bIns="45720" rtlCol="0" anchor="ctr">
+            <a:normAutofit/>
+          </a:bodyPr>
+          <a:lstStyle>
+            <a:lvl1pPr marL="228600" indent="-228600" algn="l" defTabSz="914400" rtl="0" eaLnBrk="1" latinLnBrk="1" hangingPunct="1">
+              <a:lnSpc>
+                <a:spcPct val="90000"/>
+              </a:lnSpc>
+              <a:spcBef>
+                <a:spcPts val="1000"/>
+              </a:spcBef>
+              <a:buFont typeface="Arial" panose="020B0604020202020204" pitchFamily="34" charset="0"/>
+              <a:buChar char="•"/>
+              <a:defRPr sz="2800" kern="1200">
+                <a:solidFill>
+                  <a:schemeClr val="tx1"/>
+                </a:solidFill>
+                <a:latin typeface="+mn-lt"/>
+                <a:ea typeface="+mn-ea"/>
+                <a:cs typeface="+mn-cs"/>
+              </a:defRPr>
+            </a:lvl1pPr>
+            <a:lvl2pPr marL="685800" indent="-228600" algn="l" defTabSz="914400" rtl="0" eaLnBrk="1" latinLnBrk="1" hangingPunct="1">
+              <a:lnSpc>
+                <a:spcPct val="90000"/>
+              </a:lnSpc>
+              <a:spcBef>
+                <a:spcPts val="500"/>
+              </a:spcBef>
+              <a:buFont typeface="Arial" panose="020B0604020202020204" pitchFamily="34" charset="0"/>
+              <a:buChar char="•"/>
+              <a:defRPr sz="2400" kern="1200">
+                <a:solidFill>
+                  <a:schemeClr val="tx1"/>
+                </a:solidFill>
+                <a:latin typeface="+mn-lt"/>
+                <a:ea typeface="+mn-ea"/>
+                <a:cs typeface="+mn-cs"/>
+              </a:defRPr>
+            </a:lvl2pPr>
+            <a:lvl3pPr marL="1143000" indent="-228600" algn="l" defTabSz="914400" rtl="0" eaLnBrk="1" latinLnBrk="1" hangingPunct="1">
+              <a:lnSpc>
+                <a:spcPct val="90000"/>
+              </a:lnSpc>
+              <a:spcBef>
+                <a:spcPts val="500"/>
+              </a:spcBef>
+              <a:buFont typeface="Arial" panose="020B0604020202020204" pitchFamily="34" charset="0"/>
+              <a:buChar char="•"/>
+              <a:defRPr sz="2000" kern="1200">
+                <a:solidFill>
+                  <a:schemeClr val="tx1"/>
+                </a:solidFill>
+                <a:latin typeface="+mn-lt"/>
+                <a:ea typeface="+mn-ea"/>
+                <a:cs typeface="+mn-cs"/>
+              </a:defRPr>
+            </a:lvl3pPr>
+            <a:lvl4pPr marL="1600200" indent="-228600" algn="l" defTabSz="914400" rtl="0" eaLnBrk="1" latinLnBrk="1" hangingPunct="1">
+              <a:lnSpc>
+                <a:spcPct val="90000"/>
+              </a:lnSpc>
+              <a:spcBef>
+                <a:spcPts val="500"/>
+              </a:spcBef>
+              <a:buFont typeface="Arial" panose="020B0604020202020204" pitchFamily="34" charset="0"/>
+              <a:buChar char="•"/>
+              <a:defRPr sz="1800" kern="1200">
+                <a:solidFill>
+                  <a:schemeClr val="tx1"/>
+                </a:solidFill>
+                <a:latin typeface="+mn-lt"/>
+                <a:ea typeface="+mn-ea"/>
+                <a:cs typeface="+mn-cs"/>
+              </a:defRPr>
+            </a:lvl4pPr>
+            <a:lvl5pPr marL="2057400" indent="-228600" algn="l" defTabSz="914400" rtl="0" eaLnBrk="1" latinLnBrk="1" hangingPunct="1">
+              <a:lnSpc>
+                <a:spcPct val="90000"/>
+              </a:lnSpc>
+              <a:spcBef>
+                <a:spcPts val="500"/>
+              </a:spcBef>
+              <a:buFont typeface="Arial" panose="020B0604020202020204" pitchFamily="34" charset="0"/>
+              <a:buChar char="•"/>
+              <a:defRPr sz="1800" kern="1200">
+                <a:solidFill>
+                  <a:schemeClr val="tx1"/>
+                </a:solidFill>
+                <a:latin typeface="+mn-lt"/>
+                <a:ea typeface="+mn-ea"/>
+                <a:cs typeface="+mn-cs"/>
+              </a:defRPr>
+            </a:lvl5pPr>
+            <a:lvl6pPr marL="2514600" indent="-228600" algn="l" defTabSz="914400" rtl="0" eaLnBrk="1" latinLnBrk="1" hangingPunct="1">
+              <a:lnSpc>
+                <a:spcPct val="90000"/>
+              </a:lnSpc>
+              <a:spcBef>
+                <a:spcPts val="500"/>
+              </a:spcBef>
+              <a:buFont typeface="Arial" panose="020B0604020202020204" pitchFamily="34" charset="0"/>
+              <a:buChar char="•"/>
+              <a:defRPr sz="1800" kern="1200">
+                <a:solidFill>
+                  <a:schemeClr val="tx1"/>
+                </a:solidFill>
+                <a:latin typeface="+mn-lt"/>
+                <a:ea typeface="+mn-ea"/>
+                <a:cs typeface="+mn-cs"/>
+              </a:defRPr>
+            </a:lvl6pPr>
+            <a:lvl7pPr marL="2971800" indent="-228600" algn="l" defTabSz="914400" rtl="0" eaLnBrk="1" latinLnBrk="1" hangingPunct="1">
+              <a:lnSpc>
+                <a:spcPct val="90000"/>
+              </a:lnSpc>
+              <a:spcBef>
+                <a:spcPts val="500"/>
+              </a:spcBef>
+              <a:buFont typeface="Arial" panose="020B0604020202020204" pitchFamily="34" charset="0"/>
+              <a:buChar char="•"/>
+              <a:defRPr sz="1800" kern="1200">
+                <a:solidFill>
+                  <a:schemeClr val="tx1"/>
+                </a:solidFill>
+                <a:latin typeface="+mn-lt"/>
+                <a:ea typeface="+mn-ea"/>
+                <a:cs typeface="+mn-cs"/>
+              </a:defRPr>
+            </a:lvl7pPr>
+            <a:lvl8pPr marL="3429000" indent="-228600" algn="l" defTabSz="914400" rtl="0" eaLnBrk="1" latinLnBrk="1" hangingPunct="1">
+              <a:lnSpc>
+                <a:spcPct val="90000"/>
+              </a:lnSpc>
+              <a:spcBef>
+                <a:spcPts val="500"/>
+              </a:spcBef>
+              <a:buFont typeface="Arial" panose="020B0604020202020204" pitchFamily="34" charset="0"/>
+              <a:buChar char="•"/>
+              <a:defRPr sz="1800" kern="1200">
+                <a:solidFill>
+                  <a:schemeClr val="tx1"/>
+                </a:solidFill>
+                <a:latin typeface="+mn-lt"/>
+                <a:ea typeface="+mn-ea"/>
+                <a:cs typeface="+mn-cs"/>
+              </a:defRPr>
+            </a:lvl8pPr>
+            <a:lvl9pPr marL="3886200" indent="-228600" algn="l" defTabSz="914400" rtl="0" eaLnBrk="1" latinLnBrk="1" hangingPunct="1">
+              <a:lnSpc>
+                <a:spcPct val="90000"/>
+              </a:lnSpc>
+              <a:spcBef>
+                <a:spcPts val="500"/>
+              </a:spcBef>
+              <a:buFont typeface="Arial" panose="020B0604020202020204" pitchFamily="34" charset="0"/>
+              <a:buChar char="•"/>
+              <a:defRPr sz="1800" kern="1200">
+                <a:solidFill>
+                  <a:schemeClr val="tx1"/>
+                </a:solidFill>
+                <a:latin typeface="+mn-lt"/>
+                <a:ea typeface="+mn-ea"/>
+                <a:cs typeface="+mn-cs"/>
+              </a:defRPr>
+            </a:lvl9pPr>
+          </a:lstStyle>
+          <a:p>
+            <a:pPr marL="285750" indent="-285750" algn="ctr"/>
+            <a:r>
+              <a:rPr lang="ko-KR" altLang="en-US" sz="1800" b="1" dirty="0">
+                <a:solidFill>
+                  <a:schemeClr val="bg1"/>
+                </a:solidFill>
+              </a:rPr>
+              <a:t>첫번째는 미</a:t>
+            </a:r>
+          </a:p>
+        </p:txBody>
+      </p:sp>
     </p:spTree>
     <p:extLst>
       <p:ext uri="{BB962C8B-B14F-4D97-AF65-F5344CB8AC3E}">
@@ -5764,7 +9430,7 @@
 </p:sld>
 </file>
 
-<file path=ppt/slides/slide19.xml><?xml version="1.0" encoding="utf-8"?>
+<file path=ppt/slides/slide22.xml><?xml version="1.0" encoding="utf-8"?>
 <p:sld xmlns:a="http://schemas.openxmlformats.org/drawingml/2006/main" xmlns:r="http://schemas.openxmlformats.org/officeDocument/2006/relationships" xmlns:p="http://schemas.openxmlformats.org/presentationml/2006/main">
   <p:cSld>
     <p:spTree>
@@ -6430,6 +10096,224 @@
           </a:p>
         </p:txBody>
       </p:sp>
+      <p:sp>
+        <p:nvSpPr>
+          <p:cNvPr id="8" name="내용 개체 틀 2">
+            <a:extLst>
+              <a:ext uri="{FF2B5EF4-FFF2-40B4-BE49-F238E27FC236}">
+                <a16:creationId xmlns:a16="http://schemas.microsoft.com/office/drawing/2014/main" id="{BC403202-41D6-42C2-B8FD-6C409F5D2B17}"/>
+              </a:ext>
+            </a:extLst>
+          </p:cNvPr>
+          <p:cNvSpPr txBox="1">
+            <a:spLocks/>
+          </p:cNvSpPr>
+          <p:nvPr/>
+        </p:nvSpPr>
+        <p:spPr>
+          <a:xfrm>
+            <a:off x="348028" y="5987860"/>
+            <a:ext cx="11495942" cy="702573"/>
+          </a:xfrm>
+          <a:prstGeom prst="rect">
+            <a:avLst/>
+          </a:prstGeom>
+          <a:solidFill>
+            <a:schemeClr val="accent6">
+              <a:lumMod val="50000"/>
+              <a:alpha val="52000"/>
+            </a:schemeClr>
+          </a:solidFill>
+          <a:ln w="25400" cap="rnd" cmpd="dbl">
+            <a:solidFill>
+              <a:schemeClr val="accent6">
+                <a:lumMod val="40000"/>
+                <a:lumOff val="60000"/>
+              </a:schemeClr>
+            </a:solidFill>
+          </a:ln>
+        </p:spPr>
+        <p:txBody>
+          <a:bodyPr vert="horz" lIns="91440" tIns="45720" rIns="91440" bIns="45720" rtlCol="0" anchor="ctr">
+            <a:normAutofit/>
+          </a:bodyPr>
+          <a:lstStyle>
+            <a:lvl1pPr marL="228600" indent="-228600" algn="l" defTabSz="914400" rtl="0" eaLnBrk="1" latinLnBrk="1" hangingPunct="1">
+              <a:lnSpc>
+                <a:spcPct val="90000"/>
+              </a:lnSpc>
+              <a:spcBef>
+                <a:spcPts val="1000"/>
+              </a:spcBef>
+              <a:buFont typeface="Arial" panose="020B0604020202020204" pitchFamily="34" charset="0"/>
+              <a:buChar char="•"/>
+              <a:defRPr sz="2800" kern="1200">
+                <a:solidFill>
+                  <a:schemeClr val="tx1"/>
+                </a:solidFill>
+                <a:latin typeface="+mn-lt"/>
+                <a:ea typeface="+mn-ea"/>
+                <a:cs typeface="+mn-cs"/>
+              </a:defRPr>
+            </a:lvl1pPr>
+            <a:lvl2pPr marL="685800" indent="-228600" algn="l" defTabSz="914400" rtl="0" eaLnBrk="1" latinLnBrk="1" hangingPunct="1">
+              <a:lnSpc>
+                <a:spcPct val="90000"/>
+              </a:lnSpc>
+              <a:spcBef>
+                <a:spcPts val="500"/>
+              </a:spcBef>
+              <a:buFont typeface="Arial" panose="020B0604020202020204" pitchFamily="34" charset="0"/>
+              <a:buChar char="•"/>
+              <a:defRPr sz="2400" kern="1200">
+                <a:solidFill>
+                  <a:schemeClr val="tx1"/>
+                </a:solidFill>
+                <a:latin typeface="+mn-lt"/>
+                <a:ea typeface="+mn-ea"/>
+                <a:cs typeface="+mn-cs"/>
+              </a:defRPr>
+            </a:lvl2pPr>
+            <a:lvl3pPr marL="1143000" indent="-228600" algn="l" defTabSz="914400" rtl="0" eaLnBrk="1" latinLnBrk="1" hangingPunct="1">
+              <a:lnSpc>
+                <a:spcPct val="90000"/>
+              </a:lnSpc>
+              <a:spcBef>
+                <a:spcPts val="500"/>
+              </a:spcBef>
+              <a:buFont typeface="Arial" panose="020B0604020202020204" pitchFamily="34" charset="0"/>
+              <a:buChar char="•"/>
+              <a:defRPr sz="2000" kern="1200">
+                <a:solidFill>
+                  <a:schemeClr val="tx1"/>
+                </a:solidFill>
+                <a:latin typeface="+mn-lt"/>
+                <a:ea typeface="+mn-ea"/>
+                <a:cs typeface="+mn-cs"/>
+              </a:defRPr>
+            </a:lvl3pPr>
+            <a:lvl4pPr marL="1600200" indent="-228600" algn="l" defTabSz="914400" rtl="0" eaLnBrk="1" latinLnBrk="1" hangingPunct="1">
+              <a:lnSpc>
+                <a:spcPct val="90000"/>
+              </a:lnSpc>
+              <a:spcBef>
+                <a:spcPts val="500"/>
+              </a:spcBef>
+              <a:buFont typeface="Arial" panose="020B0604020202020204" pitchFamily="34" charset="0"/>
+              <a:buChar char="•"/>
+              <a:defRPr sz="1800" kern="1200">
+                <a:solidFill>
+                  <a:schemeClr val="tx1"/>
+                </a:solidFill>
+                <a:latin typeface="+mn-lt"/>
+                <a:ea typeface="+mn-ea"/>
+                <a:cs typeface="+mn-cs"/>
+              </a:defRPr>
+            </a:lvl4pPr>
+            <a:lvl5pPr marL="2057400" indent="-228600" algn="l" defTabSz="914400" rtl="0" eaLnBrk="1" latinLnBrk="1" hangingPunct="1">
+              <a:lnSpc>
+                <a:spcPct val="90000"/>
+              </a:lnSpc>
+              <a:spcBef>
+                <a:spcPts val="500"/>
+              </a:spcBef>
+              <a:buFont typeface="Arial" panose="020B0604020202020204" pitchFamily="34" charset="0"/>
+              <a:buChar char="•"/>
+              <a:defRPr sz="1800" kern="1200">
+                <a:solidFill>
+                  <a:schemeClr val="tx1"/>
+                </a:solidFill>
+                <a:latin typeface="+mn-lt"/>
+                <a:ea typeface="+mn-ea"/>
+                <a:cs typeface="+mn-cs"/>
+              </a:defRPr>
+            </a:lvl5pPr>
+            <a:lvl6pPr marL="2514600" indent="-228600" algn="l" defTabSz="914400" rtl="0" eaLnBrk="1" latinLnBrk="1" hangingPunct="1">
+              <a:lnSpc>
+                <a:spcPct val="90000"/>
+              </a:lnSpc>
+              <a:spcBef>
+                <a:spcPts val="500"/>
+              </a:spcBef>
+              <a:buFont typeface="Arial" panose="020B0604020202020204" pitchFamily="34" charset="0"/>
+              <a:buChar char="•"/>
+              <a:defRPr sz="1800" kern="1200">
+                <a:solidFill>
+                  <a:schemeClr val="tx1"/>
+                </a:solidFill>
+                <a:latin typeface="+mn-lt"/>
+                <a:ea typeface="+mn-ea"/>
+                <a:cs typeface="+mn-cs"/>
+              </a:defRPr>
+            </a:lvl6pPr>
+            <a:lvl7pPr marL="2971800" indent="-228600" algn="l" defTabSz="914400" rtl="0" eaLnBrk="1" latinLnBrk="1" hangingPunct="1">
+              <a:lnSpc>
+                <a:spcPct val="90000"/>
+              </a:lnSpc>
+              <a:spcBef>
+                <a:spcPts val="500"/>
+              </a:spcBef>
+              <a:buFont typeface="Arial" panose="020B0604020202020204" pitchFamily="34" charset="0"/>
+              <a:buChar char="•"/>
+              <a:defRPr sz="1800" kern="1200">
+                <a:solidFill>
+                  <a:schemeClr val="tx1"/>
+                </a:solidFill>
+                <a:latin typeface="+mn-lt"/>
+                <a:ea typeface="+mn-ea"/>
+                <a:cs typeface="+mn-cs"/>
+              </a:defRPr>
+            </a:lvl7pPr>
+            <a:lvl8pPr marL="3429000" indent="-228600" algn="l" defTabSz="914400" rtl="0" eaLnBrk="1" latinLnBrk="1" hangingPunct="1">
+              <a:lnSpc>
+                <a:spcPct val="90000"/>
+              </a:lnSpc>
+              <a:spcBef>
+                <a:spcPts val="500"/>
+              </a:spcBef>
+              <a:buFont typeface="Arial" panose="020B0604020202020204" pitchFamily="34" charset="0"/>
+              <a:buChar char="•"/>
+              <a:defRPr sz="1800" kern="1200">
+                <a:solidFill>
+                  <a:schemeClr val="tx1"/>
+                </a:solidFill>
+                <a:latin typeface="+mn-lt"/>
+                <a:ea typeface="+mn-ea"/>
+                <a:cs typeface="+mn-cs"/>
+              </a:defRPr>
+            </a:lvl8pPr>
+            <a:lvl9pPr marL="3886200" indent="-228600" algn="l" defTabSz="914400" rtl="0" eaLnBrk="1" latinLnBrk="1" hangingPunct="1">
+              <a:lnSpc>
+                <a:spcPct val="90000"/>
+              </a:lnSpc>
+              <a:spcBef>
+                <a:spcPts val="500"/>
+              </a:spcBef>
+              <a:buFont typeface="Arial" panose="020B0604020202020204" pitchFamily="34" charset="0"/>
+              <a:buChar char="•"/>
+              <a:defRPr sz="1800" kern="1200">
+                <a:solidFill>
+                  <a:schemeClr val="tx1"/>
+                </a:solidFill>
+                <a:latin typeface="+mn-lt"/>
+                <a:ea typeface="+mn-ea"/>
+                <a:cs typeface="+mn-cs"/>
+              </a:defRPr>
+            </a:lvl9pPr>
+          </a:lstStyle>
+          <a:p>
+            <a:pPr marL="285750" indent="-285750" algn="ctr"/>
+            <a:r>
+              <a:rPr lang="ko-KR" altLang="en-US" sz="1800" b="1" dirty="0">
+                <a:solidFill>
+                  <a:schemeClr val="bg1"/>
+                </a:solidFill>
+              </a:rPr>
+              <a:t>두번째는 레</a:t>
+            </a:r>
+          </a:p>
+        </p:txBody>
+      </p:sp>
     </p:spTree>
     <p:extLst>
       <p:ext uri="{BB962C8B-B14F-4D97-AF65-F5344CB8AC3E}">
@@ -6443,217 +10327,7 @@
 </p:sld>
 </file>
 
-<file path=ppt/slides/slide2.xml><?xml version="1.0" encoding="utf-8"?>
-<p:sld xmlns:a="http://schemas.openxmlformats.org/drawingml/2006/main" xmlns:r="http://schemas.openxmlformats.org/officeDocument/2006/relationships" xmlns:p="http://schemas.openxmlformats.org/presentationml/2006/main">
-  <p:cSld>
-    <p:spTree>
-      <p:nvGrpSpPr>
-        <p:cNvPr id="1" name=""/>
-        <p:cNvGrpSpPr/>
-        <p:nvPr/>
-      </p:nvGrpSpPr>
-      <p:grpSpPr>
-        <a:xfrm>
-          <a:off x="0" y="0"/>
-          <a:ext cx="0" cy="0"/>
-          <a:chOff x="0" y="0"/>
-          <a:chExt cx="0" cy="0"/>
-        </a:xfrm>
-      </p:grpSpPr>
-      <p:pic>
-        <p:nvPicPr>
-          <p:cNvPr id="1028" name="Picture 4" descr="음악에 대한 이미지 검색결과">
-            <a:extLst>
-              <a:ext uri="{FF2B5EF4-FFF2-40B4-BE49-F238E27FC236}">
-                <a16:creationId xmlns:a16="http://schemas.microsoft.com/office/drawing/2014/main" id="{06155EDD-AAF7-4A92-8312-B0DE7DEB8217}"/>
-              </a:ext>
-            </a:extLst>
-          </p:cNvPr>
-          <p:cNvPicPr>
-            <a:picLocks noChangeAspect="1" noChangeArrowheads="1"/>
-          </p:cNvPicPr>
-          <p:nvPr/>
-        </p:nvPicPr>
-        <p:blipFill>
-          <a:blip r:embed="rId2">
-            <a:extLst>
-              <a:ext uri="{28A0092B-C50C-407E-A947-70E740481C1C}">
-                <a14:useLocalDpi xmlns:a14="http://schemas.microsoft.com/office/drawing/2010/main" val="0"/>
-              </a:ext>
-            </a:extLst>
-          </a:blip>
-          <a:srcRect/>
-          <a:stretch>
-            <a:fillRect/>
-          </a:stretch>
-        </p:blipFill>
-        <p:spPr bwMode="auto">
-          <a:xfrm>
-            <a:off x="6755068" y="2442465"/>
-            <a:ext cx="5136092" cy="3138723"/>
-          </a:xfrm>
-          <a:prstGeom prst="rect">
-            <a:avLst/>
-          </a:prstGeom>
-          <a:noFill/>
-          <a:extLst>
-            <a:ext uri="{909E8E84-426E-40DD-AFC4-6F175D3DCCD1}">
-              <a14:hiddenFill xmlns:a14="http://schemas.microsoft.com/office/drawing/2010/main">
-                <a:solidFill>
-                  <a:srgbClr val="FFFFFF"/>
-                </a:solidFill>
-              </a14:hiddenFill>
-            </a:ext>
-          </a:extLst>
-        </p:spPr>
-      </p:pic>
-      <p:sp>
-        <p:nvSpPr>
-          <p:cNvPr id="2" name="제목 1">
-            <a:extLst>
-              <a:ext uri="{FF2B5EF4-FFF2-40B4-BE49-F238E27FC236}">
-                <a16:creationId xmlns:a16="http://schemas.microsoft.com/office/drawing/2014/main" id="{6C0BDF53-73A9-43DA-A237-D483464117BB}"/>
-              </a:ext>
-            </a:extLst>
-          </p:cNvPr>
-          <p:cNvSpPr>
-            <a:spLocks noGrp="1"/>
-          </p:cNvSpPr>
-          <p:nvPr>
-            <p:ph type="title"/>
-          </p:nvPr>
-        </p:nvSpPr>
-        <p:spPr>
-          <a:xfrm>
-            <a:off x="4435792" y="447818"/>
-            <a:ext cx="3320415" cy="4652645"/>
-          </a:xfrm>
-        </p:spPr>
-        <p:txBody>
-          <a:bodyPr>
-            <a:normAutofit/>
-          </a:bodyPr>
-          <a:lstStyle/>
-          <a:p>
-            <a:pPr algn="ctr"/>
-            <a:r>
-              <a:rPr lang="ko-KR" altLang="en-US" sz="9600" b="1" dirty="0"/>
-              <a:t>음악</a:t>
-            </a:r>
-          </a:p>
-        </p:txBody>
-      </p:sp>
-      <p:sp>
-        <p:nvSpPr>
-          <p:cNvPr id="3" name="내용 개체 틀 2">
-            <a:extLst>
-              <a:ext uri="{FF2B5EF4-FFF2-40B4-BE49-F238E27FC236}">
-                <a16:creationId xmlns:a16="http://schemas.microsoft.com/office/drawing/2014/main" id="{D20BD20F-12CE-4F49-A697-23B9BCD7C27E}"/>
-              </a:ext>
-            </a:extLst>
-          </p:cNvPr>
-          <p:cNvSpPr>
-            <a:spLocks noGrp="1"/>
-          </p:cNvSpPr>
-          <p:nvPr>
-            <p:ph idx="1"/>
-          </p:nvPr>
-        </p:nvSpPr>
-        <p:spPr>
-          <a:xfrm>
-            <a:off x="838200" y="5646419"/>
-            <a:ext cx="10515600" cy="964883"/>
-          </a:xfrm>
-        </p:spPr>
-        <p:txBody>
-          <a:bodyPr>
-            <a:normAutofit/>
-          </a:bodyPr>
-          <a:lstStyle/>
-          <a:p>
-            <a:r>
-              <a:rPr lang="ko-KR" altLang="en-US" sz="1800" b="1" dirty="0"/>
-              <a:t>음악은 인류의 문화생활에 있어 필수 불가결한 존재입니다</a:t>
-            </a:r>
-            <a:r>
-              <a:rPr lang="en-US" altLang="ko-KR" sz="1800" b="1" dirty="0"/>
-              <a:t>.</a:t>
-            </a:r>
-          </a:p>
-          <a:p>
-            <a:r>
-              <a:rPr lang="ko-KR" altLang="en-US" sz="1800" b="1" dirty="0"/>
-              <a:t>만약에 음악이 없다면 지금의 세상은 매우 삭막 해졌을 겁니다</a:t>
-            </a:r>
-            <a:r>
-              <a:rPr lang="en-US" altLang="ko-KR" sz="1800" b="1" dirty="0"/>
-              <a:t>.</a:t>
-            </a:r>
-            <a:endParaRPr lang="ko-KR" altLang="en-US" sz="1800" b="1" dirty="0"/>
-          </a:p>
-        </p:txBody>
-      </p:sp>
-      <p:pic>
-        <p:nvPicPr>
-          <p:cNvPr id="1032" name="Picture 8" descr="베토벤에 대한 이미지 검색결과">
-            <a:extLst>
-              <a:ext uri="{FF2B5EF4-FFF2-40B4-BE49-F238E27FC236}">
-                <a16:creationId xmlns:a16="http://schemas.microsoft.com/office/drawing/2014/main" id="{1BA50C87-1D11-460D-9CD9-96E50984548A}"/>
-              </a:ext>
-            </a:extLst>
-          </p:cNvPr>
-          <p:cNvPicPr>
-            <a:picLocks noChangeAspect="1" noChangeArrowheads="1"/>
-          </p:cNvPicPr>
-          <p:nvPr/>
-        </p:nvPicPr>
-        <p:blipFill>
-          <a:blip r:embed="rId3">
-            <a:extLst>
-              <a:ext uri="{28A0092B-C50C-407E-A947-70E740481C1C}">
-                <a14:useLocalDpi xmlns:a14="http://schemas.microsoft.com/office/drawing/2010/main" val="0"/>
-              </a:ext>
-            </a:extLst>
-          </a:blip>
-          <a:srcRect/>
-          <a:stretch>
-            <a:fillRect/>
-          </a:stretch>
-        </p:blipFill>
-        <p:spPr bwMode="auto">
-          <a:xfrm>
-            <a:off x="577215" y="447818"/>
-            <a:ext cx="4071818" cy="4886182"/>
-          </a:xfrm>
-          <a:prstGeom prst="rect">
-            <a:avLst/>
-          </a:prstGeom>
-          <a:noFill/>
-          <a:extLst>
-            <a:ext uri="{909E8E84-426E-40DD-AFC4-6F175D3DCCD1}">
-              <a14:hiddenFill xmlns:a14="http://schemas.microsoft.com/office/drawing/2010/main">
-                <a:solidFill>
-                  <a:srgbClr val="FFFFFF"/>
-                </a:solidFill>
-              </a14:hiddenFill>
-            </a:ext>
-          </a:extLst>
-        </p:spPr>
-      </p:pic>
-    </p:spTree>
-    <p:extLst>
-      <p:ext uri="{BB962C8B-B14F-4D97-AF65-F5344CB8AC3E}">
-        <p14:creationId xmlns:p14="http://schemas.microsoft.com/office/powerpoint/2010/main" val="2547851318"/>
-      </p:ext>
-    </p:extLst>
-  </p:cSld>
-  <p:clrMapOvr>
-    <a:masterClrMapping/>
-  </p:clrMapOvr>
-</p:sld>
-</file>
-
-<file path=ppt/slides/slide20.xml><?xml version="1.0" encoding="utf-8"?>
+<file path=ppt/slides/slide23.xml><?xml version="1.0" encoding="utf-8"?>
 <p:sld xmlns:a="http://schemas.openxmlformats.org/drawingml/2006/main" xmlns:r="http://schemas.openxmlformats.org/officeDocument/2006/relationships" xmlns:p="http://schemas.openxmlformats.org/presentationml/2006/main">
   <p:cSld>
     <p:spTree>
@@ -7319,6 +10993,224 @@
           </a:p>
         </p:txBody>
       </p:sp>
+      <p:sp>
+        <p:nvSpPr>
+          <p:cNvPr id="8" name="내용 개체 틀 2">
+            <a:extLst>
+              <a:ext uri="{FF2B5EF4-FFF2-40B4-BE49-F238E27FC236}">
+                <a16:creationId xmlns:a16="http://schemas.microsoft.com/office/drawing/2014/main" id="{AAC4BD2D-E5F7-4971-BDBB-7F3002701C96}"/>
+              </a:ext>
+            </a:extLst>
+          </p:cNvPr>
+          <p:cNvSpPr txBox="1">
+            <a:spLocks/>
+          </p:cNvSpPr>
+          <p:nvPr/>
+        </p:nvSpPr>
+        <p:spPr>
+          <a:xfrm>
+            <a:off x="348028" y="5987860"/>
+            <a:ext cx="11495942" cy="702573"/>
+          </a:xfrm>
+          <a:prstGeom prst="rect">
+            <a:avLst/>
+          </a:prstGeom>
+          <a:solidFill>
+            <a:schemeClr val="accent6">
+              <a:lumMod val="50000"/>
+              <a:alpha val="52000"/>
+            </a:schemeClr>
+          </a:solidFill>
+          <a:ln w="25400" cap="rnd" cmpd="dbl">
+            <a:solidFill>
+              <a:schemeClr val="accent6">
+                <a:lumMod val="40000"/>
+                <a:lumOff val="60000"/>
+              </a:schemeClr>
+            </a:solidFill>
+          </a:ln>
+        </p:spPr>
+        <p:txBody>
+          <a:bodyPr vert="horz" lIns="91440" tIns="45720" rIns="91440" bIns="45720" rtlCol="0" anchor="ctr">
+            <a:normAutofit/>
+          </a:bodyPr>
+          <a:lstStyle>
+            <a:lvl1pPr marL="228600" indent="-228600" algn="l" defTabSz="914400" rtl="0" eaLnBrk="1" latinLnBrk="1" hangingPunct="1">
+              <a:lnSpc>
+                <a:spcPct val="90000"/>
+              </a:lnSpc>
+              <a:spcBef>
+                <a:spcPts val="1000"/>
+              </a:spcBef>
+              <a:buFont typeface="Arial" panose="020B0604020202020204" pitchFamily="34" charset="0"/>
+              <a:buChar char="•"/>
+              <a:defRPr sz="2800" kern="1200">
+                <a:solidFill>
+                  <a:schemeClr val="tx1"/>
+                </a:solidFill>
+                <a:latin typeface="+mn-lt"/>
+                <a:ea typeface="+mn-ea"/>
+                <a:cs typeface="+mn-cs"/>
+              </a:defRPr>
+            </a:lvl1pPr>
+            <a:lvl2pPr marL="685800" indent="-228600" algn="l" defTabSz="914400" rtl="0" eaLnBrk="1" latinLnBrk="1" hangingPunct="1">
+              <a:lnSpc>
+                <a:spcPct val="90000"/>
+              </a:lnSpc>
+              <a:spcBef>
+                <a:spcPts val="500"/>
+              </a:spcBef>
+              <a:buFont typeface="Arial" panose="020B0604020202020204" pitchFamily="34" charset="0"/>
+              <a:buChar char="•"/>
+              <a:defRPr sz="2400" kern="1200">
+                <a:solidFill>
+                  <a:schemeClr val="tx1"/>
+                </a:solidFill>
+                <a:latin typeface="+mn-lt"/>
+                <a:ea typeface="+mn-ea"/>
+                <a:cs typeface="+mn-cs"/>
+              </a:defRPr>
+            </a:lvl2pPr>
+            <a:lvl3pPr marL="1143000" indent="-228600" algn="l" defTabSz="914400" rtl="0" eaLnBrk="1" latinLnBrk="1" hangingPunct="1">
+              <a:lnSpc>
+                <a:spcPct val="90000"/>
+              </a:lnSpc>
+              <a:spcBef>
+                <a:spcPts val="500"/>
+              </a:spcBef>
+              <a:buFont typeface="Arial" panose="020B0604020202020204" pitchFamily="34" charset="0"/>
+              <a:buChar char="•"/>
+              <a:defRPr sz="2000" kern="1200">
+                <a:solidFill>
+                  <a:schemeClr val="tx1"/>
+                </a:solidFill>
+                <a:latin typeface="+mn-lt"/>
+                <a:ea typeface="+mn-ea"/>
+                <a:cs typeface="+mn-cs"/>
+              </a:defRPr>
+            </a:lvl3pPr>
+            <a:lvl4pPr marL="1600200" indent="-228600" algn="l" defTabSz="914400" rtl="0" eaLnBrk="1" latinLnBrk="1" hangingPunct="1">
+              <a:lnSpc>
+                <a:spcPct val="90000"/>
+              </a:lnSpc>
+              <a:spcBef>
+                <a:spcPts val="500"/>
+              </a:spcBef>
+              <a:buFont typeface="Arial" panose="020B0604020202020204" pitchFamily="34" charset="0"/>
+              <a:buChar char="•"/>
+              <a:defRPr sz="1800" kern="1200">
+                <a:solidFill>
+                  <a:schemeClr val="tx1"/>
+                </a:solidFill>
+                <a:latin typeface="+mn-lt"/>
+                <a:ea typeface="+mn-ea"/>
+                <a:cs typeface="+mn-cs"/>
+              </a:defRPr>
+            </a:lvl4pPr>
+            <a:lvl5pPr marL="2057400" indent="-228600" algn="l" defTabSz="914400" rtl="0" eaLnBrk="1" latinLnBrk="1" hangingPunct="1">
+              <a:lnSpc>
+                <a:spcPct val="90000"/>
+              </a:lnSpc>
+              <a:spcBef>
+                <a:spcPts val="500"/>
+              </a:spcBef>
+              <a:buFont typeface="Arial" panose="020B0604020202020204" pitchFamily="34" charset="0"/>
+              <a:buChar char="•"/>
+              <a:defRPr sz="1800" kern="1200">
+                <a:solidFill>
+                  <a:schemeClr val="tx1"/>
+                </a:solidFill>
+                <a:latin typeface="+mn-lt"/>
+                <a:ea typeface="+mn-ea"/>
+                <a:cs typeface="+mn-cs"/>
+              </a:defRPr>
+            </a:lvl5pPr>
+            <a:lvl6pPr marL="2514600" indent="-228600" algn="l" defTabSz="914400" rtl="0" eaLnBrk="1" latinLnBrk="1" hangingPunct="1">
+              <a:lnSpc>
+                <a:spcPct val="90000"/>
+              </a:lnSpc>
+              <a:spcBef>
+                <a:spcPts val="500"/>
+              </a:spcBef>
+              <a:buFont typeface="Arial" panose="020B0604020202020204" pitchFamily="34" charset="0"/>
+              <a:buChar char="•"/>
+              <a:defRPr sz="1800" kern="1200">
+                <a:solidFill>
+                  <a:schemeClr val="tx1"/>
+                </a:solidFill>
+                <a:latin typeface="+mn-lt"/>
+                <a:ea typeface="+mn-ea"/>
+                <a:cs typeface="+mn-cs"/>
+              </a:defRPr>
+            </a:lvl6pPr>
+            <a:lvl7pPr marL="2971800" indent="-228600" algn="l" defTabSz="914400" rtl="0" eaLnBrk="1" latinLnBrk="1" hangingPunct="1">
+              <a:lnSpc>
+                <a:spcPct val="90000"/>
+              </a:lnSpc>
+              <a:spcBef>
+                <a:spcPts val="500"/>
+              </a:spcBef>
+              <a:buFont typeface="Arial" panose="020B0604020202020204" pitchFamily="34" charset="0"/>
+              <a:buChar char="•"/>
+              <a:defRPr sz="1800" kern="1200">
+                <a:solidFill>
+                  <a:schemeClr val="tx1"/>
+                </a:solidFill>
+                <a:latin typeface="+mn-lt"/>
+                <a:ea typeface="+mn-ea"/>
+                <a:cs typeface="+mn-cs"/>
+              </a:defRPr>
+            </a:lvl7pPr>
+            <a:lvl8pPr marL="3429000" indent="-228600" algn="l" defTabSz="914400" rtl="0" eaLnBrk="1" latinLnBrk="1" hangingPunct="1">
+              <a:lnSpc>
+                <a:spcPct val="90000"/>
+              </a:lnSpc>
+              <a:spcBef>
+                <a:spcPts val="500"/>
+              </a:spcBef>
+              <a:buFont typeface="Arial" panose="020B0604020202020204" pitchFamily="34" charset="0"/>
+              <a:buChar char="•"/>
+              <a:defRPr sz="1800" kern="1200">
+                <a:solidFill>
+                  <a:schemeClr val="tx1"/>
+                </a:solidFill>
+                <a:latin typeface="+mn-lt"/>
+                <a:ea typeface="+mn-ea"/>
+                <a:cs typeface="+mn-cs"/>
+              </a:defRPr>
+            </a:lvl8pPr>
+            <a:lvl9pPr marL="3886200" indent="-228600" algn="l" defTabSz="914400" rtl="0" eaLnBrk="1" latinLnBrk="1" hangingPunct="1">
+              <a:lnSpc>
+                <a:spcPct val="90000"/>
+              </a:lnSpc>
+              <a:spcBef>
+                <a:spcPts val="500"/>
+              </a:spcBef>
+              <a:buFont typeface="Arial" panose="020B0604020202020204" pitchFamily="34" charset="0"/>
+              <a:buChar char="•"/>
+              <a:defRPr sz="1800" kern="1200">
+                <a:solidFill>
+                  <a:schemeClr val="tx1"/>
+                </a:solidFill>
+                <a:latin typeface="+mn-lt"/>
+                <a:ea typeface="+mn-ea"/>
+                <a:cs typeface="+mn-cs"/>
+              </a:defRPr>
+            </a:lvl9pPr>
+          </a:lstStyle>
+          <a:p>
+            <a:pPr marL="285750" indent="-285750" algn="ctr"/>
+            <a:r>
+              <a:rPr lang="ko-KR" altLang="en-US" sz="1800" b="1" dirty="0">
+                <a:solidFill>
+                  <a:schemeClr val="bg1"/>
+                </a:solidFill>
+              </a:rPr>
+              <a:t>세번째는 도</a:t>
+            </a:r>
+          </a:p>
+        </p:txBody>
+      </p:sp>
     </p:spTree>
     <p:extLst>
       <p:ext uri="{BB962C8B-B14F-4D97-AF65-F5344CB8AC3E}">
@@ -7332,7 +11224,7 @@
 </p:sld>
 </file>
 
-<file path=ppt/slides/slide21.xml><?xml version="1.0" encoding="utf-8"?>
+<file path=ppt/slides/slide24.xml><?xml version="1.0" encoding="utf-8"?>
 <p:sld xmlns:a="http://schemas.openxmlformats.org/drawingml/2006/main" xmlns:r="http://schemas.openxmlformats.org/officeDocument/2006/relationships" xmlns:p="http://schemas.openxmlformats.org/presentationml/2006/main">
   <p:cSld>
     <p:spTree>
@@ -7371,7 +11263,7 @@
         </p:blipFill>
         <p:spPr>
           <a:xfrm>
-            <a:off x="3471261" y="922559"/>
+            <a:off x="3542381" y="495839"/>
             <a:ext cx="5249477" cy="5012882"/>
           </a:xfrm>
           <a:prstGeom prst="rect">
@@ -7393,7 +11285,7 @@
         </p:nvSpPr>
         <p:spPr>
           <a:xfrm>
-            <a:off x="2558005" y="1226917"/>
+            <a:off x="2629125" y="800197"/>
             <a:ext cx="564578" cy="3416320"/>
           </a:xfrm>
           <a:prstGeom prst="rect">
@@ -7467,7 +11359,7 @@
         </p:nvSpPr>
         <p:spPr>
           <a:xfrm>
-            <a:off x="3727047" y="5750775"/>
+            <a:off x="3798167" y="5324055"/>
             <a:ext cx="4907113" cy="369332"/>
           </a:xfrm>
           <a:prstGeom prst="rect">
@@ -7511,50 +11403,297 @@
       </p:sp>
       <p:sp>
         <p:nvSpPr>
-          <p:cNvPr id="3" name="TextBox 2">
-            <a:extLst>
-              <a:ext uri="{FF2B5EF4-FFF2-40B4-BE49-F238E27FC236}">
-                <a16:creationId xmlns:a16="http://schemas.microsoft.com/office/drawing/2014/main" id="{E96C197F-7D57-4667-BDC2-57F291AB435D}"/>
-              </a:ext>
-            </a:extLst>
-          </p:cNvPr>
-          <p:cNvSpPr txBox="1"/>
+          <p:cNvPr id="7" name="내용 개체 틀 2">
+            <a:extLst>
+              <a:ext uri="{FF2B5EF4-FFF2-40B4-BE49-F238E27FC236}">
+                <a16:creationId xmlns:a16="http://schemas.microsoft.com/office/drawing/2014/main" id="{6DC0B3AD-11AE-426E-9E8C-347821D372B8}"/>
+              </a:ext>
+            </a:extLst>
+          </p:cNvPr>
+          <p:cNvSpPr txBox="1">
+            <a:spLocks/>
+          </p:cNvSpPr>
           <p:nvPr/>
         </p:nvSpPr>
         <p:spPr>
           <a:xfrm>
-            <a:off x="3122583" y="6488668"/>
-            <a:ext cx="5953874" cy="369332"/>
+            <a:off x="348028" y="5987860"/>
+            <a:ext cx="11495942" cy="702573"/>
           </a:xfrm>
           <a:prstGeom prst="rect">
             <a:avLst/>
           </a:prstGeom>
-          <a:noFill/>
+          <a:solidFill>
+            <a:schemeClr val="accent6">
+              <a:lumMod val="50000"/>
+              <a:alpha val="52000"/>
+            </a:schemeClr>
+          </a:solidFill>
+          <a:ln w="25400" cap="rnd" cmpd="dbl">
+            <a:solidFill>
+              <a:schemeClr val="accent6">
+                <a:lumMod val="40000"/>
+                <a:lumOff val="60000"/>
+              </a:schemeClr>
+            </a:solidFill>
+          </a:ln>
         </p:spPr>
         <p:txBody>
-          <a:bodyPr wrap="none" rtlCol="0">
-            <a:spAutoFit/>
+          <a:bodyPr vert="horz" lIns="91440" tIns="45720" rIns="91440" bIns="45720" rtlCol="0" anchor="ctr">
+            <a:normAutofit lnSpcReduction="10000"/>
           </a:bodyPr>
-          <a:lstStyle/>
-          <a:p>
-            <a:pPr marL="285750" indent="-285750">
-              <a:buFont typeface="Arial" panose="020B0604020202020204" pitchFamily="34" charset="0"/>
-              <a:buChar char="•"/>
-            </a:pPr>
-            <a:r>
-              <a:rPr lang="ko-KR" altLang="en-US" b="1" dirty="0" err="1"/>
-              <a:t>미레도레미미미</a:t>
-            </a:r>
-            <a:r>
-              <a:rPr lang="ko-KR" altLang="en-US" b="1" dirty="0"/>
-              <a:t> 바로 떴다 떴다 비행기가 되는 거죠</a:t>
-            </a:r>
-            <a:r>
-              <a:rPr lang="en-US" altLang="ko-KR" b="1" dirty="0"/>
+          <a:lstStyle>
+            <a:lvl1pPr marL="228600" indent="-228600" algn="l" defTabSz="914400" rtl="0" eaLnBrk="1" latinLnBrk="1" hangingPunct="1">
+              <a:lnSpc>
+                <a:spcPct val="90000"/>
+              </a:lnSpc>
+              <a:spcBef>
+                <a:spcPts val="1000"/>
+              </a:spcBef>
+              <a:buFont typeface="Arial" panose="020B0604020202020204" pitchFamily="34" charset="0"/>
+              <a:buChar char="•"/>
+              <a:defRPr sz="2800" kern="1200">
+                <a:solidFill>
+                  <a:schemeClr val="tx1"/>
+                </a:solidFill>
+                <a:latin typeface="+mn-lt"/>
+                <a:ea typeface="+mn-ea"/>
+                <a:cs typeface="+mn-cs"/>
+              </a:defRPr>
+            </a:lvl1pPr>
+            <a:lvl2pPr marL="685800" indent="-228600" algn="l" defTabSz="914400" rtl="0" eaLnBrk="1" latinLnBrk="1" hangingPunct="1">
+              <a:lnSpc>
+                <a:spcPct val="90000"/>
+              </a:lnSpc>
+              <a:spcBef>
+                <a:spcPts val="500"/>
+              </a:spcBef>
+              <a:buFont typeface="Arial" panose="020B0604020202020204" pitchFamily="34" charset="0"/>
+              <a:buChar char="•"/>
+              <a:defRPr sz="2400" kern="1200">
+                <a:solidFill>
+                  <a:schemeClr val="tx1"/>
+                </a:solidFill>
+                <a:latin typeface="+mn-lt"/>
+                <a:ea typeface="+mn-ea"/>
+                <a:cs typeface="+mn-cs"/>
+              </a:defRPr>
+            </a:lvl2pPr>
+            <a:lvl3pPr marL="1143000" indent="-228600" algn="l" defTabSz="914400" rtl="0" eaLnBrk="1" latinLnBrk="1" hangingPunct="1">
+              <a:lnSpc>
+                <a:spcPct val="90000"/>
+              </a:lnSpc>
+              <a:spcBef>
+                <a:spcPts val="500"/>
+              </a:spcBef>
+              <a:buFont typeface="Arial" panose="020B0604020202020204" pitchFamily="34" charset="0"/>
+              <a:buChar char="•"/>
+              <a:defRPr sz="2000" kern="1200">
+                <a:solidFill>
+                  <a:schemeClr val="tx1"/>
+                </a:solidFill>
+                <a:latin typeface="+mn-lt"/>
+                <a:ea typeface="+mn-ea"/>
+                <a:cs typeface="+mn-cs"/>
+              </a:defRPr>
+            </a:lvl3pPr>
+            <a:lvl4pPr marL="1600200" indent="-228600" algn="l" defTabSz="914400" rtl="0" eaLnBrk="1" latinLnBrk="1" hangingPunct="1">
+              <a:lnSpc>
+                <a:spcPct val="90000"/>
+              </a:lnSpc>
+              <a:spcBef>
+                <a:spcPts val="500"/>
+              </a:spcBef>
+              <a:buFont typeface="Arial" panose="020B0604020202020204" pitchFamily="34" charset="0"/>
+              <a:buChar char="•"/>
+              <a:defRPr sz="1800" kern="1200">
+                <a:solidFill>
+                  <a:schemeClr val="tx1"/>
+                </a:solidFill>
+                <a:latin typeface="+mn-lt"/>
+                <a:ea typeface="+mn-ea"/>
+                <a:cs typeface="+mn-cs"/>
+              </a:defRPr>
+            </a:lvl4pPr>
+            <a:lvl5pPr marL="2057400" indent="-228600" algn="l" defTabSz="914400" rtl="0" eaLnBrk="1" latinLnBrk="1" hangingPunct="1">
+              <a:lnSpc>
+                <a:spcPct val="90000"/>
+              </a:lnSpc>
+              <a:spcBef>
+                <a:spcPts val="500"/>
+              </a:spcBef>
+              <a:buFont typeface="Arial" panose="020B0604020202020204" pitchFamily="34" charset="0"/>
+              <a:buChar char="•"/>
+              <a:defRPr sz="1800" kern="1200">
+                <a:solidFill>
+                  <a:schemeClr val="tx1"/>
+                </a:solidFill>
+                <a:latin typeface="+mn-lt"/>
+                <a:ea typeface="+mn-ea"/>
+                <a:cs typeface="+mn-cs"/>
+              </a:defRPr>
+            </a:lvl5pPr>
+            <a:lvl6pPr marL="2514600" indent="-228600" algn="l" defTabSz="914400" rtl="0" eaLnBrk="1" latinLnBrk="1" hangingPunct="1">
+              <a:lnSpc>
+                <a:spcPct val="90000"/>
+              </a:lnSpc>
+              <a:spcBef>
+                <a:spcPts val="500"/>
+              </a:spcBef>
+              <a:buFont typeface="Arial" panose="020B0604020202020204" pitchFamily="34" charset="0"/>
+              <a:buChar char="•"/>
+              <a:defRPr sz="1800" kern="1200">
+                <a:solidFill>
+                  <a:schemeClr val="tx1"/>
+                </a:solidFill>
+                <a:latin typeface="+mn-lt"/>
+                <a:ea typeface="+mn-ea"/>
+                <a:cs typeface="+mn-cs"/>
+              </a:defRPr>
+            </a:lvl6pPr>
+            <a:lvl7pPr marL="2971800" indent="-228600" algn="l" defTabSz="914400" rtl="0" eaLnBrk="1" latinLnBrk="1" hangingPunct="1">
+              <a:lnSpc>
+                <a:spcPct val="90000"/>
+              </a:lnSpc>
+              <a:spcBef>
+                <a:spcPts val="500"/>
+              </a:spcBef>
+              <a:buFont typeface="Arial" panose="020B0604020202020204" pitchFamily="34" charset="0"/>
+              <a:buChar char="•"/>
+              <a:defRPr sz="1800" kern="1200">
+                <a:solidFill>
+                  <a:schemeClr val="tx1"/>
+                </a:solidFill>
+                <a:latin typeface="+mn-lt"/>
+                <a:ea typeface="+mn-ea"/>
+                <a:cs typeface="+mn-cs"/>
+              </a:defRPr>
+            </a:lvl7pPr>
+            <a:lvl8pPr marL="3429000" indent="-228600" algn="l" defTabSz="914400" rtl="0" eaLnBrk="1" latinLnBrk="1" hangingPunct="1">
+              <a:lnSpc>
+                <a:spcPct val="90000"/>
+              </a:lnSpc>
+              <a:spcBef>
+                <a:spcPts val="500"/>
+              </a:spcBef>
+              <a:buFont typeface="Arial" panose="020B0604020202020204" pitchFamily="34" charset="0"/>
+              <a:buChar char="•"/>
+              <a:defRPr sz="1800" kern="1200">
+                <a:solidFill>
+                  <a:schemeClr val="tx1"/>
+                </a:solidFill>
+                <a:latin typeface="+mn-lt"/>
+                <a:ea typeface="+mn-ea"/>
+                <a:cs typeface="+mn-cs"/>
+              </a:defRPr>
+            </a:lvl8pPr>
+            <a:lvl9pPr marL="3886200" indent="-228600" algn="l" defTabSz="914400" rtl="0" eaLnBrk="1" latinLnBrk="1" hangingPunct="1">
+              <a:lnSpc>
+                <a:spcPct val="90000"/>
+              </a:lnSpc>
+              <a:spcBef>
+                <a:spcPts val="500"/>
+              </a:spcBef>
+              <a:buFont typeface="Arial" panose="020B0604020202020204" pitchFamily="34" charset="0"/>
+              <a:buChar char="•"/>
+              <a:defRPr sz="1800" kern="1200">
+                <a:solidFill>
+                  <a:schemeClr val="tx1"/>
+                </a:solidFill>
+                <a:latin typeface="+mn-lt"/>
+                <a:ea typeface="+mn-ea"/>
+                <a:cs typeface="+mn-cs"/>
+              </a:defRPr>
+            </a:lvl9pPr>
+          </a:lstStyle>
+          <a:p>
+            <a:pPr marL="285750" indent="-285750" algn="ctr"/>
+            <a:r>
+              <a:rPr lang="ko-KR" altLang="en-US" sz="1800" b="1" dirty="0">
+                <a:solidFill>
+                  <a:schemeClr val="bg1"/>
+                </a:solidFill>
+              </a:rPr>
+              <a:t>이것을 연속적으로 적용해 보면 미 레 도 레 미 </a:t>
+            </a:r>
+            <a:r>
+              <a:rPr lang="ko-KR" altLang="en-US" sz="1800" b="1" dirty="0" err="1">
+                <a:solidFill>
+                  <a:schemeClr val="bg1"/>
+                </a:solidFill>
+              </a:rPr>
+              <a:t>미</a:t>
+            </a:r>
+            <a:r>
+              <a:rPr lang="ko-KR" altLang="en-US" sz="1800" b="1" dirty="0">
+                <a:solidFill>
+                  <a:schemeClr val="bg1"/>
+                </a:solidFill>
+              </a:rPr>
+              <a:t> </a:t>
+            </a:r>
+            <a:r>
+              <a:rPr lang="ko-KR" altLang="en-US" sz="1800" b="1" dirty="0" err="1">
+                <a:solidFill>
+                  <a:schemeClr val="bg1"/>
+                </a:solidFill>
+              </a:rPr>
+              <a:t>미</a:t>
+            </a:r>
+            <a:r>
+              <a:rPr lang="ko-KR" altLang="en-US" sz="1800" b="1" dirty="0">
+                <a:solidFill>
+                  <a:schemeClr val="bg1"/>
+                </a:solidFill>
+              </a:rPr>
+              <a:t> </a:t>
+            </a:r>
+            <a:endParaRPr lang="en-US" altLang="ko-KR" sz="1800" b="1" dirty="0">
+              <a:solidFill>
+                <a:schemeClr val="bg1"/>
+              </a:solidFill>
+            </a:endParaRPr>
+          </a:p>
+          <a:p>
+            <a:pPr marL="285750" indent="-285750" algn="ctr"/>
+            <a:r>
+              <a:rPr lang="ko-KR" altLang="en-US" sz="1800" b="1" dirty="0">
+                <a:solidFill>
+                  <a:schemeClr val="bg1"/>
+                </a:solidFill>
+              </a:rPr>
+              <a:t>바로 떴다 </a:t>
+            </a:r>
+            <a:r>
+              <a:rPr lang="ko-KR" altLang="en-US" sz="1800" b="1" dirty="0" err="1">
+                <a:solidFill>
+                  <a:schemeClr val="bg1"/>
+                </a:solidFill>
+              </a:rPr>
+              <a:t>떴다</a:t>
+            </a:r>
+            <a:r>
+              <a:rPr lang="ko-KR" altLang="en-US" sz="1800" b="1" dirty="0">
+                <a:solidFill>
+                  <a:schemeClr val="bg1"/>
+                </a:solidFill>
+              </a:rPr>
+              <a:t> 비행기가 되는 것 입니다</a:t>
+            </a:r>
+            <a:r>
+              <a:rPr lang="en-US" altLang="ko-KR" sz="1800" b="1" dirty="0">
+                <a:solidFill>
+                  <a:schemeClr val="bg1"/>
+                </a:solidFill>
+              </a:rPr>
               <a:t>.</a:t>
             </a:r>
             <a:r>
-              <a:rPr lang="ko-KR" altLang="en-US" b="1" dirty="0"/>
+              <a:rPr lang="ko-KR" altLang="en-US" sz="1800" b="1" dirty="0">
+                <a:solidFill>
+                  <a:schemeClr val="bg1"/>
+                </a:solidFill>
+              </a:rPr>
               <a:t> </a:t>
             </a:r>
           </a:p>
@@ -7573,7 +11712,7 @@
 </p:sld>
 </file>
 
-<file path=ppt/slides/slide22.xml><?xml version="1.0" encoding="utf-8"?>
+<file path=ppt/slides/slide25.xml><?xml version="1.0" encoding="utf-8"?>
 <p:sld xmlns:a="http://schemas.openxmlformats.org/drawingml/2006/main" xmlns:r="http://schemas.openxmlformats.org/officeDocument/2006/relationships" xmlns:p="http://schemas.openxmlformats.org/presentationml/2006/main">
   <p:cSld>
     <p:bg>
@@ -7890,7 +12029,7 @@
         </p:blipFill>
         <p:spPr bwMode="auto">
           <a:xfrm>
-            <a:off x="186691" y="147175"/>
+            <a:off x="186689" y="167567"/>
             <a:ext cx="11818620" cy="6607955"/>
           </a:xfrm>
           <a:prstGeom prst="rect">
@@ -7908,91 +12047,269 @@
           </a:extLst>
         </p:spPr>
       </p:pic>
+      <p:pic>
+        <p:nvPicPr>
+          <p:cNvPr id="10" name="Picture 4" descr="사계 악보에 대한 이미지 검색결과">
+            <a:extLst>
+              <a:ext uri="{FF2B5EF4-FFF2-40B4-BE49-F238E27FC236}">
+                <a16:creationId xmlns:a16="http://schemas.microsoft.com/office/drawing/2014/main" id="{CC10FB00-A3E2-4CEE-B345-230411DE73C0}"/>
+              </a:ext>
+            </a:extLst>
+          </p:cNvPr>
+          <p:cNvPicPr>
+            <a:picLocks noChangeAspect="1" noChangeArrowheads="1"/>
+          </p:cNvPicPr>
+          <p:nvPr/>
+        </p:nvPicPr>
+        <p:blipFill>
+          <a:blip r:embed="rId3">
+            <a:extLst>
+              <a:ext uri="{28A0092B-C50C-407E-A947-70E740481C1C}">
+                <a14:useLocalDpi xmlns:a14="http://schemas.microsoft.com/office/drawing/2010/main" val="0"/>
+              </a:ext>
+            </a:extLst>
+          </a:blip>
+          <a:srcRect/>
+          <a:stretch>
+            <a:fillRect/>
+          </a:stretch>
+        </p:blipFill>
+        <p:spPr bwMode="auto">
+          <a:xfrm>
+            <a:off x="4867145" y="896059"/>
+            <a:ext cx="2668727" cy="3776253"/>
+          </a:xfrm>
+          <a:prstGeom prst="rect">
+            <a:avLst/>
+          </a:prstGeom>
+          <a:noFill/>
+          <a:extLst>
+            <a:ext uri="{909E8E84-426E-40DD-AFC4-6F175D3DCCD1}">
+              <a14:hiddenFill xmlns:a14="http://schemas.microsoft.com/office/drawing/2010/main">
+                <a:solidFill>
+                  <a:srgbClr val="FFFFFF"/>
+                </a:solidFill>
+              </a14:hiddenFill>
+            </a:ext>
+          </a:extLst>
+        </p:spPr>
+      </p:pic>
       <p:sp>
         <p:nvSpPr>
-          <p:cNvPr id="2" name="제목 1">
-            <a:extLst>
-              <a:ext uri="{FF2B5EF4-FFF2-40B4-BE49-F238E27FC236}">
-                <a16:creationId xmlns:a16="http://schemas.microsoft.com/office/drawing/2014/main" id="{F4DA903B-F5BB-4D83-AE5A-BC6DF2DEEB25}"/>
-              </a:ext>
-            </a:extLst>
-          </p:cNvPr>
-          <p:cNvSpPr>
-            <a:spLocks noGrp="1"/>
+          <p:cNvPr id="12" name="내용 개체 틀 2">
+            <a:extLst>
+              <a:ext uri="{FF2B5EF4-FFF2-40B4-BE49-F238E27FC236}">
+                <a16:creationId xmlns:a16="http://schemas.microsoft.com/office/drawing/2014/main" id="{77E78669-55E3-44A0-B9FB-D4B8E4182771}"/>
+              </a:ext>
+            </a:extLst>
+          </p:cNvPr>
+          <p:cNvSpPr txBox="1">
+            <a:spLocks/>
           </p:cNvSpPr>
-          <p:nvPr>
-            <p:ph type="title"/>
-          </p:nvPr>
+          <p:nvPr/>
         </p:nvSpPr>
         <p:spPr>
           <a:xfrm>
-            <a:off x="1375287" y="639445"/>
-            <a:ext cx="9441426" cy="1950372"/>
+            <a:off x="348028" y="5987860"/>
+            <a:ext cx="11495942" cy="702573"/>
           </a:xfrm>
+          <a:prstGeom prst="rect">
+            <a:avLst/>
+          </a:prstGeom>
+          <a:solidFill>
+            <a:schemeClr val="accent6">
+              <a:lumMod val="50000"/>
+              <a:alpha val="52000"/>
+            </a:schemeClr>
+          </a:solidFill>
+          <a:ln w="25400" cap="rnd" cmpd="dbl">
+            <a:solidFill>
+              <a:schemeClr val="accent6">
+                <a:lumMod val="40000"/>
+                <a:lumOff val="60000"/>
+              </a:schemeClr>
+            </a:solidFill>
+          </a:ln>
         </p:spPr>
         <p:txBody>
-          <a:bodyPr>
+          <a:bodyPr vert="horz" lIns="91440" tIns="45720" rIns="91440" bIns="45720" rtlCol="0" anchor="ctr">
             <a:normAutofit/>
           </a:bodyPr>
-          <a:lstStyle/>
+          <a:lstStyle>
+            <a:lvl1pPr marL="228600" indent="-228600" algn="l" defTabSz="914400" rtl="0" eaLnBrk="1" latinLnBrk="1" hangingPunct="1">
+              <a:lnSpc>
+                <a:spcPct val="90000"/>
+              </a:lnSpc>
+              <a:spcBef>
+                <a:spcPts val="1000"/>
+              </a:spcBef>
+              <a:buFont typeface="Arial" panose="020B0604020202020204" pitchFamily="34" charset="0"/>
+              <a:buChar char="•"/>
+              <a:defRPr sz="2800" kern="1200">
+                <a:solidFill>
+                  <a:schemeClr val="tx1"/>
+                </a:solidFill>
+                <a:latin typeface="+mn-lt"/>
+                <a:ea typeface="+mn-ea"/>
+                <a:cs typeface="+mn-cs"/>
+              </a:defRPr>
+            </a:lvl1pPr>
+            <a:lvl2pPr marL="685800" indent="-228600" algn="l" defTabSz="914400" rtl="0" eaLnBrk="1" latinLnBrk="1" hangingPunct="1">
+              <a:lnSpc>
+                <a:spcPct val="90000"/>
+              </a:lnSpc>
+              <a:spcBef>
+                <a:spcPts val="500"/>
+              </a:spcBef>
+              <a:buFont typeface="Arial" panose="020B0604020202020204" pitchFamily="34" charset="0"/>
+              <a:buChar char="•"/>
+              <a:defRPr sz="2400" kern="1200">
+                <a:solidFill>
+                  <a:schemeClr val="tx1"/>
+                </a:solidFill>
+                <a:latin typeface="+mn-lt"/>
+                <a:ea typeface="+mn-ea"/>
+                <a:cs typeface="+mn-cs"/>
+              </a:defRPr>
+            </a:lvl2pPr>
+            <a:lvl3pPr marL="1143000" indent="-228600" algn="l" defTabSz="914400" rtl="0" eaLnBrk="1" latinLnBrk="1" hangingPunct="1">
+              <a:lnSpc>
+                <a:spcPct val="90000"/>
+              </a:lnSpc>
+              <a:spcBef>
+                <a:spcPts val="500"/>
+              </a:spcBef>
+              <a:buFont typeface="Arial" panose="020B0604020202020204" pitchFamily="34" charset="0"/>
+              <a:buChar char="•"/>
+              <a:defRPr sz="2000" kern="1200">
+                <a:solidFill>
+                  <a:schemeClr val="tx1"/>
+                </a:solidFill>
+                <a:latin typeface="+mn-lt"/>
+                <a:ea typeface="+mn-ea"/>
+                <a:cs typeface="+mn-cs"/>
+              </a:defRPr>
+            </a:lvl3pPr>
+            <a:lvl4pPr marL="1600200" indent="-228600" algn="l" defTabSz="914400" rtl="0" eaLnBrk="1" latinLnBrk="1" hangingPunct="1">
+              <a:lnSpc>
+                <a:spcPct val="90000"/>
+              </a:lnSpc>
+              <a:spcBef>
+                <a:spcPts val="500"/>
+              </a:spcBef>
+              <a:buFont typeface="Arial" panose="020B0604020202020204" pitchFamily="34" charset="0"/>
+              <a:buChar char="•"/>
+              <a:defRPr sz="1800" kern="1200">
+                <a:solidFill>
+                  <a:schemeClr val="tx1"/>
+                </a:solidFill>
+                <a:latin typeface="+mn-lt"/>
+                <a:ea typeface="+mn-ea"/>
+                <a:cs typeface="+mn-cs"/>
+              </a:defRPr>
+            </a:lvl4pPr>
+            <a:lvl5pPr marL="2057400" indent="-228600" algn="l" defTabSz="914400" rtl="0" eaLnBrk="1" latinLnBrk="1" hangingPunct="1">
+              <a:lnSpc>
+                <a:spcPct val="90000"/>
+              </a:lnSpc>
+              <a:spcBef>
+                <a:spcPts val="500"/>
+              </a:spcBef>
+              <a:buFont typeface="Arial" panose="020B0604020202020204" pitchFamily="34" charset="0"/>
+              <a:buChar char="•"/>
+              <a:defRPr sz="1800" kern="1200">
+                <a:solidFill>
+                  <a:schemeClr val="tx1"/>
+                </a:solidFill>
+                <a:latin typeface="+mn-lt"/>
+                <a:ea typeface="+mn-ea"/>
+                <a:cs typeface="+mn-cs"/>
+              </a:defRPr>
+            </a:lvl5pPr>
+            <a:lvl6pPr marL="2514600" indent="-228600" algn="l" defTabSz="914400" rtl="0" eaLnBrk="1" latinLnBrk="1" hangingPunct="1">
+              <a:lnSpc>
+                <a:spcPct val="90000"/>
+              </a:lnSpc>
+              <a:spcBef>
+                <a:spcPts val="500"/>
+              </a:spcBef>
+              <a:buFont typeface="Arial" panose="020B0604020202020204" pitchFamily="34" charset="0"/>
+              <a:buChar char="•"/>
+              <a:defRPr sz="1800" kern="1200">
+                <a:solidFill>
+                  <a:schemeClr val="tx1"/>
+                </a:solidFill>
+                <a:latin typeface="+mn-lt"/>
+                <a:ea typeface="+mn-ea"/>
+                <a:cs typeface="+mn-cs"/>
+              </a:defRPr>
+            </a:lvl6pPr>
+            <a:lvl7pPr marL="2971800" indent="-228600" algn="l" defTabSz="914400" rtl="0" eaLnBrk="1" latinLnBrk="1" hangingPunct="1">
+              <a:lnSpc>
+                <a:spcPct val="90000"/>
+              </a:lnSpc>
+              <a:spcBef>
+                <a:spcPts val="500"/>
+              </a:spcBef>
+              <a:buFont typeface="Arial" panose="020B0604020202020204" pitchFamily="34" charset="0"/>
+              <a:buChar char="•"/>
+              <a:defRPr sz="1800" kern="1200">
+                <a:solidFill>
+                  <a:schemeClr val="tx1"/>
+                </a:solidFill>
+                <a:latin typeface="+mn-lt"/>
+                <a:ea typeface="+mn-ea"/>
+                <a:cs typeface="+mn-cs"/>
+              </a:defRPr>
+            </a:lvl7pPr>
+            <a:lvl8pPr marL="3429000" indent="-228600" algn="l" defTabSz="914400" rtl="0" eaLnBrk="1" latinLnBrk="1" hangingPunct="1">
+              <a:lnSpc>
+                <a:spcPct val="90000"/>
+              </a:lnSpc>
+              <a:spcBef>
+                <a:spcPts val="500"/>
+              </a:spcBef>
+              <a:buFont typeface="Arial" panose="020B0604020202020204" pitchFamily="34" charset="0"/>
+              <a:buChar char="•"/>
+              <a:defRPr sz="1800" kern="1200">
+                <a:solidFill>
+                  <a:schemeClr val="tx1"/>
+                </a:solidFill>
+                <a:latin typeface="+mn-lt"/>
+                <a:ea typeface="+mn-ea"/>
+                <a:cs typeface="+mn-cs"/>
+              </a:defRPr>
+            </a:lvl8pPr>
+            <a:lvl9pPr marL="3886200" indent="-228600" algn="l" defTabSz="914400" rtl="0" eaLnBrk="1" latinLnBrk="1" hangingPunct="1">
+              <a:lnSpc>
+                <a:spcPct val="90000"/>
+              </a:lnSpc>
+              <a:spcBef>
+                <a:spcPts val="500"/>
+              </a:spcBef>
+              <a:buFont typeface="Arial" panose="020B0604020202020204" pitchFamily="34" charset="0"/>
+              <a:buChar char="•"/>
+              <a:defRPr sz="1800" kern="1200">
+                <a:solidFill>
+                  <a:schemeClr val="tx1"/>
+                </a:solidFill>
+                <a:latin typeface="+mn-lt"/>
+                <a:ea typeface="+mn-ea"/>
+                <a:cs typeface="+mn-cs"/>
+              </a:defRPr>
+            </a:lvl9pPr>
+          </a:lstStyle>
           <a:p>
             <a:pPr algn="ctr"/>
             <a:r>
-              <a:rPr lang="ko-KR" altLang="en-US" sz="8800" b="1" dirty="0">
+              <a:rPr lang="ko-KR" altLang="en-US" sz="1800" b="1" dirty="0">
                 <a:solidFill>
                   <a:schemeClr val="bg1"/>
                 </a:solidFill>
               </a:rPr>
-              <a:t>음악 전공자</a:t>
-            </a:r>
-          </a:p>
-        </p:txBody>
-      </p:sp>
-      <p:sp>
-        <p:nvSpPr>
-          <p:cNvPr id="3" name="내용 개체 틀 2">
-            <a:extLst>
-              <a:ext uri="{FF2B5EF4-FFF2-40B4-BE49-F238E27FC236}">
-                <a16:creationId xmlns:a16="http://schemas.microsoft.com/office/drawing/2014/main" id="{8A1049E0-99DA-4EB3-9093-230AD26619E6}"/>
-              </a:ext>
-            </a:extLst>
-          </p:cNvPr>
-          <p:cNvSpPr>
-            <a:spLocks noGrp="1"/>
-          </p:cNvSpPr>
-          <p:nvPr>
-            <p:ph idx="1"/>
-          </p:nvPr>
-        </p:nvSpPr>
-        <p:spPr>
-          <a:xfrm>
-            <a:off x="240030" y="5633244"/>
-            <a:ext cx="11711940" cy="1170622"/>
-          </a:xfrm>
-        </p:spPr>
-        <p:txBody>
-          <a:bodyPr>
-            <a:normAutofit/>
-          </a:bodyPr>
-          <a:lstStyle/>
-          <a:p>
-            <a:r>
-              <a:rPr lang="ko-KR" altLang="en-US" sz="1800" b="1" dirty="0">
-                <a:solidFill>
-                  <a:schemeClr val="bg1"/>
-                </a:solidFill>
-              </a:rPr>
-              <a:t>음악을 전공하는 사람들이라면  클래식이란 장르를 전공하기에 기존의 악보가 대대로 기록되어 있어 악보를 구하기가 매우 간편합니다</a:t>
-            </a:r>
-            <a:r>
-              <a:rPr lang="en-US" altLang="ko-KR" sz="1800" b="1" dirty="0">
-                <a:solidFill>
-                  <a:schemeClr val="bg1"/>
-                </a:solidFill>
-              </a:rPr>
-              <a:t>.</a:t>
-            </a:r>
-            <a:endParaRPr lang="ko-KR" altLang="en-US" sz="1800" b="1" dirty="0">
+              <a:t>그리고 악기를 다루는 모든 사람들은 전부 악보를 보고 연주를 해야 하죠 </a:t>
+            </a:r>
+            <a:endParaRPr lang="en-US" altLang="ko-KR" sz="1800" b="1" dirty="0">
               <a:solidFill>
                 <a:schemeClr val="bg1"/>
               </a:solidFill>
@@ -8030,106 +12347,12 @@
           <a:chExt cx="0" cy="0"/>
         </a:xfrm>
       </p:grpSpPr>
-      <p:pic>
-        <p:nvPicPr>
-          <p:cNvPr id="3078" name="Picture 6" descr="마왕 악보에 대한 이미지 검색결과">
-            <a:extLst>
-              <a:ext uri="{FF2B5EF4-FFF2-40B4-BE49-F238E27FC236}">
-                <a16:creationId xmlns:a16="http://schemas.microsoft.com/office/drawing/2014/main" id="{86FDB4F0-1E72-43EC-AE23-66D3E3B69FC5}"/>
-              </a:ext>
-            </a:extLst>
-          </p:cNvPr>
-          <p:cNvPicPr>
-            <a:picLocks noChangeAspect="1" noChangeArrowheads="1"/>
-          </p:cNvPicPr>
-          <p:nvPr/>
-        </p:nvPicPr>
-        <p:blipFill>
-          <a:blip r:embed="rId2">
-            <a:extLst>
-              <a:ext uri="{28A0092B-C50C-407E-A947-70E740481C1C}">
-                <a14:useLocalDpi xmlns:a14="http://schemas.microsoft.com/office/drawing/2010/main" val="0"/>
-              </a:ext>
-            </a:extLst>
-          </a:blip>
-          <a:srcRect/>
-          <a:stretch>
-            <a:fillRect/>
-          </a:stretch>
-        </p:blipFill>
-        <p:spPr bwMode="auto">
-          <a:xfrm>
-            <a:off x="6284864" y="613917"/>
-            <a:ext cx="5729909" cy="4392930"/>
-          </a:xfrm>
-          <a:prstGeom prst="rect">
-            <a:avLst/>
-          </a:prstGeom>
-          <a:noFill/>
-          <a:extLst>
-            <a:ext uri="{909E8E84-426E-40DD-AFC4-6F175D3DCCD1}">
-              <a14:hiddenFill xmlns:a14="http://schemas.microsoft.com/office/drawing/2010/main">
-                <a:solidFill>
-                  <a:srgbClr val="FFFFFF"/>
-                </a:solidFill>
-              </a14:hiddenFill>
-            </a:ext>
-          </a:extLst>
-        </p:spPr>
-      </p:pic>
-      <p:pic>
-        <p:nvPicPr>
-          <p:cNvPr id="3076" name="Picture 4" descr="사계 악보에 대한 이미지 검색결과">
-            <a:extLst>
-              <a:ext uri="{FF2B5EF4-FFF2-40B4-BE49-F238E27FC236}">
-                <a16:creationId xmlns:a16="http://schemas.microsoft.com/office/drawing/2014/main" id="{E765A65D-D2D7-4FBD-9994-353C0D310537}"/>
-              </a:ext>
-            </a:extLst>
-          </p:cNvPr>
-          <p:cNvPicPr>
-            <a:picLocks noChangeAspect="1" noChangeArrowheads="1"/>
-          </p:cNvPicPr>
-          <p:nvPr/>
-        </p:nvPicPr>
-        <p:blipFill>
-          <a:blip r:embed="rId3">
-            <a:extLst>
-              <a:ext uri="{28A0092B-C50C-407E-A947-70E740481C1C}">
-                <a14:useLocalDpi xmlns:a14="http://schemas.microsoft.com/office/drawing/2010/main" val="0"/>
-              </a:ext>
-            </a:extLst>
-          </a:blip>
-          <a:srcRect/>
-          <a:stretch>
-            <a:fillRect/>
-          </a:stretch>
-        </p:blipFill>
-        <p:spPr bwMode="auto">
-          <a:xfrm>
-            <a:off x="1294449" y="6307"/>
-            <a:ext cx="3963352" cy="5608150"/>
-          </a:xfrm>
-          <a:prstGeom prst="rect">
-            <a:avLst/>
-          </a:prstGeom>
-          <a:noFill/>
-          <a:extLst>
-            <a:ext uri="{909E8E84-426E-40DD-AFC4-6F175D3DCCD1}">
-              <a14:hiddenFill xmlns:a14="http://schemas.microsoft.com/office/drawing/2010/main">
-                <a:solidFill>
-                  <a:srgbClr val="FFFFFF"/>
-                </a:solidFill>
-              </a14:hiddenFill>
-            </a:ext>
-          </a:extLst>
-        </p:spPr>
-      </p:pic>
       <p:sp>
         <p:nvSpPr>
-          <p:cNvPr id="3" name="내용 개체 틀 2">
-            <a:extLst>
-              <a:ext uri="{FF2B5EF4-FFF2-40B4-BE49-F238E27FC236}">
-                <a16:creationId xmlns:a16="http://schemas.microsoft.com/office/drawing/2014/main" id="{80CE5EA7-1E8D-425D-AEB3-353CC081365E}"/>
+          <p:cNvPr id="7" name="내용 개체 틀 2">
+            <a:extLst>
+              <a:ext uri="{FF2B5EF4-FFF2-40B4-BE49-F238E27FC236}">
+                <a16:creationId xmlns:a16="http://schemas.microsoft.com/office/drawing/2014/main" id="{1ADA44DC-28FE-42F8-A773-2BD20728A240}"/>
               </a:ext>
             </a:extLst>
           </p:cNvPr>
@@ -8142,71 +12365,126 @@
         </p:nvSpPr>
         <p:spPr>
           <a:xfrm>
-            <a:off x="390586" y="5813108"/>
-            <a:ext cx="11699814" cy="947910"/>
+            <a:off x="348028" y="5987860"/>
+            <a:ext cx="11495942" cy="702573"/>
           </a:xfrm>
+          <a:solidFill>
+            <a:schemeClr val="accent6">
+              <a:lumMod val="50000"/>
+              <a:alpha val="52000"/>
+            </a:schemeClr>
+          </a:solidFill>
+          <a:ln w="25400" cap="rnd" cmpd="dbl">
+            <a:solidFill>
+              <a:schemeClr val="accent6">
+                <a:lumMod val="40000"/>
+                <a:lumOff val="60000"/>
+              </a:schemeClr>
+            </a:solidFill>
+          </a:ln>
         </p:spPr>
         <p:txBody>
-          <a:bodyPr>
-            <a:normAutofit fontScale="92500"/>
+          <a:bodyPr anchor="ctr">
+            <a:normAutofit/>
           </a:bodyPr>
           <a:lstStyle/>
           <a:p>
-            <a:r>
-              <a:rPr lang="ko-KR" altLang="en-US" sz="1800" b="1" dirty="0"/>
-              <a:t>예를 든다면 전공자들의 악보 중 피아노의 경우 </a:t>
-            </a:r>
-            <a:r>
-              <a:rPr lang="en-US" altLang="ko-KR" sz="1800" b="1" dirty="0"/>
-              <a:t>“</a:t>
-            </a:r>
-            <a:r>
-              <a:rPr lang="ko-KR" altLang="en-US" sz="1800" b="1" dirty="0" err="1"/>
-              <a:t>체르니</a:t>
-            </a:r>
-            <a:r>
-              <a:rPr lang="en-US" altLang="ko-KR" sz="1800" b="1" dirty="0"/>
-              <a:t>” </a:t>
-            </a:r>
-            <a:r>
-              <a:rPr lang="ko-KR" altLang="en-US" sz="1800" b="1" dirty="0"/>
-              <a:t>가 가장 대표적입니다</a:t>
-            </a:r>
-            <a:r>
-              <a:rPr lang="en-US" altLang="ko-KR" sz="1800" b="1" dirty="0"/>
-              <a:t>.  </a:t>
-            </a:r>
-            <a:r>
-              <a:rPr lang="ko-KR" altLang="en-US" sz="1800" b="1" dirty="0"/>
-              <a:t>구글링을 하면 즉시 찾을 수 있죠</a:t>
-            </a:r>
-            <a:endParaRPr lang="en-US" altLang="ko-KR" sz="1800" b="1" dirty="0"/>
-          </a:p>
-          <a:p>
-            <a:r>
-              <a:rPr lang="ko-KR" altLang="en-US" sz="1800" b="1" dirty="0"/>
-              <a:t>하지만 생각해본다면 클래식이나 동요를 제외한 대중적인 가요같은 경우는 피아노의 악보를 찾기 매우 어렵습니다</a:t>
-            </a:r>
-            <a:r>
-              <a:rPr lang="en-US" altLang="ko-KR" sz="1800" b="1" dirty="0"/>
-              <a:t>. </a:t>
-            </a:r>
-            <a:r>
-              <a:rPr lang="ko-KR" altLang="en-US" sz="1800" b="1" dirty="0"/>
-              <a:t>또한 기존의 클래식 악보도 전부 종이로 제작되어 휴대성이 매우 떨어집니다</a:t>
-            </a:r>
-            <a:r>
-              <a:rPr lang="en-US" altLang="ko-KR" sz="1800" b="1" dirty="0"/>
-              <a:t>.</a:t>
-            </a:r>
-            <a:endParaRPr lang="ko-KR" altLang="en-US" sz="1800" b="1" dirty="0"/>
+            <a:pPr algn="ctr"/>
+            <a:r>
+              <a:rPr lang="ko-KR" altLang="en-US" sz="1800" b="1" dirty="0">
+                <a:solidFill>
+                  <a:schemeClr val="bg1"/>
+                </a:solidFill>
+              </a:rPr>
+              <a:t>하지만 원하는 곡에 악보가 없다면 어떻게 해야 될 까요</a:t>
+            </a:r>
+            <a:r>
+              <a:rPr lang="en-US" altLang="ko-KR" sz="1800" b="1" dirty="0">
+                <a:solidFill>
+                  <a:schemeClr val="bg1"/>
+                </a:solidFill>
+              </a:rPr>
+              <a:t>?</a:t>
+            </a:r>
           </a:p>
         </p:txBody>
       </p:sp>
+      <p:pic>
+        <p:nvPicPr>
+          <p:cNvPr id="3" name="그림 2">
+            <a:extLst>
+              <a:ext uri="{FF2B5EF4-FFF2-40B4-BE49-F238E27FC236}">
+                <a16:creationId xmlns:a16="http://schemas.microsoft.com/office/drawing/2014/main" id="{81977720-6FC6-4D31-B694-184C214648FD}"/>
+              </a:ext>
+            </a:extLst>
+          </p:cNvPr>
+          <p:cNvPicPr>
+            <a:picLocks noChangeAspect="1"/>
+          </p:cNvPicPr>
+          <p:nvPr/>
+        </p:nvPicPr>
+        <p:blipFill>
+          <a:blip r:embed="rId2"/>
+          <a:stretch>
+            <a:fillRect/>
+          </a:stretch>
+        </p:blipFill>
+        <p:spPr>
+          <a:xfrm>
+            <a:off x="4653225" y="709665"/>
+            <a:ext cx="4324997" cy="2319128"/>
+          </a:xfrm>
+          <a:prstGeom prst="rect">
+            <a:avLst/>
+          </a:prstGeom>
+          <a:scene3d>
+            <a:camera prst="orthographicFront">
+              <a:rot lat="0" lon="0" rev="20399999"/>
+            </a:camera>
+            <a:lightRig rig="threePt" dir="t"/>
+          </a:scene3d>
+        </p:spPr>
+      </p:pic>
+      <p:pic>
+        <p:nvPicPr>
+          <p:cNvPr id="4" name="그림 3">
+            <a:extLst>
+              <a:ext uri="{FF2B5EF4-FFF2-40B4-BE49-F238E27FC236}">
+                <a16:creationId xmlns:a16="http://schemas.microsoft.com/office/drawing/2014/main" id="{64483DE2-5483-4096-AC28-96F38A6B27D0}"/>
+              </a:ext>
+            </a:extLst>
+          </p:cNvPr>
+          <p:cNvPicPr>
+            <a:picLocks noChangeAspect="1"/>
+          </p:cNvPicPr>
+          <p:nvPr/>
+        </p:nvPicPr>
+        <p:blipFill>
+          <a:blip r:embed="rId3"/>
+          <a:stretch>
+            <a:fillRect/>
+          </a:stretch>
+        </p:blipFill>
+        <p:spPr>
+          <a:xfrm>
+            <a:off x="2878444" y="3389435"/>
+            <a:ext cx="3937279" cy="1968640"/>
+          </a:xfrm>
+          <a:prstGeom prst="rect">
+            <a:avLst/>
+          </a:prstGeom>
+          <a:scene3d>
+            <a:camera prst="orthographicFront">
+              <a:rot lat="0" lon="0" rev="20399999"/>
+            </a:camera>
+            <a:lightRig rig="threePt" dir="t"/>
+          </a:scene3d>
+        </p:spPr>
+      </p:pic>
     </p:spTree>
     <p:extLst>
       <p:ext uri="{BB962C8B-B14F-4D97-AF65-F5344CB8AC3E}">
-        <p14:creationId xmlns:p14="http://schemas.microsoft.com/office/powerpoint/2010/main" val="1156813161"/>
+        <p14:creationId xmlns:p14="http://schemas.microsoft.com/office/powerpoint/2010/main" val="641828367"/>
       </p:ext>
     </p:extLst>
   </p:cSld>
@@ -8365,52 +12643,232 @@
       </p:sp>
       <p:sp>
         <p:nvSpPr>
-          <p:cNvPr id="3" name="내용 개체 틀 2">
-            <a:extLst>
-              <a:ext uri="{FF2B5EF4-FFF2-40B4-BE49-F238E27FC236}">
-                <a16:creationId xmlns:a16="http://schemas.microsoft.com/office/drawing/2014/main" id="{D3E9C7C8-2A5C-4800-A5B1-BB96D6AFA4E6}"/>
-              </a:ext>
-            </a:extLst>
-          </p:cNvPr>
-          <p:cNvSpPr>
-            <a:spLocks noGrp="1"/>
+          <p:cNvPr id="7" name="내용 개체 틀 2">
+            <a:extLst>
+              <a:ext uri="{FF2B5EF4-FFF2-40B4-BE49-F238E27FC236}">
+                <a16:creationId xmlns:a16="http://schemas.microsoft.com/office/drawing/2014/main" id="{24A9D1D4-FD45-44B0-B1C0-EAAAB95628C8}"/>
+              </a:ext>
+            </a:extLst>
+          </p:cNvPr>
+          <p:cNvSpPr txBox="1">
+            <a:spLocks/>
           </p:cNvSpPr>
-          <p:nvPr>
-            <p:ph idx="1"/>
-          </p:nvPr>
+          <p:nvPr/>
         </p:nvSpPr>
         <p:spPr>
           <a:xfrm>
-            <a:off x="320040" y="6216073"/>
-            <a:ext cx="11551920" cy="498099"/>
+            <a:off x="348028" y="5987860"/>
+            <a:ext cx="11495942" cy="702573"/>
           </a:xfrm>
+          <a:prstGeom prst="rect">
+            <a:avLst/>
+          </a:prstGeom>
+          <a:solidFill>
+            <a:schemeClr val="accent6">
+              <a:lumMod val="50000"/>
+              <a:alpha val="52000"/>
+            </a:schemeClr>
+          </a:solidFill>
+          <a:ln w="25400" cap="rnd" cmpd="dbl">
+            <a:solidFill>
+              <a:schemeClr val="accent6">
+                <a:lumMod val="40000"/>
+                <a:lumOff val="60000"/>
+              </a:schemeClr>
+            </a:solidFill>
+          </a:ln>
         </p:spPr>
         <p:txBody>
-          <a:bodyPr>
+          <a:bodyPr vert="horz" lIns="91440" tIns="45720" rIns="91440" bIns="45720" rtlCol="0" anchor="ctr">
             <a:normAutofit/>
           </a:bodyPr>
-          <a:lstStyle/>
-          <a:p>
-            <a:r>
-              <a:rPr lang="ko-KR" altLang="en-US" sz="1800" b="1" dirty="0"/>
-              <a:t>사실상 자신이 원했던 장르의 악보를 구하려면 한음 씩 청음 </a:t>
-            </a:r>
+          <a:lstStyle>
+            <a:lvl1pPr marL="228600" indent="-228600" algn="l" defTabSz="914400" rtl="0" eaLnBrk="1" latinLnBrk="1" hangingPunct="1">
+              <a:lnSpc>
+                <a:spcPct val="90000"/>
+              </a:lnSpc>
+              <a:spcBef>
+                <a:spcPts val="1000"/>
+              </a:spcBef>
+              <a:buFont typeface="Arial" panose="020B0604020202020204" pitchFamily="34" charset="0"/>
+              <a:buChar char="•"/>
+              <a:defRPr sz="2800" kern="1200">
+                <a:solidFill>
+                  <a:schemeClr val="tx1"/>
+                </a:solidFill>
+                <a:latin typeface="+mn-lt"/>
+                <a:ea typeface="+mn-ea"/>
+                <a:cs typeface="+mn-cs"/>
+              </a:defRPr>
+            </a:lvl1pPr>
+            <a:lvl2pPr marL="685800" indent="-228600" algn="l" defTabSz="914400" rtl="0" eaLnBrk="1" latinLnBrk="1" hangingPunct="1">
+              <a:lnSpc>
+                <a:spcPct val="90000"/>
+              </a:lnSpc>
+              <a:spcBef>
+                <a:spcPts val="500"/>
+              </a:spcBef>
+              <a:buFont typeface="Arial" panose="020B0604020202020204" pitchFamily="34" charset="0"/>
+              <a:buChar char="•"/>
+              <a:defRPr sz="2400" kern="1200">
+                <a:solidFill>
+                  <a:schemeClr val="tx1"/>
+                </a:solidFill>
+                <a:latin typeface="+mn-lt"/>
+                <a:ea typeface="+mn-ea"/>
+                <a:cs typeface="+mn-cs"/>
+              </a:defRPr>
+            </a:lvl2pPr>
+            <a:lvl3pPr marL="1143000" indent="-228600" algn="l" defTabSz="914400" rtl="0" eaLnBrk="1" latinLnBrk="1" hangingPunct="1">
+              <a:lnSpc>
+                <a:spcPct val="90000"/>
+              </a:lnSpc>
+              <a:spcBef>
+                <a:spcPts val="500"/>
+              </a:spcBef>
+              <a:buFont typeface="Arial" panose="020B0604020202020204" pitchFamily="34" charset="0"/>
+              <a:buChar char="•"/>
+              <a:defRPr sz="2000" kern="1200">
+                <a:solidFill>
+                  <a:schemeClr val="tx1"/>
+                </a:solidFill>
+                <a:latin typeface="+mn-lt"/>
+                <a:ea typeface="+mn-ea"/>
+                <a:cs typeface="+mn-cs"/>
+              </a:defRPr>
+            </a:lvl3pPr>
+            <a:lvl4pPr marL="1600200" indent="-228600" algn="l" defTabSz="914400" rtl="0" eaLnBrk="1" latinLnBrk="1" hangingPunct="1">
+              <a:lnSpc>
+                <a:spcPct val="90000"/>
+              </a:lnSpc>
+              <a:spcBef>
+                <a:spcPts val="500"/>
+              </a:spcBef>
+              <a:buFont typeface="Arial" panose="020B0604020202020204" pitchFamily="34" charset="0"/>
+              <a:buChar char="•"/>
+              <a:defRPr sz="1800" kern="1200">
+                <a:solidFill>
+                  <a:schemeClr val="tx1"/>
+                </a:solidFill>
+                <a:latin typeface="+mn-lt"/>
+                <a:ea typeface="+mn-ea"/>
+                <a:cs typeface="+mn-cs"/>
+              </a:defRPr>
+            </a:lvl4pPr>
+            <a:lvl5pPr marL="2057400" indent="-228600" algn="l" defTabSz="914400" rtl="0" eaLnBrk="1" latinLnBrk="1" hangingPunct="1">
+              <a:lnSpc>
+                <a:spcPct val="90000"/>
+              </a:lnSpc>
+              <a:spcBef>
+                <a:spcPts val="500"/>
+              </a:spcBef>
+              <a:buFont typeface="Arial" panose="020B0604020202020204" pitchFamily="34" charset="0"/>
+              <a:buChar char="•"/>
+              <a:defRPr sz="1800" kern="1200">
+                <a:solidFill>
+                  <a:schemeClr val="tx1"/>
+                </a:solidFill>
+                <a:latin typeface="+mn-lt"/>
+                <a:ea typeface="+mn-ea"/>
+                <a:cs typeface="+mn-cs"/>
+              </a:defRPr>
+            </a:lvl5pPr>
+            <a:lvl6pPr marL="2514600" indent="-228600" algn="l" defTabSz="914400" rtl="0" eaLnBrk="1" latinLnBrk="1" hangingPunct="1">
+              <a:lnSpc>
+                <a:spcPct val="90000"/>
+              </a:lnSpc>
+              <a:spcBef>
+                <a:spcPts val="500"/>
+              </a:spcBef>
+              <a:buFont typeface="Arial" panose="020B0604020202020204" pitchFamily="34" charset="0"/>
+              <a:buChar char="•"/>
+              <a:defRPr sz="1800" kern="1200">
+                <a:solidFill>
+                  <a:schemeClr val="tx1"/>
+                </a:solidFill>
+                <a:latin typeface="+mn-lt"/>
+                <a:ea typeface="+mn-ea"/>
+                <a:cs typeface="+mn-cs"/>
+              </a:defRPr>
+            </a:lvl6pPr>
+            <a:lvl7pPr marL="2971800" indent="-228600" algn="l" defTabSz="914400" rtl="0" eaLnBrk="1" latinLnBrk="1" hangingPunct="1">
+              <a:lnSpc>
+                <a:spcPct val="90000"/>
+              </a:lnSpc>
+              <a:spcBef>
+                <a:spcPts val="500"/>
+              </a:spcBef>
+              <a:buFont typeface="Arial" panose="020B0604020202020204" pitchFamily="34" charset="0"/>
+              <a:buChar char="•"/>
+              <a:defRPr sz="1800" kern="1200">
+                <a:solidFill>
+                  <a:schemeClr val="tx1"/>
+                </a:solidFill>
+                <a:latin typeface="+mn-lt"/>
+                <a:ea typeface="+mn-ea"/>
+                <a:cs typeface="+mn-cs"/>
+              </a:defRPr>
+            </a:lvl7pPr>
+            <a:lvl8pPr marL="3429000" indent="-228600" algn="l" defTabSz="914400" rtl="0" eaLnBrk="1" latinLnBrk="1" hangingPunct="1">
+              <a:lnSpc>
+                <a:spcPct val="90000"/>
+              </a:lnSpc>
+              <a:spcBef>
+                <a:spcPts val="500"/>
+              </a:spcBef>
+              <a:buFont typeface="Arial" panose="020B0604020202020204" pitchFamily="34" charset="0"/>
+              <a:buChar char="•"/>
+              <a:defRPr sz="1800" kern="1200">
+                <a:solidFill>
+                  <a:schemeClr val="tx1"/>
+                </a:solidFill>
+                <a:latin typeface="+mn-lt"/>
+                <a:ea typeface="+mn-ea"/>
+                <a:cs typeface="+mn-cs"/>
+              </a:defRPr>
+            </a:lvl8pPr>
+            <a:lvl9pPr marL="3886200" indent="-228600" algn="l" defTabSz="914400" rtl="0" eaLnBrk="1" latinLnBrk="1" hangingPunct="1">
+              <a:lnSpc>
+                <a:spcPct val="90000"/>
+              </a:lnSpc>
+              <a:spcBef>
+                <a:spcPts val="500"/>
+              </a:spcBef>
+              <a:buFont typeface="Arial" panose="020B0604020202020204" pitchFamily="34" charset="0"/>
+              <a:buChar char="•"/>
+              <a:defRPr sz="1800" kern="1200">
+                <a:solidFill>
+                  <a:schemeClr val="tx1"/>
+                </a:solidFill>
+                <a:latin typeface="+mn-lt"/>
+                <a:ea typeface="+mn-ea"/>
+                <a:cs typeface="+mn-cs"/>
+              </a:defRPr>
+            </a:lvl9pPr>
+          </a:lstStyle>
+          <a:p>
+            <a:pPr algn="ctr"/>
             <a:r>
               <a:rPr lang="ko-KR" altLang="en-US" sz="1800" b="1" dirty="0">
                 <a:solidFill>
                   <a:schemeClr val="bg1"/>
                 </a:solidFill>
               </a:rPr>
-              <a:t>하여 본인이 스스로 악보를 제작해야 합니다</a:t>
-            </a:r>
-            <a:r>
-              <a:rPr lang="en-US" altLang="ko-KR" sz="1800" b="1" dirty="0"/>
+              <a:t>음악을 전공한 사람들은 원하는 곡을 한 음 한 음 청음 하여 스스로 악보를 제작해야 합니다</a:t>
+            </a:r>
+            <a:r>
+              <a:rPr lang="en-US" altLang="ko-KR" sz="1800" b="1" dirty="0">
+                <a:solidFill>
+                  <a:schemeClr val="bg1"/>
+                </a:solidFill>
+              </a:rPr>
               <a:t>. </a:t>
             </a:r>
-            <a:endParaRPr lang="ko-KR" altLang="en-US" sz="1800" b="1" dirty="0"/>
-          </a:p>
-          <a:p>
-            <a:endParaRPr lang="ko-KR" altLang="en-US" sz="1800" b="1" dirty="0"/>
+            <a:endParaRPr lang="ko-KR" altLang="en-US" sz="1800" b="1" dirty="0">
+              <a:solidFill>
+                <a:schemeClr val="bg1"/>
+              </a:solidFill>
+            </a:endParaRPr>
           </a:p>
         </p:txBody>
       </p:sp>
@@ -8589,39 +13047,218 @@
       </p:sp>
       <p:sp>
         <p:nvSpPr>
-          <p:cNvPr id="3" name="내용 개체 틀 2">
-            <a:extLst>
-              <a:ext uri="{FF2B5EF4-FFF2-40B4-BE49-F238E27FC236}">
-                <a16:creationId xmlns:a16="http://schemas.microsoft.com/office/drawing/2014/main" id="{F9EB23AB-5610-4BAB-B0A8-B42E7173A387}"/>
-              </a:ext>
-            </a:extLst>
-          </p:cNvPr>
-          <p:cNvSpPr>
-            <a:spLocks noGrp="1"/>
+          <p:cNvPr id="7" name="내용 개체 틀 2">
+            <a:extLst>
+              <a:ext uri="{FF2B5EF4-FFF2-40B4-BE49-F238E27FC236}">
+                <a16:creationId xmlns:a16="http://schemas.microsoft.com/office/drawing/2014/main" id="{5A589118-CE44-4663-833B-FEECD43B7410}"/>
+              </a:ext>
+            </a:extLst>
+          </p:cNvPr>
+          <p:cNvSpPr txBox="1">
+            <a:spLocks/>
           </p:cNvSpPr>
-          <p:nvPr>
-            <p:ph idx="1"/>
-          </p:nvPr>
+          <p:nvPr/>
         </p:nvSpPr>
         <p:spPr>
           <a:xfrm>
-            <a:off x="838200" y="5875337"/>
-            <a:ext cx="10515600" cy="830263"/>
+            <a:off x="348028" y="5987860"/>
+            <a:ext cx="11495942" cy="702573"/>
           </a:xfrm>
+          <a:prstGeom prst="rect">
+            <a:avLst/>
+          </a:prstGeom>
+          <a:solidFill>
+            <a:schemeClr val="accent6">
+              <a:lumMod val="50000"/>
+              <a:alpha val="52000"/>
+            </a:schemeClr>
+          </a:solidFill>
+          <a:ln w="25400" cap="rnd" cmpd="dbl">
+            <a:solidFill>
+              <a:schemeClr val="accent6">
+                <a:lumMod val="40000"/>
+                <a:lumOff val="60000"/>
+              </a:schemeClr>
+            </a:solidFill>
+          </a:ln>
         </p:spPr>
         <p:txBody>
-          <a:bodyPr>
+          <a:bodyPr vert="horz" lIns="91440" tIns="45720" rIns="91440" bIns="45720" rtlCol="0" anchor="ctr">
             <a:normAutofit lnSpcReduction="10000"/>
           </a:bodyPr>
-          <a:lstStyle/>
-          <a:p>
+          <a:lstStyle>
+            <a:lvl1pPr marL="228600" indent="-228600" algn="l" defTabSz="914400" rtl="0" eaLnBrk="1" latinLnBrk="1" hangingPunct="1">
+              <a:lnSpc>
+                <a:spcPct val="90000"/>
+              </a:lnSpc>
+              <a:spcBef>
+                <a:spcPts val="1000"/>
+              </a:spcBef>
+              <a:buFont typeface="Arial" panose="020B0604020202020204" pitchFamily="34" charset="0"/>
+              <a:buChar char="•"/>
+              <a:defRPr sz="2800" kern="1200">
+                <a:solidFill>
+                  <a:schemeClr val="tx1"/>
+                </a:solidFill>
+                <a:latin typeface="+mn-lt"/>
+                <a:ea typeface="+mn-ea"/>
+                <a:cs typeface="+mn-cs"/>
+              </a:defRPr>
+            </a:lvl1pPr>
+            <a:lvl2pPr marL="685800" indent="-228600" algn="l" defTabSz="914400" rtl="0" eaLnBrk="1" latinLnBrk="1" hangingPunct="1">
+              <a:lnSpc>
+                <a:spcPct val="90000"/>
+              </a:lnSpc>
+              <a:spcBef>
+                <a:spcPts val="500"/>
+              </a:spcBef>
+              <a:buFont typeface="Arial" panose="020B0604020202020204" pitchFamily="34" charset="0"/>
+              <a:buChar char="•"/>
+              <a:defRPr sz="2400" kern="1200">
+                <a:solidFill>
+                  <a:schemeClr val="tx1"/>
+                </a:solidFill>
+                <a:latin typeface="+mn-lt"/>
+                <a:ea typeface="+mn-ea"/>
+                <a:cs typeface="+mn-cs"/>
+              </a:defRPr>
+            </a:lvl2pPr>
+            <a:lvl3pPr marL="1143000" indent="-228600" algn="l" defTabSz="914400" rtl="0" eaLnBrk="1" latinLnBrk="1" hangingPunct="1">
+              <a:lnSpc>
+                <a:spcPct val="90000"/>
+              </a:lnSpc>
+              <a:spcBef>
+                <a:spcPts val="500"/>
+              </a:spcBef>
+              <a:buFont typeface="Arial" panose="020B0604020202020204" pitchFamily="34" charset="0"/>
+              <a:buChar char="•"/>
+              <a:defRPr sz="2000" kern="1200">
+                <a:solidFill>
+                  <a:schemeClr val="tx1"/>
+                </a:solidFill>
+                <a:latin typeface="+mn-lt"/>
+                <a:ea typeface="+mn-ea"/>
+                <a:cs typeface="+mn-cs"/>
+              </a:defRPr>
+            </a:lvl3pPr>
+            <a:lvl4pPr marL="1600200" indent="-228600" algn="l" defTabSz="914400" rtl="0" eaLnBrk="1" latinLnBrk="1" hangingPunct="1">
+              <a:lnSpc>
+                <a:spcPct val="90000"/>
+              </a:lnSpc>
+              <a:spcBef>
+                <a:spcPts val="500"/>
+              </a:spcBef>
+              <a:buFont typeface="Arial" panose="020B0604020202020204" pitchFamily="34" charset="0"/>
+              <a:buChar char="•"/>
+              <a:defRPr sz="1800" kern="1200">
+                <a:solidFill>
+                  <a:schemeClr val="tx1"/>
+                </a:solidFill>
+                <a:latin typeface="+mn-lt"/>
+                <a:ea typeface="+mn-ea"/>
+                <a:cs typeface="+mn-cs"/>
+              </a:defRPr>
+            </a:lvl4pPr>
+            <a:lvl5pPr marL="2057400" indent="-228600" algn="l" defTabSz="914400" rtl="0" eaLnBrk="1" latinLnBrk="1" hangingPunct="1">
+              <a:lnSpc>
+                <a:spcPct val="90000"/>
+              </a:lnSpc>
+              <a:spcBef>
+                <a:spcPts val="500"/>
+              </a:spcBef>
+              <a:buFont typeface="Arial" panose="020B0604020202020204" pitchFamily="34" charset="0"/>
+              <a:buChar char="•"/>
+              <a:defRPr sz="1800" kern="1200">
+                <a:solidFill>
+                  <a:schemeClr val="tx1"/>
+                </a:solidFill>
+                <a:latin typeface="+mn-lt"/>
+                <a:ea typeface="+mn-ea"/>
+                <a:cs typeface="+mn-cs"/>
+              </a:defRPr>
+            </a:lvl5pPr>
+            <a:lvl6pPr marL="2514600" indent="-228600" algn="l" defTabSz="914400" rtl="0" eaLnBrk="1" latinLnBrk="1" hangingPunct="1">
+              <a:lnSpc>
+                <a:spcPct val="90000"/>
+              </a:lnSpc>
+              <a:spcBef>
+                <a:spcPts val="500"/>
+              </a:spcBef>
+              <a:buFont typeface="Arial" panose="020B0604020202020204" pitchFamily="34" charset="0"/>
+              <a:buChar char="•"/>
+              <a:defRPr sz="1800" kern="1200">
+                <a:solidFill>
+                  <a:schemeClr val="tx1"/>
+                </a:solidFill>
+                <a:latin typeface="+mn-lt"/>
+                <a:ea typeface="+mn-ea"/>
+                <a:cs typeface="+mn-cs"/>
+              </a:defRPr>
+            </a:lvl6pPr>
+            <a:lvl7pPr marL="2971800" indent="-228600" algn="l" defTabSz="914400" rtl="0" eaLnBrk="1" latinLnBrk="1" hangingPunct="1">
+              <a:lnSpc>
+                <a:spcPct val="90000"/>
+              </a:lnSpc>
+              <a:spcBef>
+                <a:spcPts val="500"/>
+              </a:spcBef>
+              <a:buFont typeface="Arial" panose="020B0604020202020204" pitchFamily="34" charset="0"/>
+              <a:buChar char="•"/>
+              <a:defRPr sz="1800" kern="1200">
+                <a:solidFill>
+                  <a:schemeClr val="tx1"/>
+                </a:solidFill>
+                <a:latin typeface="+mn-lt"/>
+                <a:ea typeface="+mn-ea"/>
+                <a:cs typeface="+mn-cs"/>
+              </a:defRPr>
+            </a:lvl7pPr>
+            <a:lvl8pPr marL="3429000" indent="-228600" algn="l" defTabSz="914400" rtl="0" eaLnBrk="1" latinLnBrk="1" hangingPunct="1">
+              <a:lnSpc>
+                <a:spcPct val="90000"/>
+              </a:lnSpc>
+              <a:spcBef>
+                <a:spcPts val="500"/>
+              </a:spcBef>
+              <a:buFont typeface="Arial" panose="020B0604020202020204" pitchFamily="34" charset="0"/>
+              <a:buChar char="•"/>
+              <a:defRPr sz="1800" kern="1200">
+                <a:solidFill>
+                  <a:schemeClr val="tx1"/>
+                </a:solidFill>
+                <a:latin typeface="+mn-lt"/>
+                <a:ea typeface="+mn-ea"/>
+                <a:cs typeface="+mn-cs"/>
+              </a:defRPr>
+            </a:lvl8pPr>
+            <a:lvl9pPr marL="3886200" indent="-228600" algn="l" defTabSz="914400" rtl="0" eaLnBrk="1" latinLnBrk="1" hangingPunct="1">
+              <a:lnSpc>
+                <a:spcPct val="90000"/>
+              </a:lnSpc>
+              <a:spcBef>
+                <a:spcPts val="500"/>
+              </a:spcBef>
+              <a:buFont typeface="Arial" panose="020B0604020202020204" pitchFamily="34" charset="0"/>
+              <a:buChar char="•"/>
+              <a:defRPr sz="1800" kern="1200">
+                <a:solidFill>
+                  <a:schemeClr val="tx1"/>
+                </a:solidFill>
+                <a:latin typeface="+mn-lt"/>
+                <a:ea typeface="+mn-ea"/>
+                <a:cs typeface="+mn-cs"/>
+              </a:defRPr>
+            </a:lvl9pPr>
+          </a:lstStyle>
+          <a:p>
+            <a:pPr algn="ctr"/>
             <a:r>
               <a:rPr lang="ko-KR" altLang="en-US" sz="1800" b="1" dirty="0">
                 <a:solidFill>
                   <a:schemeClr val="bg1"/>
                 </a:solidFill>
               </a:rPr>
-              <a:t>하지만 비전공자는 상황이 다릅니다</a:t>
+              <a:t>그렇다면 음악을 전공하지 않은 사람들은 악보가 없을 때 어떻게 해야 될까요</a:t>
             </a:r>
             <a:r>
               <a:rPr lang="en-US" altLang="ko-KR" sz="1800" b="1" dirty="0">
@@ -8629,31 +13266,18 @@
                   <a:schemeClr val="bg1"/>
                 </a:solidFill>
               </a:rPr>
-              <a:t>. </a:t>
-            </a:r>
+              <a:t>?</a:t>
+            </a:r>
+          </a:p>
+          <a:p>
+            <a:pPr algn="ctr"/>
             <a:r>
               <a:rPr lang="ko-KR" altLang="en-US" sz="1800" b="1" dirty="0">
                 <a:solidFill>
                   <a:schemeClr val="bg1"/>
                 </a:solidFill>
               </a:rPr>
-              <a:t>그들은 클래식이 아니라 일반대중들이 좋아하는 가요같은 장르를 연주하기때문에 악보가 희소하며 구하기도 쉽지 않습니다</a:t>
-            </a:r>
-            <a:r>
-              <a:rPr lang="en-US" altLang="ko-KR" sz="1800" b="1" dirty="0">
-                <a:solidFill>
-                  <a:schemeClr val="bg1"/>
-                </a:solidFill>
-              </a:rPr>
-              <a:t>. </a:t>
-            </a:r>
-            <a:r>
-              <a:rPr lang="ko-KR" altLang="en-US" sz="1800" b="1" dirty="0">
-                <a:solidFill>
-                  <a:schemeClr val="bg1"/>
-                </a:solidFill>
-              </a:rPr>
-              <a:t>그리고 전공자 처럼 청음 하여 악보를 제작할 수 없다</a:t>
+              <a:t>그들은 음악을 전공한 사람들처럼 곡을 청음 하여 악보를 제작 할 수 없습니다</a:t>
             </a:r>
             <a:r>
               <a:rPr lang="en-US" altLang="ko-KR" sz="1800" b="1" dirty="0">
@@ -8901,7 +13525,7 @@
         </p:nvSpPr>
         <p:spPr>
           <a:xfrm>
-            <a:off x="1524000" y="1122362"/>
+            <a:off x="1457960" y="1269380"/>
             <a:ext cx="9144000" cy="2840037"/>
           </a:xfrm>
         </p:spPr>
@@ -8913,7 +13537,7 @@
           <a:p>
             <a:pPr algn="ctr" latinLnBrk="0"/>
             <a:r>
-              <a:rPr lang="ko-KR" altLang="en-US" sz="5800" kern="1200">
+              <a:rPr lang="ko-KR" altLang="en-US" sz="5800" kern="1200" dirty="0" err="1">
                 <a:solidFill>
                   <a:schemeClr val="tx1"/>
                 </a:solidFill>
@@ -8924,18 +13548,11 @@
               <a:t>불</a:t>
             </a:r>
             <a:r>
-              <a:rPr lang="en-US" altLang="ko-KR" sz="5800" kern="1200">
-                <a:solidFill>
-                  <a:schemeClr val="tx1"/>
-                </a:solidFill>
-                <a:latin typeface="+mj-lt"/>
-                <a:ea typeface="+mj-ea"/>
-                <a:cs typeface="+mj-cs"/>
-              </a:rPr>
-              <a:t>---</a:t>
-            </a:r>
-            <a:r>
-              <a:rPr lang="ko-KR" altLang="en-US" sz="5800" kern="1200">
+              <a:rPr lang="ko-KR" altLang="en-US" sz="5800" dirty="0" err="1"/>
+              <a:t>ㅡㅡㅡ</a:t>
+            </a:r>
+            <a:r>
+              <a:rPr lang="ko-KR" altLang="en-US" sz="5800" kern="1200" dirty="0" err="1">
                 <a:solidFill>
                   <a:schemeClr val="tx1"/>
                 </a:solidFill>
@@ -8945,47 +13562,229 @@
               </a:rPr>
               <a:t>편</a:t>
             </a:r>
+            <a:endParaRPr lang="ko-KR" altLang="en-US" sz="5800" kern="1200" dirty="0">
+              <a:solidFill>
+                <a:schemeClr val="tx1"/>
+              </a:solidFill>
+              <a:latin typeface="+mj-lt"/>
+              <a:ea typeface="+mj-ea"/>
+              <a:cs typeface="+mj-cs"/>
+            </a:endParaRPr>
           </a:p>
         </p:txBody>
       </p:sp>
       <p:sp>
         <p:nvSpPr>
-          <p:cNvPr id="4" name="TextBox 3">
-            <a:extLst>
-              <a:ext uri="{FF2B5EF4-FFF2-40B4-BE49-F238E27FC236}">
-                <a16:creationId xmlns:a16="http://schemas.microsoft.com/office/drawing/2014/main" id="{63B7C839-0D67-4A4D-A02B-95EC32E99973}"/>
-              </a:ext>
-            </a:extLst>
-          </p:cNvPr>
-          <p:cNvSpPr txBox="1"/>
+          <p:cNvPr id="12" name="내용 개체 틀 2">
+            <a:extLst>
+              <a:ext uri="{FF2B5EF4-FFF2-40B4-BE49-F238E27FC236}">
+                <a16:creationId xmlns:a16="http://schemas.microsoft.com/office/drawing/2014/main" id="{FD9877E4-C3F2-4DAB-BA8F-9ABAC6D7F894}"/>
+              </a:ext>
+            </a:extLst>
+          </p:cNvPr>
+          <p:cNvSpPr txBox="1">
+            <a:spLocks/>
+          </p:cNvSpPr>
           <p:nvPr/>
         </p:nvSpPr>
         <p:spPr>
           <a:xfrm>
-            <a:off x="2015924" y="5960311"/>
-            <a:ext cx="8160151" cy="369332"/>
+            <a:off x="637442" y="5742440"/>
+            <a:ext cx="10964008" cy="702573"/>
           </a:xfrm>
           <a:prstGeom prst="rect">
             <a:avLst/>
           </a:prstGeom>
-          <a:noFill/>
+          <a:solidFill>
+            <a:schemeClr val="accent6">
+              <a:lumMod val="50000"/>
+              <a:alpha val="52000"/>
+            </a:schemeClr>
+          </a:solidFill>
+          <a:ln w="25400" cap="rnd" cmpd="dbl">
+            <a:solidFill>
+              <a:schemeClr val="accent6">
+                <a:lumMod val="40000"/>
+                <a:lumOff val="60000"/>
+              </a:schemeClr>
+            </a:solidFill>
+          </a:ln>
         </p:spPr>
         <p:txBody>
-          <a:bodyPr wrap="square" rtlCol="0">
-            <a:spAutoFit/>
+          <a:bodyPr vert="horz" lIns="91440" tIns="45720" rIns="91440" bIns="45720" rtlCol="0" anchor="ctr">
+            <a:normAutofit/>
           </a:bodyPr>
-          <a:lstStyle/>
+          <a:lstStyle>
+            <a:lvl1pPr marL="228600" indent="-228600" algn="l" defTabSz="914400" rtl="0" eaLnBrk="1" latinLnBrk="1" hangingPunct="1">
+              <a:lnSpc>
+                <a:spcPct val="90000"/>
+              </a:lnSpc>
+              <a:spcBef>
+                <a:spcPts val="1000"/>
+              </a:spcBef>
+              <a:buFont typeface="Arial" panose="020B0604020202020204" pitchFamily="34" charset="0"/>
+              <a:buChar char="•"/>
+              <a:defRPr sz="2800" kern="1200">
+                <a:solidFill>
+                  <a:schemeClr val="tx1"/>
+                </a:solidFill>
+                <a:latin typeface="+mn-lt"/>
+                <a:ea typeface="+mn-ea"/>
+                <a:cs typeface="+mn-cs"/>
+              </a:defRPr>
+            </a:lvl1pPr>
+            <a:lvl2pPr marL="685800" indent="-228600" algn="l" defTabSz="914400" rtl="0" eaLnBrk="1" latinLnBrk="1" hangingPunct="1">
+              <a:lnSpc>
+                <a:spcPct val="90000"/>
+              </a:lnSpc>
+              <a:spcBef>
+                <a:spcPts val="500"/>
+              </a:spcBef>
+              <a:buFont typeface="Arial" panose="020B0604020202020204" pitchFamily="34" charset="0"/>
+              <a:buChar char="•"/>
+              <a:defRPr sz="2400" kern="1200">
+                <a:solidFill>
+                  <a:schemeClr val="tx1"/>
+                </a:solidFill>
+                <a:latin typeface="+mn-lt"/>
+                <a:ea typeface="+mn-ea"/>
+                <a:cs typeface="+mn-cs"/>
+              </a:defRPr>
+            </a:lvl2pPr>
+            <a:lvl3pPr marL="1143000" indent="-228600" algn="l" defTabSz="914400" rtl="0" eaLnBrk="1" latinLnBrk="1" hangingPunct="1">
+              <a:lnSpc>
+                <a:spcPct val="90000"/>
+              </a:lnSpc>
+              <a:spcBef>
+                <a:spcPts val="500"/>
+              </a:spcBef>
+              <a:buFont typeface="Arial" panose="020B0604020202020204" pitchFamily="34" charset="0"/>
+              <a:buChar char="•"/>
+              <a:defRPr sz="2000" kern="1200">
+                <a:solidFill>
+                  <a:schemeClr val="tx1"/>
+                </a:solidFill>
+                <a:latin typeface="+mn-lt"/>
+                <a:ea typeface="+mn-ea"/>
+                <a:cs typeface="+mn-cs"/>
+              </a:defRPr>
+            </a:lvl3pPr>
+            <a:lvl4pPr marL="1600200" indent="-228600" algn="l" defTabSz="914400" rtl="0" eaLnBrk="1" latinLnBrk="1" hangingPunct="1">
+              <a:lnSpc>
+                <a:spcPct val="90000"/>
+              </a:lnSpc>
+              <a:spcBef>
+                <a:spcPts val="500"/>
+              </a:spcBef>
+              <a:buFont typeface="Arial" panose="020B0604020202020204" pitchFamily="34" charset="0"/>
+              <a:buChar char="•"/>
+              <a:defRPr sz="1800" kern="1200">
+                <a:solidFill>
+                  <a:schemeClr val="tx1"/>
+                </a:solidFill>
+                <a:latin typeface="+mn-lt"/>
+                <a:ea typeface="+mn-ea"/>
+                <a:cs typeface="+mn-cs"/>
+              </a:defRPr>
+            </a:lvl4pPr>
+            <a:lvl5pPr marL="2057400" indent="-228600" algn="l" defTabSz="914400" rtl="0" eaLnBrk="1" latinLnBrk="1" hangingPunct="1">
+              <a:lnSpc>
+                <a:spcPct val="90000"/>
+              </a:lnSpc>
+              <a:spcBef>
+                <a:spcPts val="500"/>
+              </a:spcBef>
+              <a:buFont typeface="Arial" panose="020B0604020202020204" pitchFamily="34" charset="0"/>
+              <a:buChar char="•"/>
+              <a:defRPr sz="1800" kern="1200">
+                <a:solidFill>
+                  <a:schemeClr val="tx1"/>
+                </a:solidFill>
+                <a:latin typeface="+mn-lt"/>
+                <a:ea typeface="+mn-ea"/>
+                <a:cs typeface="+mn-cs"/>
+              </a:defRPr>
+            </a:lvl5pPr>
+            <a:lvl6pPr marL="2514600" indent="-228600" algn="l" defTabSz="914400" rtl="0" eaLnBrk="1" latinLnBrk="1" hangingPunct="1">
+              <a:lnSpc>
+                <a:spcPct val="90000"/>
+              </a:lnSpc>
+              <a:spcBef>
+                <a:spcPts val="500"/>
+              </a:spcBef>
+              <a:buFont typeface="Arial" panose="020B0604020202020204" pitchFamily="34" charset="0"/>
+              <a:buChar char="•"/>
+              <a:defRPr sz="1800" kern="1200">
+                <a:solidFill>
+                  <a:schemeClr val="tx1"/>
+                </a:solidFill>
+                <a:latin typeface="+mn-lt"/>
+                <a:ea typeface="+mn-ea"/>
+                <a:cs typeface="+mn-cs"/>
+              </a:defRPr>
+            </a:lvl6pPr>
+            <a:lvl7pPr marL="2971800" indent="-228600" algn="l" defTabSz="914400" rtl="0" eaLnBrk="1" latinLnBrk="1" hangingPunct="1">
+              <a:lnSpc>
+                <a:spcPct val="90000"/>
+              </a:lnSpc>
+              <a:spcBef>
+                <a:spcPts val="500"/>
+              </a:spcBef>
+              <a:buFont typeface="Arial" panose="020B0604020202020204" pitchFamily="34" charset="0"/>
+              <a:buChar char="•"/>
+              <a:defRPr sz="1800" kern="1200">
+                <a:solidFill>
+                  <a:schemeClr val="tx1"/>
+                </a:solidFill>
+                <a:latin typeface="+mn-lt"/>
+                <a:ea typeface="+mn-ea"/>
+                <a:cs typeface="+mn-cs"/>
+              </a:defRPr>
+            </a:lvl7pPr>
+            <a:lvl8pPr marL="3429000" indent="-228600" algn="l" defTabSz="914400" rtl="0" eaLnBrk="1" latinLnBrk="1" hangingPunct="1">
+              <a:lnSpc>
+                <a:spcPct val="90000"/>
+              </a:lnSpc>
+              <a:spcBef>
+                <a:spcPts val="500"/>
+              </a:spcBef>
+              <a:buFont typeface="Arial" panose="020B0604020202020204" pitchFamily="34" charset="0"/>
+              <a:buChar char="•"/>
+              <a:defRPr sz="1800" kern="1200">
+                <a:solidFill>
+                  <a:schemeClr val="tx1"/>
+                </a:solidFill>
+                <a:latin typeface="+mn-lt"/>
+                <a:ea typeface="+mn-ea"/>
+                <a:cs typeface="+mn-cs"/>
+              </a:defRPr>
+            </a:lvl8pPr>
+            <a:lvl9pPr marL="3886200" indent="-228600" algn="l" defTabSz="914400" rtl="0" eaLnBrk="1" latinLnBrk="1" hangingPunct="1">
+              <a:lnSpc>
+                <a:spcPct val="90000"/>
+              </a:lnSpc>
+              <a:spcBef>
+                <a:spcPts val="500"/>
+              </a:spcBef>
+              <a:buFont typeface="Arial" panose="020B0604020202020204" pitchFamily="34" charset="0"/>
+              <a:buChar char="•"/>
+              <a:defRPr sz="1800" kern="1200">
+                <a:solidFill>
+                  <a:schemeClr val="tx1"/>
+                </a:solidFill>
+                <a:latin typeface="+mn-lt"/>
+                <a:ea typeface="+mn-ea"/>
+                <a:cs typeface="+mn-cs"/>
+              </a:defRPr>
+            </a:lvl9pPr>
+          </a:lstStyle>
           <a:p>
             <a:pPr algn="ctr"/>
             <a:r>
-              <a:rPr lang="ko-KR" altLang="en-US" dirty="0"/>
-              <a:t>불편합니다</a:t>
-            </a:r>
-            <a:r>
-              <a:rPr lang="en-US" altLang="ko-KR" dirty="0"/>
-              <a:t>.</a:t>
-            </a:r>
-            <a:endParaRPr lang="ko-KR" altLang="en-US" dirty="0"/>
+              <a:rPr lang="ko-KR" altLang="en-US" sz="1800" b="1" dirty="0"/>
+              <a:t>매우 불편하죠</a:t>
+            </a:r>
+            <a:endParaRPr lang="en-US" altLang="ko-KR" sz="1800" b="1" dirty="0"/>
           </a:p>
         </p:txBody>
       </p:sp>
@@ -9021,150 +13820,235 @@
       </p:grpSpPr>
       <p:sp>
         <p:nvSpPr>
-          <p:cNvPr id="3" name="내용 개체 틀 2">
-            <a:extLst>
-              <a:ext uri="{FF2B5EF4-FFF2-40B4-BE49-F238E27FC236}">
-                <a16:creationId xmlns:a16="http://schemas.microsoft.com/office/drawing/2014/main" id="{CEF30CAB-8045-4504-9625-AE8B259F91BD}"/>
-              </a:ext>
-            </a:extLst>
-          </p:cNvPr>
-          <p:cNvSpPr>
-            <a:spLocks noGrp="1"/>
+          <p:cNvPr id="7" name="내용 개체 틀 2">
+            <a:extLst>
+              <a:ext uri="{FF2B5EF4-FFF2-40B4-BE49-F238E27FC236}">
+                <a16:creationId xmlns:a16="http://schemas.microsoft.com/office/drawing/2014/main" id="{D475F827-B898-4545-8F38-05020A2F416E}"/>
+              </a:ext>
+            </a:extLst>
+          </p:cNvPr>
+          <p:cNvSpPr txBox="1">
+            <a:spLocks/>
           </p:cNvSpPr>
-          <p:nvPr>
-            <p:ph idx="1"/>
-          </p:nvPr>
+          <p:nvPr/>
         </p:nvSpPr>
         <p:spPr>
           <a:xfrm>
-            <a:off x="472440" y="5755957"/>
-            <a:ext cx="11460480" cy="1239203"/>
-          </a:xfrm>
-        </p:spPr>
-        <p:txBody>
-          <a:bodyPr>
-            <a:normAutofit/>
-          </a:bodyPr>
-          <a:lstStyle/>
-          <a:p>
-            <a:r>
-              <a:rPr lang="ko-KR" altLang="en-US" sz="1800" b="1" dirty="0"/>
-              <a:t>이러한 상황으로 인해 </a:t>
-            </a:r>
-            <a:r>
-              <a:rPr lang="ko-KR" altLang="en-US" sz="2400" b="1" dirty="0"/>
-              <a:t>이러한</a:t>
-            </a:r>
-            <a:r>
-              <a:rPr lang="ko-KR" altLang="en-US" sz="1800" b="1" dirty="0"/>
-              <a:t> 아이디어가 필요했습니다</a:t>
-            </a:r>
-            <a:r>
-              <a:rPr lang="en-US" altLang="ko-KR" sz="1800" b="1" dirty="0"/>
-              <a:t>.</a:t>
-            </a:r>
-          </a:p>
-          <a:p>
-            <a:r>
-              <a:rPr lang="ko-KR" altLang="en-US" sz="1800" b="1" dirty="0"/>
-              <a:t>바로 </a:t>
-            </a:r>
-            <a:r>
-              <a:rPr lang="en-US" altLang="ko-KR" sz="1800" b="1" dirty="0"/>
-              <a:t>YouTube</a:t>
-            </a:r>
-            <a:r>
-              <a:rPr lang="ko-KR" altLang="en-US" sz="1800" b="1" dirty="0"/>
-              <a:t>의 </a:t>
-            </a:r>
-            <a:r>
-              <a:rPr lang="en-US" altLang="ko-KR" sz="1800" b="1" dirty="0"/>
-              <a:t>URL</a:t>
-            </a:r>
-            <a:r>
-              <a:rPr lang="ko-KR" altLang="en-US" sz="1800" b="1" dirty="0"/>
-              <a:t>에서 악보를 추출하여</a:t>
-            </a:r>
-          </a:p>
-        </p:txBody>
-      </p:sp>
-      <p:pic>
-        <p:nvPicPr>
-          <p:cNvPr id="5124" name="Picture 4" descr="음원추출에 대한 이미지 검색결과">
-            <a:extLst>
-              <a:ext uri="{FF2B5EF4-FFF2-40B4-BE49-F238E27FC236}">
-                <a16:creationId xmlns:a16="http://schemas.microsoft.com/office/drawing/2014/main" id="{09C3BBC3-2756-4B9E-9F54-5814F123D584}"/>
-              </a:ext>
-            </a:extLst>
-          </p:cNvPr>
-          <p:cNvPicPr>
-            <a:picLocks noChangeAspect="1" noChangeArrowheads="1"/>
-          </p:cNvPicPr>
-          <p:nvPr/>
-        </p:nvPicPr>
-        <p:blipFill>
-          <a:blip r:embed="rId2">
-            <a:extLst>
-              <a:ext uri="{28A0092B-C50C-407E-A947-70E740481C1C}">
-                <a14:useLocalDpi xmlns:a14="http://schemas.microsoft.com/office/drawing/2010/main" val="0"/>
-              </a:ext>
-            </a:extLst>
-          </a:blip>
-          <a:srcRect/>
-          <a:stretch>
-            <a:fillRect/>
-          </a:stretch>
-        </p:blipFill>
-        <p:spPr bwMode="auto">
-          <a:xfrm>
-            <a:off x="2486024" y="633892"/>
-            <a:ext cx="7219950" cy="2495550"/>
+            <a:off x="348028" y="5987860"/>
+            <a:ext cx="11495942" cy="702573"/>
           </a:xfrm>
           <a:prstGeom prst="rect">
             <a:avLst/>
           </a:prstGeom>
-          <a:noFill/>
-          <a:extLst>
-            <a:ext uri="{909E8E84-426E-40DD-AFC4-6F175D3DCCD1}">
-              <a14:hiddenFill xmlns:a14="http://schemas.microsoft.com/office/drawing/2010/main">
-                <a:solidFill>
-                  <a:srgbClr val="FFFFFF"/>
-                </a:solidFill>
-              </a14:hiddenFill>
-            </a:ext>
-          </a:extLst>
+          <a:solidFill>
+            <a:schemeClr val="accent6">
+              <a:lumMod val="50000"/>
+              <a:alpha val="52000"/>
+            </a:schemeClr>
+          </a:solidFill>
+          <a:ln w="25400" cap="rnd" cmpd="dbl">
+            <a:solidFill>
+              <a:schemeClr val="accent6">
+                <a:lumMod val="40000"/>
+                <a:lumOff val="60000"/>
+              </a:schemeClr>
+            </a:solidFill>
+          </a:ln>
         </p:spPr>
-      </p:pic>
-      <p:pic>
-        <p:nvPicPr>
-          <p:cNvPr id="5" name="그림 4">
-            <a:extLst>
-              <a:ext uri="{FF2B5EF4-FFF2-40B4-BE49-F238E27FC236}">
-                <a16:creationId xmlns:a16="http://schemas.microsoft.com/office/drawing/2014/main" id="{119572BF-B4EF-4DD9-9235-1D4A6F2445C4}"/>
-              </a:ext>
-            </a:extLst>
-          </p:cNvPr>
-          <p:cNvPicPr>
-            <a:picLocks noChangeAspect="1"/>
-          </p:cNvPicPr>
-          <p:nvPr/>
-        </p:nvPicPr>
-        <p:blipFill>
-          <a:blip r:embed="rId3"/>
-          <a:stretch>
-            <a:fillRect/>
-          </a:stretch>
-        </p:blipFill>
-        <p:spPr>
-          <a:xfrm>
-            <a:off x="2930841" y="2971332"/>
-            <a:ext cx="6330315" cy="2757481"/>
-          </a:xfrm>
-          <a:prstGeom prst="rect">
-            <a:avLst/>
-          </a:prstGeom>
-        </p:spPr>
-      </p:pic>
+        <p:txBody>
+          <a:bodyPr vert="horz" lIns="91440" tIns="45720" rIns="91440" bIns="45720" rtlCol="0" anchor="ctr">
+            <a:normAutofit/>
+          </a:bodyPr>
+          <a:lstStyle>
+            <a:lvl1pPr marL="228600" indent="-228600" algn="l" defTabSz="914400" rtl="0" eaLnBrk="1" latinLnBrk="1" hangingPunct="1">
+              <a:lnSpc>
+                <a:spcPct val="90000"/>
+              </a:lnSpc>
+              <a:spcBef>
+                <a:spcPts val="1000"/>
+              </a:spcBef>
+              <a:buFont typeface="Arial" panose="020B0604020202020204" pitchFamily="34" charset="0"/>
+              <a:buChar char="•"/>
+              <a:defRPr sz="2800" kern="1200">
+                <a:solidFill>
+                  <a:schemeClr val="tx1"/>
+                </a:solidFill>
+                <a:latin typeface="+mn-lt"/>
+                <a:ea typeface="+mn-ea"/>
+                <a:cs typeface="+mn-cs"/>
+              </a:defRPr>
+            </a:lvl1pPr>
+            <a:lvl2pPr marL="685800" indent="-228600" algn="l" defTabSz="914400" rtl="0" eaLnBrk="1" latinLnBrk="1" hangingPunct="1">
+              <a:lnSpc>
+                <a:spcPct val="90000"/>
+              </a:lnSpc>
+              <a:spcBef>
+                <a:spcPts val="500"/>
+              </a:spcBef>
+              <a:buFont typeface="Arial" panose="020B0604020202020204" pitchFamily="34" charset="0"/>
+              <a:buChar char="•"/>
+              <a:defRPr sz="2400" kern="1200">
+                <a:solidFill>
+                  <a:schemeClr val="tx1"/>
+                </a:solidFill>
+                <a:latin typeface="+mn-lt"/>
+                <a:ea typeface="+mn-ea"/>
+                <a:cs typeface="+mn-cs"/>
+              </a:defRPr>
+            </a:lvl2pPr>
+            <a:lvl3pPr marL="1143000" indent="-228600" algn="l" defTabSz="914400" rtl="0" eaLnBrk="1" latinLnBrk="1" hangingPunct="1">
+              <a:lnSpc>
+                <a:spcPct val="90000"/>
+              </a:lnSpc>
+              <a:spcBef>
+                <a:spcPts val="500"/>
+              </a:spcBef>
+              <a:buFont typeface="Arial" panose="020B0604020202020204" pitchFamily="34" charset="0"/>
+              <a:buChar char="•"/>
+              <a:defRPr sz="2000" kern="1200">
+                <a:solidFill>
+                  <a:schemeClr val="tx1"/>
+                </a:solidFill>
+                <a:latin typeface="+mn-lt"/>
+                <a:ea typeface="+mn-ea"/>
+                <a:cs typeface="+mn-cs"/>
+              </a:defRPr>
+            </a:lvl3pPr>
+            <a:lvl4pPr marL="1600200" indent="-228600" algn="l" defTabSz="914400" rtl="0" eaLnBrk="1" latinLnBrk="1" hangingPunct="1">
+              <a:lnSpc>
+                <a:spcPct val="90000"/>
+              </a:lnSpc>
+              <a:spcBef>
+                <a:spcPts val="500"/>
+              </a:spcBef>
+              <a:buFont typeface="Arial" panose="020B0604020202020204" pitchFamily="34" charset="0"/>
+              <a:buChar char="•"/>
+              <a:defRPr sz="1800" kern="1200">
+                <a:solidFill>
+                  <a:schemeClr val="tx1"/>
+                </a:solidFill>
+                <a:latin typeface="+mn-lt"/>
+                <a:ea typeface="+mn-ea"/>
+                <a:cs typeface="+mn-cs"/>
+              </a:defRPr>
+            </a:lvl4pPr>
+            <a:lvl5pPr marL="2057400" indent="-228600" algn="l" defTabSz="914400" rtl="0" eaLnBrk="1" latinLnBrk="1" hangingPunct="1">
+              <a:lnSpc>
+                <a:spcPct val="90000"/>
+              </a:lnSpc>
+              <a:spcBef>
+                <a:spcPts val="500"/>
+              </a:spcBef>
+              <a:buFont typeface="Arial" panose="020B0604020202020204" pitchFamily="34" charset="0"/>
+              <a:buChar char="•"/>
+              <a:defRPr sz="1800" kern="1200">
+                <a:solidFill>
+                  <a:schemeClr val="tx1"/>
+                </a:solidFill>
+                <a:latin typeface="+mn-lt"/>
+                <a:ea typeface="+mn-ea"/>
+                <a:cs typeface="+mn-cs"/>
+              </a:defRPr>
+            </a:lvl5pPr>
+            <a:lvl6pPr marL="2514600" indent="-228600" algn="l" defTabSz="914400" rtl="0" eaLnBrk="1" latinLnBrk="1" hangingPunct="1">
+              <a:lnSpc>
+                <a:spcPct val="90000"/>
+              </a:lnSpc>
+              <a:spcBef>
+                <a:spcPts val="500"/>
+              </a:spcBef>
+              <a:buFont typeface="Arial" panose="020B0604020202020204" pitchFamily="34" charset="0"/>
+              <a:buChar char="•"/>
+              <a:defRPr sz="1800" kern="1200">
+                <a:solidFill>
+                  <a:schemeClr val="tx1"/>
+                </a:solidFill>
+                <a:latin typeface="+mn-lt"/>
+                <a:ea typeface="+mn-ea"/>
+                <a:cs typeface="+mn-cs"/>
+              </a:defRPr>
+            </a:lvl6pPr>
+            <a:lvl7pPr marL="2971800" indent="-228600" algn="l" defTabSz="914400" rtl="0" eaLnBrk="1" latinLnBrk="1" hangingPunct="1">
+              <a:lnSpc>
+                <a:spcPct val="90000"/>
+              </a:lnSpc>
+              <a:spcBef>
+                <a:spcPts val="500"/>
+              </a:spcBef>
+              <a:buFont typeface="Arial" panose="020B0604020202020204" pitchFamily="34" charset="0"/>
+              <a:buChar char="•"/>
+              <a:defRPr sz="1800" kern="1200">
+                <a:solidFill>
+                  <a:schemeClr val="tx1"/>
+                </a:solidFill>
+                <a:latin typeface="+mn-lt"/>
+                <a:ea typeface="+mn-ea"/>
+                <a:cs typeface="+mn-cs"/>
+              </a:defRPr>
+            </a:lvl7pPr>
+            <a:lvl8pPr marL="3429000" indent="-228600" algn="l" defTabSz="914400" rtl="0" eaLnBrk="1" latinLnBrk="1" hangingPunct="1">
+              <a:lnSpc>
+                <a:spcPct val="90000"/>
+              </a:lnSpc>
+              <a:spcBef>
+                <a:spcPts val="500"/>
+              </a:spcBef>
+              <a:buFont typeface="Arial" panose="020B0604020202020204" pitchFamily="34" charset="0"/>
+              <a:buChar char="•"/>
+              <a:defRPr sz="1800" kern="1200">
+                <a:solidFill>
+                  <a:schemeClr val="tx1"/>
+                </a:solidFill>
+                <a:latin typeface="+mn-lt"/>
+                <a:ea typeface="+mn-ea"/>
+                <a:cs typeface="+mn-cs"/>
+              </a:defRPr>
+            </a:lvl8pPr>
+            <a:lvl9pPr marL="3886200" indent="-228600" algn="l" defTabSz="914400" rtl="0" eaLnBrk="1" latinLnBrk="1" hangingPunct="1">
+              <a:lnSpc>
+                <a:spcPct val="90000"/>
+              </a:lnSpc>
+              <a:spcBef>
+                <a:spcPts val="500"/>
+              </a:spcBef>
+              <a:buFont typeface="Arial" panose="020B0604020202020204" pitchFamily="34" charset="0"/>
+              <a:buChar char="•"/>
+              <a:defRPr sz="1800" kern="1200">
+                <a:solidFill>
+                  <a:schemeClr val="tx1"/>
+                </a:solidFill>
+                <a:latin typeface="+mn-lt"/>
+                <a:ea typeface="+mn-ea"/>
+                <a:cs typeface="+mn-cs"/>
+              </a:defRPr>
+            </a:lvl9pPr>
+          </a:lstStyle>
+          <a:p>
+            <a:pPr algn="ctr"/>
+            <a:r>
+              <a:rPr lang="ko-KR" altLang="en-US" sz="1800" b="1" dirty="0">
+                <a:solidFill>
+                  <a:schemeClr val="bg1"/>
+                </a:solidFill>
+              </a:rPr>
+              <a:t>이러한 상황으로 인해 우리는 이런 아이디어가 필요했습니다</a:t>
+            </a:r>
+            <a:r>
+              <a:rPr lang="en-US" altLang="ko-KR" sz="1800" b="1" dirty="0">
+                <a:solidFill>
+                  <a:schemeClr val="bg1"/>
+                </a:solidFill>
+              </a:rPr>
+              <a:t>.</a:t>
+            </a:r>
+            <a:endParaRPr lang="ko-KR" altLang="en-US" sz="1800" b="1" dirty="0">
+              <a:solidFill>
+                <a:schemeClr val="bg1"/>
+              </a:solidFill>
+            </a:endParaRPr>
+          </a:p>
+        </p:txBody>
+      </p:sp>
     </p:spTree>
     <p:extLst>
       <p:ext uri="{BB962C8B-B14F-4D97-AF65-F5344CB8AC3E}">
@@ -9197,77 +14081,297 @@
       </p:grpSpPr>
       <p:pic>
         <p:nvPicPr>
-          <p:cNvPr id="4" name="그림 3">
-            <a:extLst>
-              <a:ext uri="{FF2B5EF4-FFF2-40B4-BE49-F238E27FC236}">
-                <a16:creationId xmlns:a16="http://schemas.microsoft.com/office/drawing/2014/main" id="{09949051-B3D6-46B3-B50B-720B9D81AB43}"/>
+          <p:cNvPr id="5124" name="Picture 4" descr="음원추출에 대한 이미지 검색결과">
+            <a:extLst>
+              <a:ext uri="{FF2B5EF4-FFF2-40B4-BE49-F238E27FC236}">
+                <a16:creationId xmlns:a16="http://schemas.microsoft.com/office/drawing/2014/main" id="{09C3BBC3-2756-4B9E-9F54-5814F123D584}"/>
               </a:ext>
             </a:extLst>
           </p:cNvPr>
           <p:cNvPicPr>
-            <a:picLocks noChangeAspect="1"/>
+            <a:picLocks noChangeAspect="1" noChangeArrowheads="1"/>
           </p:cNvPicPr>
           <p:nvPr/>
         </p:nvPicPr>
         <p:blipFill>
-          <a:blip r:embed="rId2"/>
+          <a:blip r:embed="rId2">
+            <a:extLst>
+              <a:ext uri="{28A0092B-C50C-407E-A947-70E740481C1C}">
+                <a14:useLocalDpi xmlns:a14="http://schemas.microsoft.com/office/drawing/2010/main" val="0"/>
+              </a:ext>
+            </a:extLst>
+          </a:blip>
+          <a:srcRect/>
           <a:stretch>
             <a:fillRect/>
           </a:stretch>
         </p:blipFill>
-        <p:spPr>
+        <p:spPr bwMode="auto">
           <a:xfrm>
-            <a:off x="3926289" y="609370"/>
-            <a:ext cx="4339421" cy="4339421"/>
-          </a:xfrm>
-          <a:prstGeom prst="rect">
-            <a:avLst/>
-          </a:prstGeom>
-        </p:spPr>
-      </p:pic>
-      <p:sp>
-        <p:nvSpPr>
-          <p:cNvPr id="5" name="TextBox 4">
-            <a:extLst>
-              <a:ext uri="{FF2B5EF4-FFF2-40B4-BE49-F238E27FC236}">
-                <a16:creationId xmlns:a16="http://schemas.microsoft.com/office/drawing/2014/main" id="{E23383D2-3BC7-451B-B74F-E73BEAACA939}"/>
-              </a:ext>
-            </a:extLst>
-          </p:cNvPr>
-          <p:cNvSpPr txBox="1"/>
-          <p:nvPr/>
-        </p:nvSpPr>
-        <p:spPr>
-          <a:xfrm>
-            <a:off x="4998583" y="6387175"/>
-            <a:ext cx="2416046" cy="369332"/>
+            <a:off x="2486025" y="583092"/>
+            <a:ext cx="7219950" cy="2495550"/>
           </a:xfrm>
           <a:prstGeom prst="rect">
             <a:avLst/>
           </a:prstGeom>
           <a:noFill/>
+          <a:extLst>
+            <a:ext uri="{909E8E84-426E-40DD-AFC4-6F175D3DCCD1}">
+              <a14:hiddenFill xmlns:a14="http://schemas.microsoft.com/office/drawing/2010/main">
+                <a:solidFill>
+                  <a:srgbClr val="FFFFFF"/>
+                </a:solidFill>
+              </a14:hiddenFill>
+            </a:ext>
+          </a:extLst>
+        </p:spPr>
+      </p:pic>
+      <p:sp>
+        <p:nvSpPr>
+          <p:cNvPr id="7" name="내용 개체 틀 2">
+            <a:extLst>
+              <a:ext uri="{FF2B5EF4-FFF2-40B4-BE49-F238E27FC236}">
+                <a16:creationId xmlns:a16="http://schemas.microsoft.com/office/drawing/2014/main" id="{D475F827-B898-4545-8F38-05020A2F416E}"/>
+              </a:ext>
+            </a:extLst>
+          </p:cNvPr>
+          <p:cNvSpPr txBox="1">
+            <a:spLocks/>
+          </p:cNvSpPr>
+          <p:nvPr/>
+        </p:nvSpPr>
+        <p:spPr>
+          <a:xfrm>
+            <a:off x="348028" y="5987860"/>
+            <a:ext cx="11495942" cy="702573"/>
+          </a:xfrm>
+          <a:prstGeom prst="rect">
+            <a:avLst/>
+          </a:prstGeom>
+          <a:solidFill>
+            <a:schemeClr val="accent6">
+              <a:lumMod val="50000"/>
+              <a:alpha val="52000"/>
+            </a:schemeClr>
+          </a:solidFill>
+          <a:ln w="25400" cap="rnd" cmpd="dbl">
+            <a:solidFill>
+              <a:schemeClr val="accent6">
+                <a:lumMod val="40000"/>
+                <a:lumOff val="60000"/>
+              </a:schemeClr>
+            </a:solidFill>
+          </a:ln>
         </p:spPr>
         <p:txBody>
-          <a:bodyPr wrap="none" rtlCol="0">
-            <a:spAutoFit/>
+          <a:bodyPr vert="horz" lIns="91440" tIns="45720" rIns="91440" bIns="45720" rtlCol="0" anchor="ctr">
+            <a:normAutofit/>
           </a:bodyPr>
-          <a:lstStyle/>
-          <a:p>
-            <a:pPr marL="285750" indent="-285750">
-              <a:buFont typeface="Arial" panose="020B0604020202020204" pitchFamily="34" charset="0"/>
-              <a:buChar char="•"/>
-            </a:pPr>
-            <a:r>
-              <a:rPr lang="ko-KR" altLang="en-US" b="1" dirty="0"/>
-              <a:t>플레이 할 수</a:t>
-            </a:r>
-            <a:r>
-              <a:rPr lang="en-US" altLang="ko-KR" b="1" dirty="0"/>
-              <a:t> </a:t>
-            </a:r>
-            <a:r>
-              <a:rPr lang="ko-KR" altLang="en-US" b="1" dirty="0"/>
-              <a:t>있고 </a:t>
+          <a:lstStyle>
+            <a:lvl1pPr marL="228600" indent="-228600" algn="l" defTabSz="914400" rtl="0" eaLnBrk="1" latinLnBrk="1" hangingPunct="1">
+              <a:lnSpc>
+                <a:spcPct val="90000"/>
+              </a:lnSpc>
+              <a:spcBef>
+                <a:spcPts val="1000"/>
+              </a:spcBef>
+              <a:buFont typeface="Arial" panose="020B0604020202020204" pitchFamily="34" charset="0"/>
+              <a:buChar char="•"/>
+              <a:defRPr sz="2800" kern="1200">
+                <a:solidFill>
+                  <a:schemeClr val="tx1"/>
+                </a:solidFill>
+                <a:latin typeface="+mn-lt"/>
+                <a:ea typeface="+mn-ea"/>
+                <a:cs typeface="+mn-cs"/>
+              </a:defRPr>
+            </a:lvl1pPr>
+            <a:lvl2pPr marL="685800" indent="-228600" algn="l" defTabSz="914400" rtl="0" eaLnBrk="1" latinLnBrk="1" hangingPunct="1">
+              <a:lnSpc>
+                <a:spcPct val="90000"/>
+              </a:lnSpc>
+              <a:spcBef>
+                <a:spcPts val="500"/>
+              </a:spcBef>
+              <a:buFont typeface="Arial" panose="020B0604020202020204" pitchFamily="34" charset="0"/>
+              <a:buChar char="•"/>
+              <a:defRPr sz="2400" kern="1200">
+                <a:solidFill>
+                  <a:schemeClr val="tx1"/>
+                </a:solidFill>
+                <a:latin typeface="+mn-lt"/>
+                <a:ea typeface="+mn-ea"/>
+                <a:cs typeface="+mn-cs"/>
+              </a:defRPr>
+            </a:lvl2pPr>
+            <a:lvl3pPr marL="1143000" indent="-228600" algn="l" defTabSz="914400" rtl="0" eaLnBrk="1" latinLnBrk="1" hangingPunct="1">
+              <a:lnSpc>
+                <a:spcPct val="90000"/>
+              </a:lnSpc>
+              <a:spcBef>
+                <a:spcPts val="500"/>
+              </a:spcBef>
+              <a:buFont typeface="Arial" panose="020B0604020202020204" pitchFamily="34" charset="0"/>
+              <a:buChar char="•"/>
+              <a:defRPr sz="2000" kern="1200">
+                <a:solidFill>
+                  <a:schemeClr val="tx1"/>
+                </a:solidFill>
+                <a:latin typeface="+mn-lt"/>
+                <a:ea typeface="+mn-ea"/>
+                <a:cs typeface="+mn-cs"/>
+              </a:defRPr>
+            </a:lvl3pPr>
+            <a:lvl4pPr marL="1600200" indent="-228600" algn="l" defTabSz="914400" rtl="0" eaLnBrk="1" latinLnBrk="1" hangingPunct="1">
+              <a:lnSpc>
+                <a:spcPct val="90000"/>
+              </a:lnSpc>
+              <a:spcBef>
+                <a:spcPts val="500"/>
+              </a:spcBef>
+              <a:buFont typeface="Arial" panose="020B0604020202020204" pitchFamily="34" charset="0"/>
+              <a:buChar char="•"/>
+              <a:defRPr sz="1800" kern="1200">
+                <a:solidFill>
+                  <a:schemeClr val="tx1"/>
+                </a:solidFill>
+                <a:latin typeface="+mn-lt"/>
+                <a:ea typeface="+mn-ea"/>
+                <a:cs typeface="+mn-cs"/>
+              </a:defRPr>
+            </a:lvl4pPr>
+            <a:lvl5pPr marL="2057400" indent="-228600" algn="l" defTabSz="914400" rtl="0" eaLnBrk="1" latinLnBrk="1" hangingPunct="1">
+              <a:lnSpc>
+                <a:spcPct val="90000"/>
+              </a:lnSpc>
+              <a:spcBef>
+                <a:spcPts val="500"/>
+              </a:spcBef>
+              <a:buFont typeface="Arial" panose="020B0604020202020204" pitchFamily="34" charset="0"/>
+              <a:buChar char="•"/>
+              <a:defRPr sz="1800" kern="1200">
+                <a:solidFill>
+                  <a:schemeClr val="tx1"/>
+                </a:solidFill>
+                <a:latin typeface="+mn-lt"/>
+                <a:ea typeface="+mn-ea"/>
+                <a:cs typeface="+mn-cs"/>
+              </a:defRPr>
+            </a:lvl5pPr>
+            <a:lvl6pPr marL="2514600" indent="-228600" algn="l" defTabSz="914400" rtl="0" eaLnBrk="1" latinLnBrk="1" hangingPunct="1">
+              <a:lnSpc>
+                <a:spcPct val="90000"/>
+              </a:lnSpc>
+              <a:spcBef>
+                <a:spcPts val="500"/>
+              </a:spcBef>
+              <a:buFont typeface="Arial" panose="020B0604020202020204" pitchFamily="34" charset="0"/>
+              <a:buChar char="•"/>
+              <a:defRPr sz="1800" kern="1200">
+                <a:solidFill>
+                  <a:schemeClr val="tx1"/>
+                </a:solidFill>
+                <a:latin typeface="+mn-lt"/>
+                <a:ea typeface="+mn-ea"/>
+                <a:cs typeface="+mn-cs"/>
+              </a:defRPr>
+            </a:lvl6pPr>
+            <a:lvl7pPr marL="2971800" indent="-228600" algn="l" defTabSz="914400" rtl="0" eaLnBrk="1" latinLnBrk="1" hangingPunct="1">
+              <a:lnSpc>
+                <a:spcPct val="90000"/>
+              </a:lnSpc>
+              <a:spcBef>
+                <a:spcPts val="500"/>
+              </a:spcBef>
+              <a:buFont typeface="Arial" panose="020B0604020202020204" pitchFamily="34" charset="0"/>
+              <a:buChar char="•"/>
+              <a:defRPr sz="1800" kern="1200">
+                <a:solidFill>
+                  <a:schemeClr val="tx1"/>
+                </a:solidFill>
+                <a:latin typeface="+mn-lt"/>
+                <a:ea typeface="+mn-ea"/>
+                <a:cs typeface="+mn-cs"/>
+              </a:defRPr>
+            </a:lvl7pPr>
+            <a:lvl8pPr marL="3429000" indent="-228600" algn="l" defTabSz="914400" rtl="0" eaLnBrk="1" latinLnBrk="1" hangingPunct="1">
+              <a:lnSpc>
+                <a:spcPct val="90000"/>
+              </a:lnSpc>
+              <a:spcBef>
+                <a:spcPts val="500"/>
+              </a:spcBef>
+              <a:buFont typeface="Arial" panose="020B0604020202020204" pitchFamily="34" charset="0"/>
+              <a:buChar char="•"/>
+              <a:defRPr sz="1800" kern="1200">
+                <a:solidFill>
+                  <a:schemeClr val="tx1"/>
+                </a:solidFill>
+                <a:latin typeface="+mn-lt"/>
+                <a:ea typeface="+mn-ea"/>
+                <a:cs typeface="+mn-cs"/>
+              </a:defRPr>
+            </a:lvl8pPr>
+            <a:lvl9pPr marL="3886200" indent="-228600" algn="l" defTabSz="914400" rtl="0" eaLnBrk="1" latinLnBrk="1" hangingPunct="1">
+              <a:lnSpc>
+                <a:spcPct val="90000"/>
+              </a:lnSpc>
+              <a:spcBef>
+                <a:spcPts val="500"/>
+              </a:spcBef>
+              <a:buFont typeface="Arial" panose="020B0604020202020204" pitchFamily="34" charset="0"/>
+              <a:buChar char="•"/>
+              <a:defRPr sz="1800" kern="1200">
+                <a:solidFill>
+                  <a:schemeClr val="tx1"/>
+                </a:solidFill>
+                <a:latin typeface="+mn-lt"/>
+                <a:ea typeface="+mn-ea"/>
+                <a:cs typeface="+mn-cs"/>
+              </a:defRPr>
+            </a:lvl9pPr>
+          </a:lstStyle>
+          <a:p>
+            <a:pPr algn="ctr"/>
+            <a:r>
+              <a:rPr lang="ko-KR" altLang="en-US" sz="1800" b="1" dirty="0">
+                <a:solidFill>
+                  <a:schemeClr val="bg1"/>
+                </a:solidFill>
+              </a:rPr>
+              <a:t>바로 </a:t>
+            </a:r>
+            <a:r>
+              <a:rPr lang="en-US" altLang="ko-KR" sz="1800" b="1" dirty="0">
+                <a:solidFill>
+                  <a:schemeClr val="bg1"/>
+                </a:solidFill>
+              </a:rPr>
+              <a:t>YouTube</a:t>
+            </a:r>
+            <a:r>
+              <a:rPr lang="ko-KR" altLang="en-US" sz="1800" b="1" dirty="0">
+                <a:solidFill>
+                  <a:schemeClr val="bg1"/>
+                </a:solidFill>
+              </a:rPr>
+              <a:t>의 </a:t>
+            </a:r>
+            <a:r>
+              <a:rPr lang="en-US" altLang="ko-KR" sz="1800" b="1" dirty="0">
+                <a:solidFill>
+                  <a:schemeClr val="bg1"/>
+                </a:solidFill>
+              </a:rPr>
+              <a:t>URL</a:t>
+            </a:r>
+            <a:r>
+              <a:rPr lang="ko-KR" altLang="en-US" sz="1800" b="1" dirty="0">
+                <a:solidFill>
+                  <a:schemeClr val="bg1"/>
+                </a:solidFill>
+              </a:rPr>
+              <a:t>에서</a:t>
             </a:r>
           </a:p>
         </p:txBody>
@@ -9275,13 +14379,137 @@
     </p:spTree>
     <p:extLst>
       <p:ext uri="{BB962C8B-B14F-4D97-AF65-F5344CB8AC3E}">
-        <p14:creationId xmlns:p14="http://schemas.microsoft.com/office/powerpoint/2010/main" val="1158900680"/>
+        <p14:creationId xmlns:p14="http://schemas.microsoft.com/office/powerpoint/2010/main" val="2670112165"/>
       </p:ext>
     </p:extLst>
   </p:cSld>
   <p:clrMapOvr>
     <a:masterClrMapping/>
   </p:clrMapOvr>
+  <p:timing>
+    <p:tnLst>
+      <p:par>
+        <p:cTn id="1" dur="indefinite" restart="never" nodeType="tmRoot">
+          <p:childTnLst>
+            <p:seq concurrent="1" nextAc="seek">
+              <p:cTn id="2" dur="indefinite" nodeType="mainSeq">
+                <p:childTnLst>
+                  <p:par>
+                    <p:cTn id="3" fill="hold">
+                      <p:stCondLst>
+                        <p:cond delay="indefinite"/>
+                        <p:cond evt="onBegin" delay="0">
+                          <p:tn val="2"/>
+                        </p:cond>
+                      </p:stCondLst>
+                      <p:childTnLst>
+                        <p:par>
+                          <p:cTn id="4" fill="hold">
+                            <p:stCondLst>
+                              <p:cond delay="0"/>
+                            </p:stCondLst>
+                            <p:childTnLst>
+                              <p:par>
+                                <p:cTn id="5" presetID="2" presetClass="entr" presetSubtype="8" fill="hold" nodeType="withEffect">
+                                  <p:stCondLst>
+                                    <p:cond delay="0"/>
+                                  </p:stCondLst>
+                                  <p:childTnLst>
+                                    <p:set>
+                                      <p:cBhvr>
+                                        <p:cTn id="6" dur="1" fill="hold">
+                                          <p:stCondLst>
+                                            <p:cond delay="0"/>
+                                          </p:stCondLst>
+                                        </p:cTn>
+                                        <p:tgtEl>
+                                          <p:spTgt spid="5124"/>
+                                        </p:tgtEl>
+                                        <p:attrNameLst>
+                                          <p:attrName>style.visibility</p:attrName>
+                                        </p:attrNameLst>
+                                      </p:cBhvr>
+                                      <p:to>
+                                        <p:strVal val="visible"/>
+                                      </p:to>
+                                    </p:set>
+                                    <p:anim calcmode="lin" valueType="num">
+                                      <p:cBhvr additive="base">
+                                        <p:cTn id="7" dur="500" fill="hold"/>
+                                        <p:tgtEl>
+                                          <p:spTgt spid="5124"/>
+                                        </p:tgtEl>
+                                        <p:attrNameLst>
+                                          <p:attrName>ppt_x</p:attrName>
+                                        </p:attrNameLst>
+                                      </p:cBhvr>
+                                      <p:tavLst>
+                                        <p:tav tm="0">
+                                          <p:val>
+                                            <p:strVal val="0-#ppt_w/2"/>
+                                          </p:val>
+                                        </p:tav>
+                                        <p:tav tm="100000">
+                                          <p:val>
+                                            <p:strVal val="#ppt_x"/>
+                                          </p:val>
+                                        </p:tav>
+                                      </p:tavLst>
+                                    </p:anim>
+                                    <p:anim calcmode="lin" valueType="num">
+                                      <p:cBhvr additive="base">
+                                        <p:cTn id="8" dur="500" fill="hold"/>
+                                        <p:tgtEl>
+                                          <p:spTgt spid="5124"/>
+                                        </p:tgtEl>
+                                        <p:attrNameLst>
+                                          <p:attrName>ppt_y</p:attrName>
+                                        </p:attrNameLst>
+                                      </p:cBhvr>
+                                      <p:tavLst>
+                                        <p:tav tm="0">
+                                          <p:val>
+                                            <p:strVal val="#ppt_y"/>
+                                          </p:val>
+                                        </p:tav>
+                                        <p:tav tm="100000">
+                                          <p:val>
+                                            <p:strVal val="#ppt_y"/>
+                                          </p:val>
+                                        </p:tav>
+                                      </p:tavLst>
+                                    </p:anim>
+                                  </p:childTnLst>
+                                </p:cTn>
+                              </p:par>
+                            </p:childTnLst>
+                          </p:cTn>
+                        </p:par>
+                      </p:childTnLst>
+                    </p:cTn>
+                  </p:par>
+                </p:childTnLst>
+              </p:cTn>
+              <p:prevCondLst>
+                <p:cond evt="onPrev" delay="0">
+                  <p:tgtEl>
+                    <p:sldTgt/>
+                  </p:tgtEl>
+                </p:cond>
+              </p:prevCondLst>
+              <p:nextCondLst>
+                <p:cond evt="onNext" delay="0">
+                  <p:tgtEl>
+                    <p:sldTgt/>
+                  </p:tgtEl>
+                </p:cond>
+              </p:nextCondLst>
+            </p:seq>
+          </p:childTnLst>
+        </p:cTn>
+      </p:par>
+    </p:tnLst>
+  </p:timing>
 </p:sld>
 </file>
 

--- a/doc/reports/캡스톤 1차 발표 자료.pptx
+++ b/doc/reports/캡스톤 1차 발표 자료.pptx
@@ -3475,6 +3475,64 @@
               <a:t>위붕우</a:t>
             </a:r>
             <a:endParaRPr lang="ko-KR" altLang="en-US" dirty="0"/>
+          </a:p>
+        </p:txBody>
+      </p:sp>
+      <p:sp>
+        <p:nvSpPr>
+          <p:cNvPr id="4" name="제목 1">
+            <a:extLst>
+              <a:ext uri="{FF2B5EF4-FFF2-40B4-BE49-F238E27FC236}">
+                <a16:creationId xmlns:a16="http://schemas.microsoft.com/office/drawing/2014/main" id="{75D24ED3-5723-498E-82C5-558D3797EA3B}"/>
+              </a:ext>
+            </a:extLst>
+          </p:cNvPr>
+          <p:cNvSpPr txBox="1">
+            <a:spLocks/>
+          </p:cNvSpPr>
+          <p:nvPr/>
+        </p:nvSpPr>
+        <p:spPr>
+          <a:xfrm>
+            <a:off x="4435792" y="447819"/>
+            <a:ext cx="3320415" cy="2512436"/>
+          </a:xfrm>
+          <a:prstGeom prst="rect">
+            <a:avLst/>
+          </a:prstGeom>
+        </p:spPr>
+        <p:txBody>
+          <a:bodyPr vert="horz" lIns="91440" tIns="45720" rIns="91440" bIns="45720" rtlCol="0" anchor="b">
+            <a:normAutofit/>
+          </a:bodyPr>
+          <a:lstStyle>
+            <a:lvl1pPr algn="ctr" defTabSz="914400" rtl="0" eaLnBrk="1" latinLnBrk="1" hangingPunct="1">
+              <a:lnSpc>
+                <a:spcPct val="90000"/>
+              </a:lnSpc>
+              <a:spcBef>
+                <a:spcPct val="0"/>
+              </a:spcBef>
+              <a:buNone/>
+              <a:defRPr sz="6000" kern="1200">
+                <a:solidFill>
+                  <a:schemeClr val="tx1"/>
+                </a:solidFill>
+                <a:latin typeface="+mj-lt"/>
+                <a:ea typeface="+mj-ea"/>
+                <a:cs typeface="+mj-cs"/>
+              </a:defRPr>
+            </a:lvl1pPr>
+          </a:lstStyle>
+          <a:p>
+            <a:r>
+              <a:rPr lang="en-US" altLang="ko-KR" sz="9600" b="1" dirty="0"/>
+              <a:t>14</a:t>
+            </a:r>
+            <a:r>
+              <a:rPr lang="ko-KR" altLang="en-US" sz="9600" b="1" dirty="0"/>
+              <a:t>조</a:t>
+            </a:r>
           </a:p>
         </p:txBody>
       </p:sp>
